--- a/Jet_Classifcation.pptx
+++ b/Jet_Classifcation.pptx
@@ -7,7 +7,9 @@
   <p:sldIdLst>
     <p:sldId id="256" r:id="rId2"/>
     <p:sldId id="257" r:id="rId3"/>
-    <p:sldId id="258" r:id="rId4"/>
+    <p:sldId id="259" r:id="rId4"/>
+    <p:sldId id="258" r:id="rId5"/>
+    <p:sldId id="260" r:id="rId6"/>
   </p:sldIdLst>
   <p:sldSz cx="12192000" cy="6858000"/>
   <p:notesSz cx="6858000" cy="9144000"/>
@@ -106,6 +108,11 @@
       </a:defRPr>
     </a:lvl9pPr>
   </p:defaultTextStyle>
+  <p:extLst>
+    <p:ext uri="{EFAFB233-063F-42B5-8137-9DF3F51BA10A}">
+      <p15:sldGuideLst xmlns:p15="http://schemas.microsoft.com/office/powerpoint/2012/main"/>
+    </p:ext>
+  </p:extLst>
 </p:presentation>
 </file>
 
@@ -258,7 +265,7 @@
           <a:p>
             <a:fld id="{814E7F73-E397-E14E-BA60-9EC0AA64C885}" type="datetimeFigureOut">
               <a:rPr lang="en-US" smtClean="0"/>
-              <a:t>12/1/23</a:t>
+              <a:t>12/5/23</a:t>
             </a:fld>
             <a:endParaRPr lang="en-US"/>
           </a:p>
@@ -458,7 +465,7 @@
           <a:p>
             <a:fld id="{814E7F73-E397-E14E-BA60-9EC0AA64C885}" type="datetimeFigureOut">
               <a:rPr lang="en-US" smtClean="0"/>
-              <a:t>12/1/23</a:t>
+              <a:t>12/5/23</a:t>
             </a:fld>
             <a:endParaRPr lang="en-US"/>
           </a:p>
@@ -668,7 +675,7 @@
           <a:p>
             <a:fld id="{814E7F73-E397-E14E-BA60-9EC0AA64C885}" type="datetimeFigureOut">
               <a:rPr lang="en-US" smtClean="0"/>
-              <a:t>12/1/23</a:t>
+              <a:t>12/5/23</a:t>
             </a:fld>
             <a:endParaRPr lang="en-US"/>
           </a:p>
@@ -868,7 +875,7 @@
           <a:p>
             <a:fld id="{814E7F73-E397-E14E-BA60-9EC0AA64C885}" type="datetimeFigureOut">
               <a:rPr lang="en-US" smtClean="0"/>
-              <a:t>12/1/23</a:t>
+              <a:t>12/5/23</a:t>
             </a:fld>
             <a:endParaRPr lang="en-US"/>
           </a:p>
@@ -1144,7 +1151,7 @@
           <a:p>
             <a:fld id="{814E7F73-E397-E14E-BA60-9EC0AA64C885}" type="datetimeFigureOut">
               <a:rPr lang="en-US" smtClean="0"/>
-              <a:t>12/1/23</a:t>
+              <a:t>12/5/23</a:t>
             </a:fld>
             <a:endParaRPr lang="en-US"/>
           </a:p>
@@ -1412,7 +1419,7 @@
           <a:p>
             <a:fld id="{814E7F73-E397-E14E-BA60-9EC0AA64C885}" type="datetimeFigureOut">
               <a:rPr lang="en-US" smtClean="0"/>
-              <a:t>12/1/23</a:t>
+              <a:t>12/5/23</a:t>
             </a:fld>
             <a:endParaRPr lang="en-US"/>
           </a:p>
@@ -1827,7 +1834,7 @@
           <a:p>
             <a:fld id="{814E7F73-E397-E14E-BA60-9EC0AA64C885}" type="datetimeFigureOut">
               <a:rPr lang="en-US" smtClean="0"/>
-              <a:t>12/1/23</a:t>
+              <a:t>12/5/23</a:t>
             </a:fld>
             <a:endParaRPr lang="en-US"/>
           </a:p>
@@ -1969,7 +1976,7 @@
           <a:p>
             <a:fld id="{814E7F73-E397-E14E-BA60-9EC0AA64C885}" type="datetimeFigureOut">
               <a:rPr lang="en-US" smtClean="0"/>
-              <a:t>12/1/23</a:t>
+              <a:t>12/5/23</a:t>
             </a:fld>
             <a:endParaRPr lang="en-US"/>
           </a:p>
@@ -2082,7 +2089,7 @@
           <a:p>
             <a:fld id="{814E7F73-E397-E14E-BA60-9EC0AA64C885}" type="datetimeFigureOut">
               <a:rPr lang="en-US" smtClean="0"/>
-              <a:t>12/1/23</a:t>
+              <a:t>12/5/23</a:t>
             </a:fld>
             <a:endParaRPr lang="en-US"/>
           </a:p>
@@ -2395,7 +2402,7 @@
           <a:p>
             <a:fld id="{814E7F73-E397-E14E-BA60-9EC0AA64C885}" type="datetimeFigureOut">
               <a:rPr lang="en-US" smtClean="0"/>
-              <a:t>12/1/23</a:t>
+              <a:t>12/5/23</a:t>
             </a:fld>
             <a:endParaRPr lang="en-US"/>
           </a:p>
@@ -2684,7 +2691,7 @@
           <a:p>
             <a:fld id="{814E7F73-E397-E14E-BA60-9EC0AA64C885}" type="datetimeFigureOut">
               <a:rPr lang="en-US" smtClean="0"/>
-              <a:t>12/1/23</a:t>
+              <a:t>12/5/23</a:t>
             </a:fld>
             <a:endParaRPr lang="en-US"/>
           </a:p>
@@ -2927,7 +2934,7 @@
           <a:p>
             <a:fld id="{814E7F73-E397-E14E-BA60-9EC0AA64C885}" type="datetimeFigureOut">
               <a:rPr lang="en-US" smtClean="0"/>
-              <a:t>12/1/23</a:t>
+              <a:t>12/5/23</a:t>
             </a:fld>
             <a:endParaRPr lang="en-US"/>
           </a:p>
@@ -3455,62 +3462,664 @@
           <a:p>
             <a:r>
               <a:rPr lang="en-US" dirty="0"/>
-              <a:t>Steps to be performed</a:t>
-            </a:r>
-          </a:p>
-        </p:txBody>
-      </p:sp>
-      <p:sp>
-        <p:nvSpPr>
-          <p:cNvPr id="3" name="Content Placeholder 2">
-            <a:extLst>
-              <a:ext uri="{FF2B5EF4-FFF2-40B4-BE49-F238E27FC236}">
-                <a16:creationId xmlns:a16="http://schemas.microsoft.com/office/drawing/2014/main" id="{797CF8F5-ECC4-0607-D253-92A5C0BA5394}"/>
-              </a:ext>
-            </a:extLst>
-          </p:cNvPr>
-          <p:cNvSpPr>
-            <a:spLocks noGrp="1"/>
-          </p:cNvSpPr>
-          <p:nvPr>
-            <p:ph idx="1"/>
-          </p:nvPr>
-        </p:nvSpPr>
-        <p:spPr/>
-        <p:txBody>
-          <a:bodyPr>
-            <a:normAutofit lnSpcReduction="10000"/>
-          </a:bodyPr>
-          <a:lstStyle/>
-          <a:p>
-            <a:r>
-              <a:rPr lang="en-US" dirty="0"/>
-              <a:t>Jets: One high-energy particle decays to several low-energy particles. The collection of both decaying particles and decayed particles clustered together forms a jet.</a:t>
-            </a:r>
-          </a:p>
-          <a:p>
-            <a:r>
-              <a:rPr lang="en-US" dirty="0"/>
-              <a:t>Jet classification: At first, jets need to be distinguished based on the originating particle.</a:t>
-            </a:r>
-          </a:p>
-          <a:p>
-            <a:r>
-              <a:rPr lang="en-US" dirty="0"/>
-              <a:t>Divide a given dataset into two subsets. One set is used for training the neural network. The other set is used to validate the neural network.</a:t>
-            </a:r>
-          </a:p>
-          <a:p>
-            <a:r>
-              <a:rPr lang="en-US" dirty="0"/>
-              <a:t>Jet identification: After training and validating the neural network, use it to identify jets based on high-level features of the corresponding physical process.</a:t>
-            </a:r>
-          </a:p>
-          <a:p>
-            <a:endParaRPr lang="en-US" dirty="0"/>
-          </a:p>
-        </p:txBody>
-      </p:sp>
+              <a:t>Neural Network: Building Blocks</a:t>
+            </a:r>
+          </a:p>
+        </p:txBody>
+      </p:sp>
+      <p:pic>
+        <p:nvPicPr>
+          <p:cNvPr id="6" name="Picture 5">
+            <a:extLst>
+              <a:ext uri="{FF2B5EF4-FFF2-40B4-BE49-F238E27FC236}">
+                <a16:creationId xmlns:a16="http://schemas.microsoft.com/office/drawing/2014/main" id="{A96BBED7-9B14-6B96-7D54-C223CD290E18}"/>
+              </a:ext>
+            </a:extLst>
+          </p:cNvPr>
+          <p:cNvPicPr>
+            <a:picLocks noChangeAspect="1"/>
+          </p:cNvPicPr>
+          <p:nvPr/>
+        </p:nvPicPr>
+        <p:blipFill>
+          <a:blip r:embed="rId2"/>
+          <a:stretch>
+            <a:fillRect/>
+          </a:stretch>
+        </p:blipFill>
+        <p:spPr>
+          <a:xfrm>
+            <a:off x="3045528" y="2156370"/>
+            <a:ext cx="5434926" cy="3059395"/>
+          </a:xfrm>
+          <a:prstGeom prst="rect">
+            <a:avLst/>
+          </a:prstGeom>
+        </p:spPr>
+      </p:pic>
+      <p:cxnSp>
+        <p:nvCxnSpPr>
+          <p:cNvPr id="8" name="Straight Arrow Connector 7">
+            <a:extLst>
+              <a:ext uri="{FF2B5EF4-FFF2-40B4-BE49-F238E27FC236}">
+                <a16:creationId xmlns:a16="http://schemas.microsoft.com/office/drawing/2014/main" id="{7CEDD23F-DC70-957A-86DC-5A3167261D9B}"/>
+              </a:ext>
+            </a:extLst>
+          </p:cNvPr>
+          <p:cNvCxnSpPr>
+            <a:endCxn id="2" idx="2"/>
+          </p:cNvCxnSpPr>
+          <p:nvPr/>
+        </p:nvCxnSpPr>
+        <p:spPr>
+          <a:xfrm flipV="1">
+            <a:off x="5170811" y="1690688"/>
+            <a:ext cx="925189" cy="623634"/>
+          </a:xfrm>
+          <a:prstGeom prst="straightConnector1">
+            <a:avLst/>
+          </a:prstGeom>
+          <a:ln>
+            <a:tailEnd type="triangle"/>
+          </a:ln>
+        </p:spPr>
+        <p:style>
+          <a:lnRef idx="1">
+            <a:schemeClr val="accent1"/>
+          </a:lnRef>
+          <a:fillRef idx="0">
+            <a:schemeClr val="accent1"/>
+          </a:fillRef>
+          <a:effectRef idx="0">
+            <a:schemeClr val="accent1"/>
+          </a:effectRef>
+          <a:fontRef idx="minor">
+            <a:schemeClr val="tx1"/>
+          </a:fontRef>
+        </p:style>
+      </p:cxnSp>
+      <mc:AlternateContent xmlns:mc="http://schemas.openxmlformats.org/markup-compatibility/2006">
+        <mc:Choice xmlns:a14="http://schemas.microsoft.com/office/drawing/2010/main" Requires="a14">
+          <p:sp>
+            <p:nvSpPr>
+              <p:cNvPr id="9" name="TextBox 8">
+                <a:extLst>
+                  <a:ext uri="{FF2B5EF4-FFF2-40B4-BE49-F238E27FC236}">
+                    <a16:creationId xmlns:a16="http://schemas.microsoft.com/office/drawing/2014/main" id="{D7A97AEF-9F91-5F32-4FBF-C3CFFBF8EC42}"/>
+                  </a:ext>
+                </a:extLst>
+              </p:cNvPr>
+              <p:cNvSpPr txBox="1"/>
+              <p:nvPr/>
+            </p:nvSpPr>
+            <p:spPr>
+              <a:xfrm>
+                <a:off x="6096000" y="1457569"/>
+                <a:ext cx="1402820" cy="369332"/>
+              </a:xfrm>
+              <a:prstGeom prst="rect">
+                <a:avLst/>
+              </a:prstGeom>
+              <a:noFill/>
+            </p:spPr>
+            <p:txBody>
+              <a:bodyPr wrap="none" rtlCol="0">
+                <a:spAutoFit/>
+              </a:bodyPr>
+              <a:lstStyle/>
+              <a:p>
+                <a14:m>
+                  <m:oMathPara xmlns:m="http://schemas.openxmlformats.org/officeDocument/2006/math">
+                    <m:oMathParaPr>
+                      <m:jc m:val="centerGroup"/>
+                    </m:oMathParaPr>
+                    <m:oMath xmlns:m="http://schemas.openxmlformats.org/officeDocument/2006/math">
+                      <m:r>
+                        <a:rPr lang="en-US" b="0" i="1" smtClean="0">
+                          <a:latin typeface="Cambria Math" panose="02040503050406030204" pitchFamily="18" charset="0"/>
+                        </a:rPr>
+                        <m:t>𝑎</m:t>
+                      </m:r>
+                      <m:r>
+                        <a:rPr lang="en-US" b="0" i="1" smtClean="0">
+                          <a:latin typeface="Cambria Math" panose="02040503050406030204" pitchFamily="18" charset="0"/>
+                        </a:rPr>
+                        <m:t>(</m:t>
+                      </m:r>
+                      <m:sSup>
+                        <m:sSupPr>
+                          <m:ctrlPr>
+                            <a:rPr lang="en-US" b="0" i="1" smtClean="0">
+                              <a:latin typeface="Cambria Math" panose="02040503050406030204" pitchFamily="18" charset="0"/>
+                            </a:rPr>
+                          </m:ctrlPr>
+                        </m:sSupPr>
+                        <m:e>
+                          <m:r>
+                            <a:rPr lang="en-US" b="0" i="1" smtClean="0">
+                              <a:latin typeface="Cambria Math" panose="02040503050406030204" pitchFamily="18" charset="0"/>
+                            </a:rPr>
+                            <m:t>𝑤</m:t>
+                          </m:r>
+                        </m:e>
+                        <m:sup>
+                          <m:r>
+                            <a:rPr lang="en-US" b="0" i="1" smtClean="0">
+                              <a:latin typeface="Cambria Math" panose="02040503050406030204" pitchFamily="18" charset="0"/>
+                            </a:rPr>
+                            <m:t>𝑇</m:t>
+                          </m:r>
+                        </m:sup>
+                      </m:sSup>
+                      <m:r>
+                        <a:rPr lang="en-US" b="0" i="1" smtClean="0">
+                          <a:latin typeface="Cambria Math" panose="02040503050406030204" pitchFamily="18" charset="0"/>
+                        </a:rPr>
+                        <m:t>𝑥</m:t>
+                      </m:r>
+                      <m:r>
+                        <a:rPr lang="en-US" b="0" i="1" smtClean="0">
+                          <a:latin typeface="Cambria Math" panose="02040503050406030204" pitchFamily="18" charset="0"/>
+                        </a:rPr>
+                        <m:t>+</m:t>
+                      </m:r>
+                      <m:r>
+                        <a:rPr lang="en-US" b="0" i="1" smtClean="0">
+                          <a:latin typeface="Cambria Math" panose="02040503050406030204" pitchFamily="18" charset="0"/>
+                        </a:rPr>
+                        <m:t>𝑏</m:t>
+                      </m:r>
+                      <m:r>
+                        <a:rPr lang="en-US" b="0" i="1" smtClean="0">
+                          <a:latin typeface="Cambria Math" panose="02040503050406030204" pitchFamily="18" charset="0"/>
+                        </a:rPr>
+                        <m:t>)</m:t>
+                      </m:r>
+                    </m:oMath>
+                  </m:oMathPara>
+                </a14:m>
+                <a:endParaRPr lang="en-US" dirty="0"/>
+              </a:p>
+            </p:txBody>
+          </p:sp>
+        </mc:Choice>
+        <mc:Fallback>
+          <p:sp>
+            <p:nvSpPr>
+              <p:cNvPr id="9" name="TextBox 8">
+                <a:extLst>
+                  <a:ext uri="{FF2B5EF4-FFF2-40B4-BE49-F238E27FC236}">
+                    <a16:creationId xmlns:a16="http://schemas.microsoft.com/office/drawing/2014/main" id="{D7A97AEF-9F91-5F32-4FBF-C3CFFBF8EC42}"/>
+                  </a:ext>
+                </a:extLst>
+              </p:cNvPr>
+              <p:cNvSpPr txBox="1">
+                <a:spLocks noRot="1" noChangeAspect="1" noMove="1" noResize="1" noEditPoints="1" noAdjustHandles="1" noChangeArrowheads="1" noChangeShapeType="1" noTextEdit="1"/>
+              </p:cNvSpPr>
+              <p:nvPr/>
+            </p:nvSpPr>
+            <p:spPr>
+              <a:xfrm>
+                <a:off x="6096000" y="1457569"/>
+                <a:ext cx="1402820" cy="369332"/>
+              </a:xfrm>
+              <a:prstGeom prst="rect">
+                <a:avLst/>
+              </a:prstGeom>
+              <a:blipFill>
+                <a:blip r:embed="rId3"/>
+                <a:stretch>
+                  <a:fillRect b="-16667"/>
+                </a:stretch>
+              </a:blipFill>
+            </p:spPr>
+            <p:txBody>
+              <a:bodyPr/>
+              <a:lstStyle/>
+              <a:p>
+                <a:r>
+                  <a:rPr lang="en-US">
+                    <a:noFill/>
+                  </a:rPr>
+                  <a:t> </a:t>
+                </a:r>
+              </a:p>
+            </p:txBody>
+          </p:sp>
+        </mc:Fallback>
+      </mc:AlternateContent>
+      <mc:AlternateContent xmlns:mc="http://schemas.openxmlformats.org/markup-compatibility/2006">
+        <mc:Choice xmlns:a14="http://schemas.microsoft.com/office/drawing/2010/main" Requires="a14">
+          <p:sp>
+            <p:nvSpPr>
+              <p:cNvPr id="10" name="TextBox 9">
+                <a:extLst>
+                  <a:ext uri="{FF2B5EF4-FFF2-40B4-BE49-F238E27FC236}">
+                    <a16:creationId xmlns:a16="http://schemas.microsoft.com/office/drawing/2014/main" id="{D9196542-1C14-A4C4-F0F1-5BAB2E75535E}"/>
+                  </a:ext>
+                </a:extLst>
+              </p:cNvPr>
+              <p:cNvSpPr txBox="1"/>
+              <p:nvPr/>
+            </p:nvSpPr>
+            <p:spPr>
+              <a:xfrm>
+                <a:off x="8820319" y="1457569"/>
+                <a:ext cx="3353931" cy="1754326"/>
+              </a:xfrm>
+              <a:prstGeom prst="rect">
+                <a:avLst/>
+              </a:prstGeom>
+              <a:noFill/>
+            </p:spPr>
+            <p:txBody>
+              <a:bodyPr wrap="none" rtlCol="0">
+                <a:spAutoFit/>
+              </a:bodyPr>
+              <a:lstStyle/>
+              <a:p>
+                <a14:m>
+                  <m:oMath xmlns:m="http://schemas.openxmlformats.org/officeDocument/2006/math">
+                    <m:r>
+                      <a:rPr lang="en-US" b="0" i="1" smtClean="0">
+                        <a:latin typeface="Cambria Math" panose="02040503050406030204" pitchFamily="18" charset="0"/>
+                      </a:rPr>
+                      <m:t>𝑎</m:t>
+                    </m:r>
+                  </m:oMath>
+                </a14:m>
+                <a:r>
+                  <a:rPr lang="en-US" dirty="0"/>
+                  <a:t> = Activation function</a:t>
+                </a:r>
+              </a:p>
+              <a:p>
+                <a14:m>
+                  <m:oMath xmlns:m="http://schemas.openxmlformats.org/officeDocument/2006/math">
+                    <m:r>
+                      <a:rPr lang="en-US" b="0" i="1" smtClean="0">
+                        <a:latin typeface="Cambria Math" panose="02040503050406030204" pitchFamily="18" charset="0"/>
+                      </a:rPr>
+                      <m:t>𝑥</m:t>
+                    </m:r>
+                    <m:r>
+                      <a:rPr lang="en-US" b="0" i="1" smtClean="0">
+                        <a:latin typeface="Cambria Math" panose="02040503050406030204" pitchFamily="18" charset="0"/>
+                      </a:rPr>
+                      <m:t>=</m:t>
+                    </m:r>
+                    <m:sSub>
+                      <m:sSubPr>
+                        <m:ctrlPr>
+                          <a:rPr lang="en-US" b="0" i="1" smtClean="0">
+                            <a:latin typeface="Cambria Math" panose="02040503050406030204" pitchFamily="18" charset="0"/>
+                          </a:rPr>
+                        </m:ctrlPr>
+                      </m:sSubPr>
+                      <m:e>
+                        <m:r>
+                          <a:rPr lang="en-US" b="0" i="1" smtClean="0">
+                            <a:latin typeface="Cambria Math" panose="02040503050406030204" pitchFamily="18" charset="0"/>
+                          </a:rPr>
+                          <m:t>𝑥</m:t>
+                        </m:r>
+                      </m:e>
+                      <m:sub>
+                        <m:r>
+                          <a:rPr lang="en-US" b="0" i="1" smtClean="0">
+                            <a:latin typeface="Cambria Math" panose="02040503050406030204" pitchFamily="18" charset="0"/>
+                          </a:rPr>
+                          <m:t>𝑖</m:t>
+                        </m:r>
+                      </m:sub>
+                    </m:sSub>
+                  </m:oMath>
+                </a14:m>
+                <a:r>
+                  <a:rPr lang="en-US" dirty="0"/>
+                  <a:t> , Input features</a:t>
+                </a:r>
+                <a14:m>
+                  <m:oMath xmlns:m="http://schemas.openxmlformats.org/officeDocument/2006/math">
+                    <m:r>
+                      <a:rPr lang="en-US" b="0" i="0" smtClean="0">
+                        <a:latin typeface="Cambria Math" panose="02040503050406030204" pitchFamily="18" charset="0"/>
+                      </a:rPr>
+                      <m:t>(</m:t>
+                    </m:r>
+                    <m:r>
+                      <a:rPr lang="en-US" b="0" i="1" smtClean="0">
+                        <a:latin typeface="Cambria Math" panose="02040503050406030204" pitchFamily="18" charset="0"/>
+                      </a:rPr>
+                      <m:t>𝑖</m:t>
+                    </m:r>
+                    <m:r>
+                      <a:rPr lang="en-US" b="0" i="1" smtClean="0">
+                        <a:latin typeface="Cambria Math" panose="02040503050406030204" pitchFamily="18" charset="0"/>
+                      </a:rPr>
+                      <m:t>=1,2,3)</m:t>
+                    </m:r>
+                  </m:oMath>
+                </a14:m>
+                <a:endParaRPr lang="en-US" dirty="0"/>
+              </a:p>
+              <a:p>
+                <a14:m>
+                  <m:oMath xmlns:m="http://schemas.openxmlformats.org/officeDocument/2006/math">
+                    <m:r>
+                      <a:rPr lang="en-US" b="0" i="1" smtClean="0">
+                        <a:latin typeface="Cambria Math" panose="02040503050406030204" pitchFamily="18" charset="0"/>
+                      </a:rPr>
+                      <m:t>𝑤</m:t>
+                    </m:r>
+                    <m:r>
+                      <a:rPr lang="en-US" b="0" i="1" smtClean="0">
+                        <a:latin typeface="Cambria Math" panose="02040503050406030204" pitchFamily="18" charset="0"/>
+                      </a:rPr>
+                      <m:t>,</m:t>
+                    </m:r>
+                    <m:r>
+                      <a:rPr lang="en-US" b="0" i="1" smtClean="0">
+                        <a:latin typeface="Cambria Math" panose="02040503050406030204" pitchFamily="18" charset="0"/>
+                      </a:rPr>
+                      <m:t>𝑏</m:t>
+                    </m:r>
+                    <m:r>
+                      <a:rPr lang="en-US" b="0" i="1" smtClean="0">
+                        <a:latin typeface="Cambria Math" panose="02040503050406030204" pitchFamily="18" charset="0"/>
+                      </a:rPr>
+                      <m:t>=</m:t>
+                    </m:r>
+                  </m:oMath>
+                </a14:m>
+                <a:r>
+                  <a:rPr lang="en-US" dirty="0"/>
+                  <a:t> Parameters</a:t>
+                </a:r>
+              </a:p>
+              <a:p>
+                <a14:m>
+                  <m:oMath xmlns:m="http://schemas.openxmlformats.org/officeDocument/2006/math">
+                    <m:acc>
+                      <m:accPr>
+                        <m:chr m:val="̂"/>
+                        <m:ctrlPr>
+                          <a:rPr lang="en-US" i="1" smtClean="0">
+                            <a:latin typeface="Cambria Math" panose="02040503050406030204" pitchFamily="18" charset="0"/>
+                          </a:rPr>
+                        </m:ctrlPr>
+                      </m:accPr>
+                      <m:e>
+                        <m:r>
+                          <a:rPr lang="en-US" b="0" i="1" smtClean="0">
+                            <a:latin typeface="Cambria Math" panose="02040503050406030204" pitchFamily="18" charset="0"/>
+                          </a:rPr>
+                          <m:t>𝑦</m:t>
+                        </m:r>
+                      </m:e>
+                    </m:acc>
+                    <m:r>
+                      <a:rPr lang="en-US" b="0" i="1" smtClean="0">
+                        <a:latin typeface="Cambria Math" panose="02040503050406030204" pitchFamily="18" charset="0"/>
+                      </a:rPr>
+                      <m:t> </m:t>
+                    </m:r>
+                  </m:oMath>
+                </a14:m>
+                <a:r>
+                  <a:rPr lang="en-US" dirty="0"/>
+                  <a:t>= Predicted Output</a:t>
+                </a:r>
+              </a:p>
+              <a:p>
+                <a14:m>
+                  <m:oMath xmlns:m="http://schemas.openxmlformats.org/officeDocument/2006/math">
+                    <m:r>
+                      <a:rPr lang="en-US" b="0" i="1" smtClean="0">
+                        <a:latin typeface="Cambria Math" panose="02040503050406030204" pitchFamily="18" charset="0"/>
+                      </a:rPr>
+                      <m:t>𝑦</m:t>
+                    </m:r>
+                  </m:oMath>
+                </a14:m>
+                <a:r>
+                  <a:rPr lang="en-US" dirty="0"/>
+                  <a:t> = Actual Output</a:t>
+                </a:r>
+              </a:p>
+              <a:p>
+                <a:endParaRPr lang="en-US" dirty="0"/>
+              </a:p>
+            </p:txBody>
+          </p:sp>
+        </mc:Choice>
+        <mc:Fallback>
+          <p:sp>
+            <p:nvSpPr>
+              <p:cNvPr id="10" name="TextBox 9">
+                <a:extLst>
+                  <a:ext uri="{FF2B5EF4-FFF2-40B4-BE49-F238E27FC236}">
+                    <a16:creationId xmlns:a16="http://schemas.microsoft.com/office/drawing/2014/main" id="{D9196542-1C14-A4C4-F0F1-5BAB2E75535E}"/>
+                  </a:ext>
+                </a:extLst>
+              </p:cNvPr>
+              <p:cNvSpPr txBox="1">
+                <a:spLocks noRot="1" noChangeAspect="1" noMove="1" noResize="1" noEditPoints="1" noAdjustHandles="1" noChangeArrowheads="1" noChangeShapeType="1" noTextEdit="1"/>
+              </p:cNvSpPr>
+              <p:nvPr/>
+            </p:nvSpPr>
+            <p:spPr>
+              <a:xfrm>
+                <a:off x="8820319" y="1457569"/>
+                <a:ext cx="3353931" cy="1754326"/>
+              </a:xfrm>
+              <a:prstGeom prst="rect">
+                <a:avLst/>
+              </a:prstGeom>
+              <a:blipFill>
+                <a:blip r:embed="rId4"/>
+                <a:stretch>
+                  <a:fillRect t="-1439"/>
+                </a:stretch>
+              </a:blipFill>
+            </p:spPr>
+            <p:txBody>
+              <a:bodyPr/>
+              <a:lstStyle/>
+              <a:p>
+                <a:r>
+                  <a:rPr lang="en-US">
+                    <a:noFill/>
+                  </a:rPr>
+                  <a:t> </a:t>
+                </a:r>
+              </a:p>
+            </p:txBody>
+          </p:sp>
+        </mc:Fallback>
+      </mc:AlternateContent>
+      <mc:AlternateContent xmlns:mc="http://schemas.openxmlformats.org/markup-compatibility/2006">
+        <mc:Choice xmlns:a14="http://schemas.microsoft.com/office/drawing/2010/main" Requires="a14">
+          <p:sp>
+            <p:nvSpPr>
+              <p:cNvPr id="13" name="TextBox 12">
+                <a:extLst>
+                  <a:ext uri="{FF2B5EF4-FFF2-40B4-BE49-F238E27FC236}">
+                    <a16:creationId xmlns:a16="http://schemas.microsoft.com/office/drawing/2014/main" id="{941AE6A2-694D-FD0E-4B86-B92CE109ECD4}"/>
+                  </a:ext>
+                </a:extLst>
+              </p:cNvPr>
+              <p:cNvSpPr txBox="1"/>
+              <p:nvPr/>
+            </p:nvSpPr>
+            <p:spPr>
+              <a:xfrm>
+                <a:off x="663547" y="6044750"/>
+                <a:ext cx="8274766" cy="369332"/>
+              </a:xfrm>
+              <a:prstGeom prst="rect">
+                <a:avLst/>
+              </a:prstGeom>
+              <a:noFill/>
+            </p:spPr>
+            <p:txBody>
+              <a:bodyPr wrap="none" rtlCol="0">
+                <a:spAutoFit/>
+              </a:bodyPr>
+              <a:lstStyle/>
+              <a:p>
+                <a:r>
+                  <a:rPr lang="en-US" dirty="0"/>
+                  <a:t>Given input features </a:t>
+                </a:r>
+                <a14:m>
+                  <m:oMath xmlns:m="http://schemas.openxmlformats.org/officeDocument/2006/math">
+                    <m:r>
+                      <a:rPr lang="en-US" b="0" i="1" smtClean="0">
+                        <a:latin typeface="Cambria Math" panose="02040503050406030204" pitchFamily="18" charset="0"/>
+                      </a:rPr>
+                      <m:t>(</m:t>
+                    </m:r>
+                    <m:sSub>
+                      <m:sSubPr>
+                        <m:ctrlPr>
+                          <a:rPr lang="en-US" b="0" i="1" smtClean="0">
+                            <a:latin typeface="Cambria Math" panose="02040503050406030204" pitchFamily="18" charset="0"/>
+                          </a:rPr>
+                        </m:ctrlPr>
+                      </m:sSubPr>
+                      <m:e>
+                        <m:r>
+                          <a:rPr lang="en-US" b="0" i="1" smtClean="0">
+                            <a:latin typeface="Cambria Math" panose="02040503050406030204" pitchFamily="18" charset="0"/>
+                          </a:rPr>
+                          <m:t>𝑥</m:t>
+                        </m:r>
+                      </m:e>
+                      <m:sub>
+                        <m:r>
+                          <a:rPr lang="en-US" b="0" i="1" smtClean="0">
+                            <a:latin typeface="Cambria Math" panose="02040503050406030204" pitchFamily="18" charset="0"/>
+                          </a:rPr>
+                          <m:t>𝑖</m:t>
+                        </m:r>
+                      </m:sub>
+                    </m:sSub>
+                    <m:r>
+                      <a:rPr lang="en-US" b="0" i="1" smtClean="0">
+                        <a:latin typeface="Cambria Math" panose="02040503050406030204" pitchFamily="18" charset="0"/>
+                      </a:rPr>
+                      <m:t>)</m:t>
+                    </m:r>
+                  </m:oMath>
+                </a14:m>
+                <a:r>
+                  <a:rPr lang="en-US" dirty="0"/>
+                  <a:t> , train Neural Network to minimize loss function: </a:t>
+                </a:r>
+                <a14:m>
+                  <m:oMath xmlns:m="http://schemas.openxmlformats.org/officeDocument/2006/math">
+                    <m:r>
+                      <a:rPr lang="en-US" i="1" smtClean="0">
+                        <a:latin typeface="Cambria Math" panose="02040503050406030204" pitchFamily="18" charset="0"/>
+                        <a:ea typeface="Cambria Math" panose="02040503050406030204" pitchFamily="18" charset="0"/>
+                      </a:rPr>
+                      <m:t>ℒ</m:t>
+                    </m:r>
+                    <m:r>
+                      <a:rPr lang="en-US" b="0" i="1" smtClean="0">
+                        <a:latin typeface="Cambria Math" panose="02040503050406030204" pitchFamily="18" charset="0"/>
+                        <a:ea typeface="Cambria Math" panose="02040503050406030204" pitchFamily="18" charset="0"/>
+                      </a:rPr>
+                      <m:t>=(</m:t>
+                    </m:r>
+                    <m:r>
+                      <a:rPr lang="en-US" b="0" i="1" smtClean="0">
+                        <a:latin typeface="Cambria Math" panose="02040503050406030204" pitchFamily="18" charset="0"/>
+                        <a:ea typeface="Cambria Math" panose="02040503050406030204" pitchFamily="18" charset="0"/>
+                      </a:rPr>
+                      <m:t>𝑦</m:t>
+                    </m:r>
+                    <m:r>
+                      <a:rPr lang="en-US" b="0" i="1" smtClean="0">
+                        <a:latin typeface="Cambria Math" panose="02040503050406030204" pitchFamily="18" charset="0"/>
+                        <a:ea typeface="Cambria Math" panose="02040503050406030204" pitchFamily="18" charset="0"/>
+                      </a:rPr>
+                      <m:t>−</m:t>
+                    </m:r>
+                    <m:acc>
+                      <m:accPr>
+                        <m:chr m:val="̂"/>
+                        <m:ctrlPr>
+                          <a:rPr lang="en-US" i="1">
+                            <a:latin typeface="Cambria Math" panose="02040503050406030204" pitchFamily="18" charset="0"/>
+                          </a:rPr>
+                        </m:ctrlPr>
+                      </m:accPr>
+                      <m:e>
+                        <m:r>
+                          <a:rPr lang="en-US" i="1">
+                            <a:latin typeface="Cambria Math" panose="02040503050406030204" pitchFamily="18" charset="0"/>
+                          </a:rPr>
+                          <m:t>𝑦</m:t>
+                        </m:r>
+                      </m:e>
+                    </m:acc>
+                  </m:oMath>
+                </a14:m>
+                <a:r>
+                  <a:rPr lang="en-US" dirty="0"/>
+                  <a:t>)</a:t>
+                </a:r>
+              </a:p>
+            </p:txBody>
+          </p:sp>
+        </mc:Choice>
+        <mc:Fallback>
+          <p:sp>
+            <p:nvSpPr>
+              <p:cNvPr id="13" name="TextBox 12">
+                <a:extLst>
+                  <a:ext uri="{FF2B5EF4-FFF2-40B4-BE49-F238E27FC236}">
+                    <a16:creationId xmlns:a16="http://schemas.microsoft.com/office/drawing/2014/main" id="{941AE6A2-694D-FD0E-4B86-B92CE109ECD4}"/>
+                  </a:ext>
+                </a:extLst>
+              </p:cNvPr>
+              <p:cNvSpPr txBox="1">
+                <a:spLocks noRot="1" noChangeAspect="1" noMove="1" noResize="1" noEditPoints="1" noAdjustHandles="1" noChangeArrowheads="1" noChangeShapeType="1" noTextEdit="1"/>
+              </p:cNvSpPr>
+              <p:nvPr/>
+            </p:nvSpPr>
+            <p:spPr>
+              <a:xfrm>
+                <a:off x="663547" y="6044750"/>
+                <a:ext cx="8274766" cy="369332"/>
+              </a:xfrm>
+              <a:prstGeom prst="rect">
+                <a:avLst/>
+              </a:prstGeom>
+              <a:blipFill>
+                <a:blip r:embed="rId5"/>
+                <a:stretch>
+                  <a:fillRect l="-613" t="-10345" r="-613" b="-27586"/>
+                </a:stretch>
+              </a:blipFill>
+            </p:spPr>
+            <p:txBody>
+              <a:bodyPr/>
+              <a:lstStyle/>
+              <a:p>
+                <a:r>
+                  <a:rPr lang="en-US">
+                    <a:noFill/>
+                  </a:rPr>
+                  <a:t> </a:t>
+                </a:r>
+              </a:p>
+            </p:txBody>
+          </p:sp>
+        </mc:Fallback>
+      </mc:AlternateContent>
     </p:spTree>
     <p:extLst>
       <p:ext uri="{BB962C8B-B14F-4D97-AF65-F5344CB8AC3E}">
@@ -3546,7 +4155,7 @@
           <p:cNvPr id="2" name="Title 1">
             <a:extLst>
               <a:ext uri="{FF2B5EF4-FFF2-40B4-BE49-F238E27FC236}">
-                <a16:creationId xmlns:a16="http://schemas.microsoft.com/office/drawing/2014/main" id="{08F0B093-0313-4350-ADCF-1DA1CB47E981}"/>
+                <a16:creationId xmlns:a16="http://schemas.microsoft.com/office/drawing/2014/main" id="{565A63CE-7E67-E513-9F62-EBA1A63AD955}"/>
               </a:ext>
             </a:extLst>
           </p:cNvPr>
@@ -3564,17 +4173,521 @@
           <a:p>
             <a:r>
               <a:rPr lang="en-US" dirty="0"/>
-              <a:t>Histograms for different features</a:t>
-            </a:r>
-          </a:p>
-        </p:txBody>
-      </p:sp>
+              <a:t>Steps to be performed</a:t>
+            </a:r>
+          </a:p>
+        </p:txBody>
+      </p:sp>
+      <p:sp>
+        <p:nvSpPr>
+          <p:cNvPr id="3" name="Content Placeholder 2">
+            <a:extLst>
+              <a:ext uri="{FF2B5EF4-FFF2-40B4-BE49-F238E27FC236}">
+                <a16:creationId xmlns:a16="http://schemas.microsoft.com/office/drawing/2014/main" id="{797CF8F5-ECC4-0607-D253-92A5C0BA5394}"/>
+              </a:ext>
+            </a:extLst>
+          </p:cNvPr>
+          <p:cNvSpPr>
+            <a:spLocks noGrp="1"/>
+          </p:cNvSpPr>
+          <p:nvPr>
+            <p:ph idx="1"/>
+          </p:nvPr>
+        </p:nvSpPr>
+        <p:spPr/>
+        <p:txBody>
+          <a:bodyPr>
+            <a:normAutofit lnSpcReduction="10000"/>
+          </a:bodyPr>
+          <a:lstStyle/>
+          <a:p>
+            <a:r>
+              <a:rPr lang="en-US" dirty="0"/>
+              <a:t>Jets: One high-energy particle decays to several low-energy particles. The collection of both decaying particles and decayed particles clustered together forms a jet.</a:t>
+            </a:r>
+          </a:p>
+          <a:p>
+            <a:r>
+              <a:rPr lang="en-US" dirty="0"/>
+              <a:t>Jet classification: At first, jets need to be distinguished based on the originating particle.</a:t>
+            </a:r>
+          </a:p>
+          <a:p>
+            <a:r>
+              <a:rPr lang="en-US" dirty="0"/>
+              <a:t>Divide a given dataset into two subsets. One set is used for training the neural network. The other set is used to validate the neural network.</a:t>
+            </a:r>
+          </a:p>
+          <a:p>
+            <a:r>
+              <a:rPr lang="en-US" dirty="0"/>
+              <a:t>Jet identification: After training and validating the neural network, use it to identify jets based on high-level features of the corresponding physical process.</a:t>
+            </a:r>
+          </a:p>
+          <a:p>
+            <a:endParaRPr lang="en-US" dirty="0"/>
+          </a:p>
+        </p:txBody>
+      </p:sp>
+    </p:spTree>
+    <p:extLst>
+      <p:ext uri="{BB962C8B-B14F-4D97-AF65-F5344CB8AC3E}">
+        <p14:creationId xmlns:p14="http://schemas.microsoft.com/office/powerpoint/2010/main" val="3657621454"/>
+      </p:ext>
+    </p:extLst>
+  </p:cSld>
+  <p:clrMapOvr>
+    <a:masterClrMapping/>
+  </p:clrMapOvr>
+</p:sld>
+</file>
+
+<file path=ppt/slides/slide4.xml><?xml version="1.0" encoding="utf-8"?>
+<p:sld xmlns:a="http://schemas.openxmlformats.org/drawingml/2006/main" xmlns:r="http://schemas.openxmlformats.org/officeDocument/2006/relationships" xmlns:p="http://schemas.openxmlformats.org/presentationml/2006/main">
+  <p:cSld>
+    <p:spTree>
+      <p:nvGrpSpPr>
+        <p:cNvPr id="1" name=""/>
+        <p:cNvGrpSpPr/>
+        <p:nvPr/>
+      </p:nvGrpSpPr>
+      <p:grpSpPr>
+        <a:xfrm>
+          <a:off x="0" y="0"/>
+          <a:ext cx="0" cy="0"/>
+          <a:chOff x="0" y="0"/>
+          <a:chExt cx="0" cy="0"/>
+        </a:xfrm>
+      </p:grpSpPr>
+      <mc:AlternateContent xmlns:mc="http://schemas.openxmlformats.org/markup-compatibility/2006">
+        <mc:Choice xmlns:a14="http://schemas.microsoft.com/office/drawing/2010/main" Requires="a14">
+          <p:sp>
+            <p:nvSpPr>
+              <p:cNvPr id="2" name="Title 1">
+                <a:extLst>
+                  <a:ext uri="{FF2B5EF4-FFF2-40B4-BE49-F238E27FC236}">
+                    <a16:creationId xmlns:a16="http://schemas.microsoft.com/office/drawing/2014/main" id="{08F0B093-0313-4350-ADCF-1DA1CB47E981}"/>
+                  </a:ext>
+                </a:extLst>
+              </p:cNvPr>
+              <p:cNvSpPr>
+                <a:spLocks noGrp="1"/>
+              </p:cNvSpPr>
+              <p:nvPr>
+                <p:ph type="title"/>
+              </p:nvPr>
+            </p:nvSpPr>
+            <p:spPr/>
+            <p:txBody>
+              <a:bodyPr/>
+              <a:lstStyle/>
+              <a:p>
+                <a:r>
+                  <a:rPr lang="en-US" dirty="0"/>
+                  <a:t>Different kind of Activation Function </a:t>
+                </a:r>
+                <a14:m>
+                  <m:oMath xmlns:m="http://schemas.openxmlformats.org/officeDocument/2006/math">
+                    <m:r>
+                      <a:rPr lang="en-US" b="0" i="1" smtClean="0">
+                        <a:latin typeface="Cambria Math" panose="02040503050406030204" pitchFamily="18" charset="0"/>
+                      </a:rPr>
+                      <m:t>(</m:t>
+                    </m:r>
+                    <m:r>
+                      <a:rPr lang="en-US" b="0" i="1" smtClean="0">
+                        <a:latin typeface="Cambria Math" panose="02040503050406030204" pitchFamily="18" charset="0"/>
+                      </a:rPr>
+                      <m:t>𝑎</m:t>
+                    </m:r>
+                    <m:r>
+                      <a:rPr lang="en-US" b="0" i="1" smtClean="0">
+                        <a:latin typeface="Cambria Math" panose="02040503050406030204" pitchFamily="18" charset="0"/>
+                      </a:rPr>
+                      <m:t>)</m:t>
+                    </m:r>
+                  </m:oMath>
+                </a14:m>
+                <a:endParaRPr lang="en-US" dirty="0"/>
+              </a:p>
+            </p:txBody>
+          </p:sp>
+        </mc:Choice>
+        <mc:Fallback>
+          <p:sp>
+            <p:nvSpPr>
+              <p:cNvPr id="2" name="Title 1">
+                <a:extLst>
+                  <a:ext uri="{FF2B5EF4-FFF2-40B4-BE49-F238E27FC236}">
+                    <a16:creationId xmlns:a16="http://schemas.microsoft.com/office/drawing/2014/main" id="{08F0B093-0313-4350-ADCF-1DA1CB47E981}"/>
+                  </a:ext>
+                </a:extLst>
+              </p:cNvPr>
+              <p:cNvSpPr>
+                <a:spLocks noGrp="1" noRot="1" noChangeAspect="1" noMove="1" noResize="1" noEditPoints="1" noAdjustHandles="1" noChangeArrowheads="1" noChangeShapeType="1" noTextEdit="1"/>
+              </p:cNvSpPr>
+              <p:nvPr>
+                <p:ph type="title"/>
+              </p:nvPr>
+            </p:nvSpPr>
+            <p:spPr>
+              <a:blipFill>
+                <a:blip r:embed="rId2"/>
+                <a:stretch>
+                  <a:fillRect l="-2413"/>
+                </a:stretch>
+              </a:blipFill>
+            </p:spPr>
+            <p:txBody>
+              <a:bodyPr/>
+              <a:lstStyle/>
+              <a:p>
+                <a:r>
+                  <a:rPr lang="en-US">
+                    <a:noFill/>
+                  </a:rPr>
+                  <a:t> </a:t>
+                </a:r>
+              </a:p>
+            </p:txBody>
+          </p:sp>
+        </mc:Fallback>
+      </mc:AlternateContent>
       <p:pic>
         <p:nvPicPr>
-          <p:cNvPr id="1026" name="Picture 2">
-            <a:extLst>
-              <a:ext uri="{FF2B5EF4-FFF2-40B4-BE49-F238E27FC236}">
-                <a16:creationId xmlns:a16="http://schemas.microsoft.com/office/drawing/2014/main" id="{D8ED1A25-61A9-D098-1470-2D0E181E3BF1}"/>
+          <p:cNvPr id="3" name="Picture 2">
+            <a:extLst>
+              <a:ext uri="{FF2B5EF4-FFF2-40B4-BE49-F238E27FC236}">
+                <a16:creationId xmlns:a16="http://schemas.microsoft.com/office/drawing/2014/main" id="{85B0BD6B-77B5-6FE2-0C8F-6750024EF3A1}"/>
+              </a:ext>
+            </a:extLst>
+          </p:cNvPr>
+          <p:cNvPicPr>
+            <a:picLocks noChangeAspect="1"/>
+          </p:cNvPicPr>
+          <p:nvPr/>
+        </p:nvPicPr>
+        <p:blipFill>
+          <a:blip r:embed="rId3"/>
+          <a:stretch>
+            <a:fillRect/>
+          </a:stretch>
+        </p:blipFill>
+        <p:spPr>
+          <a:xfrm>
+            <a:off x="1328780" y="1820707"/>
+            <a:ext cx="2678297" cy="1253479"/>
+          </a:xfrm>
+          <a:prstGeom prst="rect">
+            <a:avLst/>
+          </a:prstGeom>
+        </p:spPr>
+      </p:pic>
+      <p:pic>
+        <p:nvPicPr>
+          <p:cNvPr id="4" name="Picture 3">
+            <a:extLst>
+              <a:ext uri="{FF2B5EF4-FFF2-40B4-BE49-F238E27FC236}">
+                <a16:creationId xmlns:a16="http://schemas.microsoft.com/office/drawing/2014/main" id="{C21D2FE0-664D-7CA3-914C-915673FB7867}"/>
+              </a:ext>
+            </a:extLst>
+          </p:cNvPr>
+          <p:cNvPicPr>
+            <a:picLocks noChangeAspect="1"/>
+          </p:cNvPicPr>
+          <p:nvPr/>
+        </p:nvPicPr>
+        <p:blipFill>
+          <a:blip r:embed="rId4"/>
+          <a:stretch>
+            <a:fillRect/>
+          </a:stretch>
+        </p:blipFill>
+        <p:spPr>
+          <a:xfrm>
+            <a:off x="5179577" y="1636559"/>
+            <a:ext cx="3139035" cy="1546623"/>
+          </a:xfrm>
+          <a:prstGeom prst="rect">
+            <a:avLst/>
+          </a:prstGeom>
+        </p:spPr>
+      </p:pic>
+      <p:pic>
+        <p:nvPicPr>
+          <p:cNvPr id="5" name="Picture 4">
+            <a:extLst>
+              <a:ext uri="{FF2B5EF4-FFF2-40B4-BE49-F238E27FC236}">
+                <a16:creationId xmlns:a16="http://schemas.microsoft.com/office/drawing/2014/main" id="{FA3FB25A-525A-CCB6-643E-D1C74950C606}"/>
+              </a:ext>
+            </a:extLst>
+          </p:cNvPr>
+          <p:cNvPicPr>
+            <a:picLocks noChangeAspect="1"/>
+          </p:cNvPicPr>
+          <p:nvPr/>
+        </p:nvPicPr>
+        <p:blipFill>
+          <a:blip r:embed="rId5"/>
+          <a:stretch>
+            <a:fillRect/>
+          </a:stretch>
+        </p:blipFill>
+        <p:spPr>
+          <a:xfrm>
+            <a:off x="4230955" y="4607176"/>
+            <a:ext cx="2412607" cy="1228530"/>
+          </a:xfrm>
+          <a:prstGeom prst="rect">
+            <a:avLst/>
+          </a:prstGeom>
+        </p:spPr>
+      </p:pic>
+      <p:sp>
+        <p:nvSpPr>
+          <p:cNvPr id="6" name="TextBox 5">
+            <a:extLst>
+              <a:ext uri="{FF2B5EF4-FFF2-40B4-BE49-F238E27FC236}">
+                <a16:creationId xmlns:a16="http://schemas.microsoft.com/office/drawing/2014/main" id="{ECED77CB-1F88-3324-A02A-B35FDB8CD514}"/>
+              </a:ext>
+            </a:extLst>
+          </p:cNvPr>
+          <p:cNvSpPr txBox="1"/>
+          <p:nvPr/>
+        </p:nvSpPr>
+        <p:spPr>
+          <a:xfrm>
+            <a:off x="2144389" y="1451375"/>
+            <a:ext cx="917239" cy="369332"/>
+          </a:xfrm>
+          <a:prstGeom prst="rect">
+            <a:avLst/>
+          </a:prstGeom>
+          <a:noFill/>
+        </p:spPr>
+        <p:txBody>
+          <a:bodyPr wrap="none" rtlCol="0">
+            <a:spAutoFit/>
+          </a:bodyPr>
+          <a:lstStyle/>
+          <a:p>
+            <a:r>
+              <a:rPr lang="en-US" dirty="0"/>
+              <a:t>sigmoid</a:t>
+            </a:r>
+          </a:p>
+        </p:txBody>
+      </p:sp>
+      <p:sp>
+        <p:nvSpPr>
+          <p:cNvPr id="7" name="TextBox 6">
+            <a:extLst>
+              <a:ext uri="{FF2B5EF4-FFF2-40B4-BE49-F238E27FC236}">
+                <a16:creationId xmlns:a16="http://schemas.microsoft.com/office/drawing/2014/main" id="{9D43F889-DE58-5B46-6A89-813351801C3C}"/>
+              </a:ext>
+            </a:extLst>
+          </p:cNvPr>
+          <p:cNvSpPr txBox="1"/>
+          <p:nvPr/>
+        </p:nvSpPr>
+        <p:spPr>
+          <a:xfrm>
+            <a:off x="6184942" y="1386366"/>
+            <a:ext cx="612668" cy="369332"/>
+          </a:xfrm>
+          <a:prstGeom prst="rect">
+            <a:avLst/>
+          </a:prstGeom>
+          <a:noFill/>
+        </p:spPr>
+        <p:txBody>
+          <a:bodyPr wrap="none" rtlCol="0">
+            <a:spAutoFit/>
+          </a:bodyPr>
+          <a:lstStyle/>
+          <a:p>
+            <a:r>
+              <a:rPr lang="en-US" dirty="0"/>
+              <a:t>tanh</a:t>
+            </a:r>
+          </a:p>
+        </p:txBody>
+      </p:sp>
+      <p:sp>
+        <p:nvSpPr>
+          <p:cNvPr id="8" name="TextBox 7">
+            <a:extLst>
+              <a:ext uri="{FF2B5EF4-FFF2-40B4-BE49-F238E27FC236}">
+                <a16:creationId xmlns:a16="http://schemas.microsoft.com/office/drawing/2014/main" id="{C6656E85-5456-A603-033A-BA935FAFD419}"/>
+              </a:ext>
+            </a:extLst>
+          </p:cNvPr>
+          <p:cNvSpPr txBox="1"/>
+          <p:nvPr/>
+        </p:nvSpPr>
+        <p:spPr>
+          <a:xfrm>
+            <a:off x="4934792" y="4237844"/>
+            <a:ext cx="661400" cy="369332"/>
+          </a:xfrm>
+          <a:prstGeom prst="rect">
+            <a:avLst/>
+          </a:prstGeom>
+          <a:noFill/>
+        </p:spPr>
+        <p:txBody>
+          <a:bodyPr wrap="none" rtlCol="0">
+            <a:spAutoFit/>
+          </a:bodyPr>
+          <a:lstStyle/>
+          <a:p>
+            <a:r>
+              <a:rPr lang="en-US" dirty="0" err="1"/>
+              <a:t>ReLU</a:t>
+            </a:r>
+            <a:endParaRPr lang="en-US" dirty="0"/>
+          </a:p>
+        </p:txBody>
+      </p:sp>
+    </p:spTree>
+    <p:extLst>
+      <p:ext uri="{BB962C8B-B14F-4D97-AF65-F5344CB8AC3E}">
+        <p14:creationId xmlns:p14="http://schemas.microsoft.com/office/powerpoint/2010/main" val="476349499"/>
+      </p:ext>
+    </p:extLst>
+  </p:cSld>
+  <p:clrMapOvr>
+    <a:masterClrMapping/>
+  </p:clrMapOvr>
+</p:sld>
+</file>
+
+<file path=ppt/slides/slide5.xml><?xml version="1.0" encoding="utf-8"?>
+<p:sld xmlns:a="http://schemas.openxmlformats.org/drawingml/2006/main" xmlns:r="http://schemas.openxmlformats.org/officeDocument/2006/relationships" xmlns:p="http://schemas.openxmlformats.org/presentationml/2006/main">
+  <p:cSld>
+    <p:spTree>
+      <p:nvGrpSpPr>
+        <p:cNvPr id="1" name=""/>
+        <p:cNvGrpSpPr/>
+        <p:nvPr/>
+      </p:nvGrpSpPr>
+      <p:grpSpPr>
+        <a:xfrm>
+          <a:off x="0" y="0"/>
+          <a:ext cx="0" cy="0"/>
+          <a:chOff x="0" y="0"/>
+          <a:chExt cx="0" cy="0"/>
+        </a:xfrm>
+      </p:grpSpPr>
+      <p:sp>
+        <p:nvSpPr>
+          <p:cNvPr id="2" name="Title 1">
+            <a:extLst>
+              <a:ext uri="{FF2B5EF4-FFF2-40B4-BE49-F238E27FC236}">
+                <a16:creationId xmlns:a16="http://schemas.microsoft.com/office/drawing/2014/main" id="{565A63CE-7E67-E513-9F62-EBA1A63AD955}"/>
+              </a:ext>
+            </a:extLst>
+          </p:cNvPr>
+          <p:cNvSpPr>
+            <a:spLocks noGrp="1"/>
+          </p:cNvSpPr>
+          <p:nvPr>
+            <p:ph type="title"/>
+          </p:nvPr>
+        </p:nvSpPr>
+        <p:spPr/>
+        <p:txBody>
+          <a:bodyPr/>
+          <a:lstStyle/>
+          <a:p>
+            <a:r>
+              <a:rPr lang="en-US" dirty="0"/>
+              <a:t>Effect on Loss with different Activation Function</a:t>
+            </a:r>
+          </a:p>
+        </p:txBody>
+      </p:sp>
+      <p:sp>
+        <p:nvSpPr>
+          <p:cNvPr id="6" name="TextBox 5">
+            <a:extLst>
+              <a:ext uri="{FF2B5EF4-FFF2-40B4-BE49-F238E27FC236}">
+                <a16:creationId xmlns:a16="http://schemas.microsoft.com/office/drawing/2014/main" id="{6A2A8E34-76F3-9272-7532-A169CB76501F}"/>
+              </a:ext>
+            </a:extLst>
+          </p:cNvPr>
+          <p:cNvSpPr txBox="1"/>
+          <p:nvPr/>
+        </p:nvSpPr>
+        <p:spPr>
+          <a:xfrm>
+            <a:off x="8917423" y="2023009"/>
+            <a:ext cx="1122808" cy="369332"/>
+          </a:xfrm>
+          <a:prstGeom prst="rect">
+            <a:avLst/>
+          </a:prstGeom>
+          <a:noFill/>
+        </p:spPr>
+        <p:txBody>
+          <a:bodyPr wrap="none" rtlCol="0">
+            <a:spAutoFit/>
+          </a:bodyPr>
+          <a:lstStyle/>
+          <a:p>
+            <a:r>
+              <a:rPr lang="en-US" dirty="0"/>
+              <a:t>With tanh</a:t>
+            </a:r>
+          </a:p>
+        </p:txBody>
+      </p:sp>
+      <p:sp>
+        <p:nvSpPr>
+          <p:cNvPr id="8" name="TextBox 7">
+            <a:extLst>
+              <a:ext uri="{FF2B5EF4-FFF2-40B4-BE49-F238E27FC236}">
+                <a16:creationId xmlns:a16="http://schemas.microsoft.com/office/drawing/2014/main" id="{D80F1CB1-5E96-1D66-BD2A-A4FC71F57D06}"/>
+              </a:ext>
+            </a:extLst>
+          </p:cNvPr>
+          <p:cNvSpPr txBox="1"/>
+          <p:nvPr/>
+        </p:nvSpPr>
+        <p:spPr>
+          <a:xfrm>
+            <a:off x="1252917" y="2023009"/>
+            <a:ext cx="1171154" cy="369332"/>
+          </a:xfrm>
+          <a:prstGeom prst="rect">
+            <a:avLst/>
+          </a:prstGeom>
+          <a:noFill/>
+        </p:spPr>
+        <p:txBody>
+          <a:bodyPr wrap="none" rtlCol="0">
+            <a:spAutoFit/>
+          </a:bodyPr>
+          <a:lstStyle/>
+          <a:p>
+            <a:r>
+              <a:rPr lang="en-US" dirty="0"/>
+              <a:t>With </a:t>
+            </a:r>
+            <a:r>
+              <a:rPr lang="en-US" dirty="0" err="1"/>
+              <a:t>ReLU</a:t>
+            </a:r>
+            <a:endParaRPr lang="en-US" dirty="0"/>
+          </a:p>
+        </p:txBody>
+      </p:sp>
+      <p:pic>
+        <p:nvPicPr>
+          <p:cNvPr id="1028" name="Picture 4">
+            <a:extLst>
+              <a:ext uri="{FF2B5EF4-FFF2-40B4-BE49-F238E27FC236}">
+                <a16:creationId xmlns:a16="http://schemas.microsoft.com/office/drawing/2014/main" id="{D57AD467-7442-0BA9-E865-59316853EA55}"/>
               </a:ext>
             </a:extLst>
           </p:cNvPr>
@@ -3598,8 +4711,55 @@
         </p:blipFill>
         <p:spPr bwMode="auto">
           <a:xfrm>
-            <a:off x="2546350" y="1820586"/>
-            <a:ext cx="5626100" cy="4357963"/>
+            <a:off x="7145323" y="2660519"/>
+            <a:ext cx="4491023" cy="3366418"/>
+          </a:xfrm>
+          <a:prstGeom prst="rect">
+            <a:avLst/>
+          </a:prstGeom>
+          <a:noFill/>
+          <a:extLst>
+            <a:ext uri="{909E8E84-426E-40DD-AFC4-6F175D3DCCD1}">
+              <a14:hiddenFill xmlns:a14="http://schemas.microsoft.com/office/drawing/2010/main">
+                <a:solidFill>
+                  <a:srgbClr val="FFFFFF"/>
+                </a:solidFill>
+              </a14:hiddenFill>
+            </a:ext>
+          </a:extLst>
+        </p:spPr>
+      </p:pic>
+      <p:pic>
+        <p:nvPicPr>
+          <p:cNvPr id="1030" name="Picture 6">
+            <a:extLst>
+              <a:ext uri="{FF2B5EF4-FFF2-40B4-BE49-F238E27FC236}">
+                <a16:creationId xmlns:a16="http://schemas.microsoft.com/office/drawing/2014/main" id="{9BD527D2-FC5E-CBD9-9953-0A75D044A948}"/>
+              </a:ext>
+            </a:extLst>
+          </p:cNvPr>
+          <p:cNvPicPr>
+            <a:picLocks noChangeAspect="1" noChangeArrowheads="1"/>
+          </p:cNvPicPr>
+          <p:nvPr/>
+        </p:nvPicPr>
+        <p:blipFill>
+          <a:blip r:embed="rId3">
+            <a:extLst>
+              <a:ext uri="{28A0092B-C50C-407E-A947-70E740481C1C}">
+                <a14:useLocalDpi xmlns:a14="http://schemas.microsoft.com/office/drawing/2010/main" val="0"/>
+              </a:ext>
+            </a:extLst>
+          </a:blip>
+          <a:srcRect/>
+          <a:stretch>
+            <a:fillRect/>
+          </a:stretch>
+        </p:blipFill>
+        <p:spPr bwMode="auto">
+          <a:xfrm>
+            <a:off x="1099168" y="2660519"/>
+            <a:ext cx="4273943" cy="3203697"/>
           </a:xfrm>
           <a:prstGeom prst="rect">
             <a:avLst/>
@@ -3619,7 +4779,7 @@
     </p:spTree>
     <p:extLst>
       <p:ext uri="{BB962C8B-B14F-4D97-AF65-F5344CB8AC3E}">
-        <p14:creationId xmlns:p14="http://schemas.microsoft.com/office/powerpoint/2010/main" val="476349499"/>
+        <p14:creationId xmlns:p14="http://schemas.microsoft.com/office/powerpoint/2010/main" val="763845718"/>
       </p:ext>
     </p:extLst>
   </p:cSld>

--- a/Jet_Classifcation.pptx
+++ b/Jet_Classifcation.pptx
@@ -2,14 +2,20 @@
 <file path=ppt/presentation.xml><?xml version="1.0" encoding="utf-8"?>
 <p:presentation xmlns:a="http://schemas.openxmlformats.org/drawingml/2006/main" xmlns:r="http://schemas.openxmlformats.org/officeDocument/2006/relationships" xmlns:p="http://schemas.openxmlformats.org/presentationml/2006/main" saveSubsetFonts="1" autoCompressPictures="0">
   <p:sldMasterIdLst>
-    <p:sldMasterId id="2147483648" r:id="rId1"/>
+    <p:sldMasterId id="2147483672" r:id="rId1"/>
   </p:sldMasterIdLst>
   <p:sldIdLst>
     <p:sldId id="256" r:id="rId2"/>
     <p:sldId id="257" r:id="rId3"/>
     <p:sldId id="259" r:id="rId4"/>
-    <p:sldId id="258" r:id="rId5"/>
-    <p:sldId id="260" r:id="rId6"/>
+    <p:sldId id="261" r:id="rId5"/>
+    <p:sldId id="267" r:id="rId6"/>
+    <p:sldId id="268" r:id="rId7"/>
+    <p:sldId id="262" r:id="rId8"/>
+    <p:sldId id="265" r:id="rId9"/>
+    <p:sldId id="263" r:id="rId10"/>
+    <p:sldId id="266" r:id="rId11"/>
+    <p:sldId id="264" r:id="rId12"/>
   </p:sldIdLst>
   <p:sldSz cx="12192000" cy="6858000"/>
   <p:notesSz cx="6858000" cy="9144000"/>
@@ -17,7 +23,7 @@
     <a:defPPr>
       <a:defRPr lang="en-US"/>
     </a:defPPr>
-    <a:lvl1pPr marL="0" algn="l" defTabSz="914400" rtl="0" eaLnBrk="1" latinLnBrk="0" hangingPunct="1">
+    <a:lvl1pPr marL="0" algn="l" defTabSz="457200" rtl="0" eaLnBrk="1" latinLnBrk="0" hangingPunct="1">
       <a:defRPr sz="1800" kern="1200">
         <a:solidFill>
           <a:schemeClr val="tx1"/>
@@ -27,7 +33,7 @@
         <a:cs typeface="+mn-cs"/>
       </a:defRPr>
     </a:lvl1pPr>
-    <a:lvl2pPr marL="457200" algn="l" defTabSz="914400" rtl="0" eaLnBrk="1" latinLnBrk="0" hangingPunct="1">
+    <a:lvl2pPr marL="457200" algn="l" defTabSz="457200" rtl="0" eaLnBrk="1" latinLnBrk="0" hangingPunct="1">
       <a:defRPr sz="1800" kern="1200">
         <a:solidFill>
           <a:schemeClr val="tx1"/>
@@ -37,7 +43,7 @@
         <a:cs typeface="+mn-cs"/>
       </a:defRPr>
     </a:lvl2pPr>
-    <a:lvl3pPr marL="914400" algn="l" defTabSz="914400" rtl="0" eaLnBrk="1" latinLnBrk="0" hangingPunct="1">
+    <a:lvl3pPr marL="914400" algn="l" defTabSz="457200" rtl="0" eaLnBrk="1" latinLnBrk="0" hangingPunct="1">
       <a:defRPr sz="1800" kern="1200">
         <a:solidFill>
           <a:schemeClr val="tx1"/>
@@ -47,7 +53,7 @@
         <a:cs typeface="+mn-cs"/>
       </a:defRPr>
     </a:lvl3pPr>
-    <a:lvl4pPr marL="1371600" algn="l" defTabSz="914400" rtl="0" eaLnBrk="1" latinLnBrk="0" hangingPunct="1">
+    <a:lvl4pPr marL="1371600" algn="l" defTabSz="457200" rtl="0" eaLnBrk="1" latinLnBrk="0" hangingPunct="1">
       <a:defRPr sz="1800" kern="1200">
         <a:solidFill>
           <a:schemeClr val="tx1"/>
@@ -57,7 +63,7 @@
         <a:cs typeface="+mn-cs"/>
       </a:defRPr>
     </a:lvl4pPr>
-    <a:lvl5pPr marL="1828800" algn="l" defTabSz="914400" rtl="0" eaLnBrk="1" latinLnBrk="0" hangingPunct="1">
+    <a:lvl5pPr marL="1828800" algn="l" defTabSz="457200" rtl="0" eaLnBrk="1" latinLnBrk="0" hangingPunct="1">
       <a:defRPr sz="1800" kern="1200">
         <a:solidFill>
           <a:schemeClr val="tx1"/>
@@ -67,7 +73,7 @@
         <a:cs typeface="+mn-cs"/>
       </a:defRPr>
     </a:lvl5pPr>
-    <a:lvl6pPr marL="2286000" algn="l" defTabSz="914400" rtl="0" eaLnBrk="1" latinLnBrk="0" hangingPunct="1">
+    <a:lvl6pPr marL="2286000" algn="l" defTabSz="457200" rtl="0" eaLnBrk="1" latinLnBrk="0" hangingPunct="1">
       <a:defRPr sz="1800" kern="1200">
         <a:solidFill>
           <a:schemeClr val="tx1"/>
@@ -77,7 +83,7 @@
         <a:cs typeface="+mn-cs"/>
       </a:defRPr>
     </a:lvl6pPr>
-    <a:lvl7pPr marL="2743200" algn="l" defTabSz="914400" rtl="0" eaLnBrk="1" latinLnBrk="0" hangingPunct="1">
+    <a:lvl7pPr marL="2743200" algn="l" defTabSz="457200" rtl="0" eaLnBrk="1" latinLnBrk="0" hangingPunct="1">
       <a:defRPr sz="1800" kern="1200">
         <a:solidFill>
           <a:schemeClr val="tx1"/>
@@ -87,7 +93,7 @@
         <a:cs typeface="+mn-cs"/>
       </a:defRPr>
     </a:lvl7pPr>
-    <a:lvl8pPr marL="3200400" algn="l" defTabSz="914400" rtl="0" eaLnBrk="1" latinLnBrk="0" hangingPunct="1">
+    <a:lvl8pPr marL="3200400" algn="l" defTabSz="457200" rtl="0" eaLnBrk="1" latinLnBrk="0" hangingPunct="1">
       <a:defRPr sz="1800" kern="1200">
         <a:solidFill>
           <a:schemeClr val="tx1"/>
@@ -97,7 +103,7 @@
         <a:cs typeface="+mn-cs"/>
       </a:defRPr>
     </a:lvl8pPr>
-    <a:lvl9pPr marL="3657600" algn="l" defTabSz="914400" rtl="0" eaLnBrk="1" latinLnBrk="0" hangingPunct="1">
+    <a:lvl9pPr marL="3657600" algn="l" defTabSz="457200" rtl="0" eaLnBrk="1" latinLnBrk="0" hangingPunct="1">
       <a:defRPr sz="1800" kern="1200">
         <a:solidFill>
           <a:schemeClr val="tx1"/>
@@ -135,13 +141,7 @@
       </p:grpSpPr>
       <p:sp>
         <p:nvSpPr>
-          <p:cNvPr id="2" name="Title 1">
-            <a:extLst>
-              <a:ext uri="{FF2B5EF4-FFF2-40B4-BE49-F238E27FC236}">
-                <a16:creationId xmlns:a16="http://schemas.microsoft.com/office/drawing/2014/main" id="{B71874EB-BF98-80E1-F5BF-297566C58F06}"/>
-              </a:ext>
-            </a:extLst>
-          </p:cNvPr>
+          <p:cNvPr id="2" name="Title 1"/>
           <p:cNvSpPr>
             <a:spLocks noGrp="1"/>
           </p:cNvSpPr>
@@ -151,15 +151,17 @@
         </p:nvSpPr>
         <p:spPr>
           <a:xfrm>
-            <a:off x="1524000" y="1122363"/>
-            <a:ext cx="9144000" cy="2387600"/>
+            <a:off x="2417779" y="802298"/>
+            <a:ext cx="8637073" cy="2541431"/>
           </a:xfrm>
         </p:spPr>
         <p:txBody>
-          <a:bodyPr anchor="b"/>
+          <a:bodyPr bIns="0" anchor="b">
+            <a:normAutofit/>
+          </a:bodyPr>
           <a:lstStyle>
-            <a:lvl1pPr algn="ctr">
-              <a:defRPr sz="6000"/>
+            <a:lvl1pPr algn="l">
+              <a:defRPr sz="6600"/>
             </a:lvl1pPr>
           </a:lstStyle>
           <a:p>
@@ -167,19 +169,13 @@
               <a:rPr lang="en-GB"/>
               <a:t>Click to edit Master title style</a:t>
             </a:r>
-            <a:endParaRPr lang="en-US"/>
-          </a:p>
-        </p:txBody>
-      </p:sp>
-      <p:sp>
-        <p:nvSpPr>
-          <p:cNvPr id="3" name="Subtitle 2">
-            <a:extLst>
-              <a:ext uri="{FF2B5EF4-FFF2-40B4-BE49-F238E27FC236}">
-                <a16:creationId xmlns:a16="http://schemas.microsoft.com/office/drawing/2014/main" id="{C55FC732-4979-E427-55E9-18B97E0D4ED7}"/>
-              </a:ext>
-            </a:extLst>
-          </p:cNvPr>
+            <a:endParaRPr lang="en-US" dirty="0"/>
+          </a:p>
+        </p:txBody>
+      </p:sp>
+      <p:sp>
+        <p:nvSpPr>
+          <p:cNvPr id="3" name="Subtitle 2"/>
           <p:cNvSpPr>
             <a:spLocks noGrp="1"/>
           </p:cNvSpPr>
@@ -189,20 +185,26 @@
         </p:nvSpPr>
         <p:spPr>
           <a:xfrm>
-            <a:off x="1524000" y="3602038"/>
-            <a:ext cx="9144000" cy="1655762"/>
+            <a:off x="2417780" y="3531204"/>
+            <a:ext cx="8637072" cy="977621"/>
           </a:xfrm>
         </p:spPr>
         <p:txBody>
-          <a:bodyPr/>
+          <a:bodyPr tIns="91440" bIns="91440">
+            <a:normAutofit/>
+          </a:bodyPr>
           <a:lstStyle>
-            <a:lvl1pPr marL="0" indent="0" algn="ctr">
+            <a:lvl1pPr marL="0" indent="0" algn="l">
               <a:buNone/>
-              <a:defRPr sz="2400"/>
+              <a:defRPr sz="1800" b="0" cap="all" baseline="0">
+                <a:solidFill>
+                  <a:schemeClr val="tx1"/>
+                </a:solidFill>
+              </a:defRPr>
             </a:lvl1pPr>
             <a:lvl2pPr marL="457200" indent="0" algn="ctr">
               <a:buNone/>
-              <a:defRPr sz="2000"/>
+              <a:defRPr sz="1800"/>
             </a:lvl2pPr>
             <a:lvl3pPr marL="914400" indent="0" algn="ctr">
               <a:buNone/>
@@ -238,19 +240,13 @@
               <a:rPr lang="en-GB"/>
               <a:t>Click to edit Master subtitle style</a:t>
             </a:r>
-            <a:endParaRPr lang="en-US"/>
-          </a:p>
-        </p:txBody>
-      </p:sp>
-      <p:sp>
-        <p:nvSpPr>
-          <p:cNvPr id="4" name="Date Placeholder 3">
-            <a:extLst>
-              <a:ext uri="{FF2B5EF4-FFF2-40B4-BE49-F238E27FC236}">
-                <a16:creationId xmlns:a16="http://schemas.microsoft.com/office/drawing/2014/main" id="{EA986D20-7836-9948-EF3E-925F06FBC5D3}"/>
-              </a:ext>
-            </a:extLst>
-          </p:cNvPr>
+            <a:endParaRPr lang="en-US" dirty="0"/>
+          </a:p>
+        </p:txBody>
+      </p:sp>
+      <p:sp>
+        <p:nvSpPr>
+          <p:cNvPr id="4" name="Date Placeholder 3"/>
           <p:cNvSpPr>
             <a:spLocks noGrp="1"/>
           </p:cNvSpPr>
@@ -273,13 +269,7 @@
       </p:sp>
       <p:sp>
         <p:nvSpPr>
-          <p:cNvPr id="5" name="Footer Placeholder 4">
-            <a:extLst>
-              <a:ext uri="{FF2B5EF4-FFF2-40B4-BE49-F238E27FC236}">
-                <a16:creationId xmlns:a16="http://schemas.microsoft.com/office/drawing/2014/main" id="{B540D462-6A66-2E69-5EAE-CAC20C0BD3F9}"/>
-              </a:ext>
-            </a:extLst>
-          </p:cNvPr>
+          <p:cNvPr id="5" name="Footer Placeholder 4"/>
           <p:cNvSpPr>
             <a:spLocks noGrp="1"/>
           </p:cNvSpPr>
@@ -287,7 +277,12 @@
             <p:ph type="ftr" sz="quarter" idx="11"/>
           </p:nvPr>
         </p:nvSpPr>
-        <p:spPr/>
+        <p:spPr>
+          <a:xfrm>
+            <a:off x="2416500" y="329307"/>
+            <a:ext cx="4973915" cy="309201"/>
+          </a:xfrm>
+        </p:spPr>
         <p:txBody>
           <a:bodyPr/>
           <a:lstStyle/>
@@ -298,13 +293,7 @@
       </p:sp>
       <p:sp>
         <p:nvSpPr>
-          <p:cNvPr id="6" name="Slide Number Placeholder 5">
-            <a:extLst>
-              <a:ext uri="{FF2B5EF4-FFF2-40B4-BE49-F238E27FC236}">
-                <a16:creationId xmlns:a16="http://schemas.microsoft.com/office/drawing/2014/main" id="{B702BC5F-553D-5E3B-64D0-38BB42AC1C40}"/>
-              </a:ext>
-            </a:extLst>
-          </p:cNvPr>
+          <p:cNvPr id="6" name="Slide Number Placeholder 5"/>
           <p:cNvSpPr>
             <a:spLocks noGrp="1"/>
           </p:cNvSpPr>
@@ -312,7 +301,12 @@
             <p:ph type="sldNum" sz="quarter" idx="12"/>
           </p:nvPr>
         </p:nvSpPr>
-        <p:spPr/>
+        <p:spPr>
+          <a:xfrm>
+            <a:off x="1437664" y="798973"/>
+            <a:ext cx="811019" cy="503578"/>
+          </a:xfrm>
+        </p:spPr>
         <p:txBody>
           <a:bodyPr/>
           <a:lstStyle/>
@@ -325,10 +319,41 @@
           </a:p>
         </p:txBody>
       </p:sp>
+      <p:cxnSp>
+        <p:nvCxnSpPr>
+          <p:cNvPr id="15" name="Straight Connector 14"/>
+          <p:cNvCxnSpPr/>
+          <p:nvPr/>
+        </p:nvCxnSpPr>
+        <p:spPr>
+          <a:xfrm>
+            <a:off x="2417780" y="3528542"/>
+            <a:ext cx="8637072" cy="0"/>
+          </a:xfrm>
+          <a:prstGeom prst="line">
+            <a:avLst/>
+          </a:prstGeom>
+          <a:ln w="31750"/>
+        </p:spPr>
+        <p:style>
+          <a:lnRef idx="3">
+            <a:schemeClr val="accent1"/>
+          </a:lnRef>
+          <a:fillRef idx="0">
+            <a:schemeClr val="accent1"/>
+          </a:fillRef>
+          <a:effectRef idx="2">
+            <a:schemeClr val="accent1"/>
+          </a:effectRef>
+          <a:fontRef idx="minor">
+            <a:schemeClr val="tx1"/>
+          </a:fontRef>
+        </p:style>
+      </p:cxnSp>
     </p:spTree>
     <p:extLst>
       <p:ext uri="{BB962C8B-B14F-4D97-AF65-F5344CB8AC3E}">
-        <p14:creationId xmlns:p14="http://schemas.microsoft.com/office/powerpoint/2010/main" val="2304577705"/>
+        <p14:creationId xmlns:p14="http://schemas.microsoft.com/office/powerpoint/2010/main" val="1033874061"/>
       </p:ext>
     </p:extLst>
   </p:cSld>
@@ -357,13 +382,7 @@
       </p:grpSpPr>
       <p:sp>
         <p:nvSpPr>
-          <p:cNvPr id="2" name="Title 1">
-            <a:extLst>
-              <a:ext uri="{FF2B5EF4-FFF2-40B4-BE49-F238E27FC236}">
-                <a16:creationId xmlns:a16="http://schemas.microsoft.com/office/drawing/2014/main" id="{7094813A-4507-AB46-ECC1-2C1644085DAB}"/>
-              </a:ext>
-            </a:extLst>
-          </p:cNvPr>
+          <p:cNvPr id="2" name="Title 1"/>
           <p:cNvSpPr>
             <a:spLocks noGrp="1"/>
           </p:cNvSpPr>
@@ -380,19 +399,13 @@
               <a:rPr lang="en-GB"/>
               <a:t>Click to edit Master title style</a:t>
             </a:r>
-            <a:endParaRPr lang="en-US"/>
-          </a:p>
-        </p:txBody>
-      </p:sp>
-      <p:sp>
-        <p:nvSpPr>
-          <p:cNvPr id="3" name="Vertical Text Placeholder 2">
-            <a:extLst>
-              <a:ext uri="{FF2B5EF4-FFF2-40B4-BE49-F238E27FC236}">
-                <a16:creationId xmlns:a16="http://schemas.microsoft.com/office/drawing/2014/main" id="{11EB277D-0153-B2BE-6FBE-B91CB7DDE792}"/>
-              </a:ext>
-            </a:extLst>
-          </p:cNvPr>
+            <a:endParaRPr lang="en-US" dirty="0"/>
+          </a:p>
+        </p:txBody>
+      </p:sp>
+      <p:sp>
+        <p:nvSpPr>
+          <p:cNvPr id="3" name="Vertical Text Placeholder 2"/>
           <p:cNvSpPr>
             <a:spLocks noGrp="1"/>
           </p:cNvSpPr>
@@ -438,19 +451,13 @@
               <a:rPr lang="en-GB"/>
               <a:t>Fifth level</a:t>
             </a:r>
-            <a:endParaRPr lang="en-US"/>
-          </a:p>
-        </p:txBody>
-      </p:sp>
-      <p:sp>
-        <p:nvSpPr>
-          <p:cNvPr id="4" name="Date Placeholder 3">
-            <a:extLst>
-              <a:ext uri="{FF2B5EF4-FFF2-40B4-BE49-F238E27FC236}">
-                <a16:creationId xmlns:a16="http://schemas.microsoft.com/office/drawing/2014/main" id="{390087B6-3ED5-80F0-920E-B169C51A5E20}"/>
-              </a:ext>
-            </a:extLst>
-          </p:cNvPr>
+            <a:endParaRPr lang="en-US" dirty="0"/>
+          </a:p>
+        </p:txBody>
+      </p:sp>
+      <p:sp>
+        <p:nvSpPr>
+          <p:cNvPr id="4" name="Date Placeholder 3"/>
           <p:cNvSpPr>
             <a:spLocks noGrp="1"/>
           </p:cNvSpPr>
@@ -473,13 +480,7 @@
       </p:sp>
       <p:sp>
         <p:nvSpPr>
-          <p:cNvPr id="5" name="Footer Placeholder 4">
-            <a:extLst>
-              <a:ext uri="{FF2B5EF4-FFF2-40B4-BE49-F238E27FC236}">
-                <a16:creationId xmlns:a16="http://schemas.microsoft.com/office/drawing/2014/main" id="{6AA90A6D-ACFD-125F-EB90-BDBA19C58A85}"/>
-              </a:ext>
-            </a:extLst>
-          </p:cNvPr>
+          <p:cNvPr id="5" name="Footer Placeholder 4"/>
           <p:cNvSpPr>
             <a:spLocks noGrp="1"/>
           </p:cNvSpPr>
@@ -498,13 +499,7 @@
       </p:sp>
       <p:sp>
         <p:nvSpPr>
-          <p:cNvPr id="6" name="Slide Number Placeholder 5">
-            <a:extLst>
-              <a:ext uri="{FF2B5EF4-FFF2-40B4-BE49-F238E27FC236}">
-                <a16:creationId xmlns:a16="http://schemas.microsoft.com/office/drawing/2014/main" id="{7E56AFC4-A712-D082-55A7-00058DB69453}"/>
-              </a:ext>
-            </a:extLst>
-          </p:cNvPr>
+          <p:cNvPr id="6" name="Slide Number Placeholder 5"/>
           <p:cNvSpPr>
             <a:spLocks noGrp="1"/>
           </p:cNvSpPr>
@@ -525,10 +520,41 @@
           </a:p>
         </p:txBody>
       </p:sp>
+      <p:cxnSp>
+        <p:nvCxnSpPr>
+          <p:cNvPr id="26" name="Straight Connector 25"/>
+          <p:cNvCxnSpPr/>
+          <p:nvPr/>
+        </p:nvCxnSpPr>
+        <p:spPr>
+          <a:xfrm>
+            <a:off x="1453896" y="1847088"/>
+            <a:ext cx="9607522" cy="0"/>
+          </a:xfrm>
+          <a:prstGeom prst="line">
+            <a:avLst/>
+          </a:prstGeom>
+          <a:ln w="31750"/>
+        </p:spPr>
+        <p:style>
+          <a:lnRef idx="3">
+            <a:schemeClr val="accent1"/>
+          </a:lnRef>
+          <a:fillRef idx="0">
+            <a:schemeClr val="accent1"/>
+          </a:fillRef>
+          <a:effectRef idx="2">
+            <a:schemeClr val="accent1"/>
+          </a:effectRef>
+          <a:fontRef idx="minor">
+            <a:schemeClr val="tx1"/>
+          </a:fontRef>
+        </p:style>
+      </p:cxnSp>
     </p:spTree>
     <p:extLst>
       <p:ext uri="{BB962C8B-B14F-4D97-AF65-F5344CB8AC3E}">
-        <p14:creationId xmlns:p14="http://schemas.microsoft.com/office/powerpoint/2010/main" val="343011749"/>
+        <p14:creationId xmlns:p14="http://schemas.microsoft.com/office/powerpoint/2010/main" val="1609992978"/>
       </p:ext>
     </p:extLst>
   </p:cSld>
@@ -557,13 +583,7 @@
       </p:grpSpPr>
       <p:sp>
         <p:nvSpPr>
-          <p:cNvPr id="2" name="Vertical Title 1">
-            <a:extLst>
-              <a:ext uri="{FF2B5EF4-FFF2-40B4-BE49-F238E27FC236}">
-                <a16:creationId xmlns:a16="http://schemas.microsoft.com/office/drawing/2014/main" id="{D67C8561-F847-DED4-B81B-E02DBD1DA0D6}"/>
-              </a:ext>
-            </a:extLst>
-          </p:cNvPr>
+          <p:cNvPr id="2" name="Vertical Title 1"/>
           <p:cNvSpPr>
             <a:spLocks noGrp="1"/>
           </p:cNvSpPr>
@@ -573,31 +593,29 @@
         </p:nvSpPr>
         <p:spPr>
           <a:xfrm>
-            <a:off x="8724900" y="365125"/>
-            <a:ext cx="2628900" cy="5811838"/>
+            <a:off x="9439111" y="798973"/>
+            <a:ext cx="1615742" cy="4659889"/>
           </a:xfrm>
         </p:spPr>
         <p:txBody>
           <a:bodyPr vert="eaVert"/>
-          <a:lstStyle/>
+          <a:lstStyle>
+            <a:lvl1pPr algn="l">
+              <a:defRPr/>
+            </a:lvl1pPr>
+          </a:lstStyle>
           <a:p>
             <a:r>
               <a:rPr lang="en-GB"/>
               <a:t>Click to edit Master title style</a:t>
             </a:r>
-            <a:endParaRPr lang="en-US"/>
-          </a:p>
-        </p:txBody>
-      </p:sp>
-      <p:sp>
-        <p:nvSpPr>
-          <p:cNvPr id="3" name="Vertical Text Placeholder 2">
-            <a:extLst>
-              <a:ext uri="{FF2B5EF4-FFF2-40B4-BE49-F238E27FC236}">
-                <a16:creationId xmlns:a16="http://schemas.microsoft.com/office/drawing/2014/main" id="{4B7A6229-84E6-1CD4-9F32-45A5BB507BD2}"/>
-              </a:ext>
-            </a:extLst>
-          </p:cNvPr>
+            <a:endParaRPr lang="en-US" dirty="0"/>
+          </a:p>
+        </p:txBody>
+      </p:sp>
+      <p:sp>
+        <p:nvSpPr>
+          <p:cNvPr id="3" name="Vertical Text Placeholder 2"/>
           <p:cNvSpPr>
             <a:spLocks noGrp="1"/>
           </p:cNvSpPr>
@@ -607,8 +625,8 @@
         </p:nvSpPr>
         <p:spPr>
           <a:xfrm>
-            <a:off x="838200" y="365125"/>
-            <a:ext cx="7734300" cy="5811838"/>
+            <a:off x="1444672" y="798973"/>
+            <a:ext cx="7828830" cy="4659889"/>
           </a:xfrm>
         </p:spPr>
         <p:txBody>
@@ -648,19 +666,13 @@
               <a:rPr lang="en-GB"/>
               <a:t>Fifth level</a:t>
             </a:r>
-            <a:endParaRPr lang="en-US"/>
-          </a:p>
-        </p:txBody>
-      </p:sp>
-      <p:sp>
-        <p:nvSpPr>
-          <p:cNvPr id="4" name="Date Placeholder 3">
-            <a:extLst>
-              <a:ext uri="{FF2B5EF4-FFF2-40B4-BE49-F238E27FC236}">
-                <a16:creationId xmlns:a16="http://schemas.microsoft.com/office/drawing/2014/main" id="{87B05536-CA0D-F8B6-0588-F8468225F4DE}"/>
-              </a:ext>
-            </a:extLst>
-          </p:cNvPr>
+            <a:endParaRPr lang="en-US" dirty="0"/>
+          </a:p>
+        </p:txBody>
+      </p:sp>
+      <p:sp>
+        <p:nvSpPr>
+          <p:cNvPr id="4" name="Date Placeholder 3"/>
           <p:cNvSpPr>
             <a:spLocks noGrp="1"/>
           </p:cNvSpPr>
@@ -683,13 +695,7 @@
       </p:sp>
       <p:sp>
         <p:nvSpPr>
-          <p:cNvPr id="5" name="Footer Placeholder 4">
-            <a:extLst>
-              <a:ext uri="{FF2B5EF4-FFF2-40B4-BE49-F238E27FC236}">
-                <a16:creationId xmlns:a16="http://schemas.microsoft.com/office/drawing/2014/main" id="{2EC1C55D-1921-1506-F09A-448FAEFD711E}"/>
-              </a:ext>
-            </a:extLst>
-          </p:cNvPr>
+          <p:cNvPr id="5" name="Footer Placeholder 4"/>
           <p:cNvSpPr>
             <a:spLocks noGrp="1"/>
           </p:cNvSpPr>
@@ -708,13 +714,7 @@
       </p:sp>
       <p:sp>
         <p:nvSpPr>
-          <p:cNvPr id="6" name="Slide Number Placeholder 5">
-            <a:extLst>
-              <a:ext uri="{FF2B5EF4-FFF2-40B4-BE49-F238E27FC236}">
-                <a16:creationId xmlns:a16="http://schemas.microsoft.com/office/drawing/2014/main" id="{6C277582-9482-ECFD-501B-419AA1F49193}"/>
-              </a:ext>
-            </a:extLst>
-          </p:cNvPr>
+          <p:cNvPr id="6" name="Slide Number Placeholder 5"/>
           <p:cNvSpPr>
             <a:spLocks noGrp="1"/>
           </p:cNvSpPr>
@@ -735,10 +735,41 @@
           </a:p>
         </p:txBody>
       </p:sp>
+      <p:cxnSp>
+        <p:nvCxnSpPr>
+          <p:cNvPr id="15" name="Straight Connector 14"/>
+          <p:cNvCxnSpPr/>
+          <p:nvPr/>
+        </p:nvCxnSpPr>
+        <p:spPr>
+          <a:xfrm>
+            <a:off x="9439111" y="798973"/>
+            <a:ext cx="0" cy="4659889"/>
+          </a:xfrm>
+          <a:prstGeom prst="line">
+            <a:avLst/>
+          </a:prstGeom>
+          <a:ln w="31750"/>
+        </p:spPr>
+        <p:style>
+          <a:lnRef idx="3">
+            <a:schemeClr val="accent1"/>
+          </a:lnRef>
+          <a:fillRef idx="0">
+            <a:schemeClr val="accent1"/>
+          </a:fillRef>
+          <a:effectRef idx="2">
+            <a:schemeClr val="accent1"/>
+          </a:effectRef>
+          <a:fontRef idx="minor">
+            <a:schemeClr val="tx1"/>
+          </a:fontRef>
+        </p:style>
+      </p:cxnSp>
     </p:spTree>
     <p:extLst>
       <p:ext uri="{BB962C8B-B14F-4D97-AF65-F5344CB8AC3E}">
-        <p14:creationId xmlns:p14="http://schemas.microsoft.com/office/powerpoint/2010/main" val="2368828099"/>
+        <p14:creationId xmlns:p14="http://schemas.microsoft.com/office/powerpoint/2010/main" val="3588220951"/>
       </p:ext>
     </p:extLst>
   </p:cSld>
@@ -767,13 +798,7 @@
       </p:grpSpPr>
       <p:sp>
         <p:nvSpPr>
-          <p:cNvPr id="2" name="Title 1">
-            <a:extLst>
-              <a:ext uri="{FF2B5EF4-FFF2-40B4-BE49-F238E27FC236}">
-                <a16:creationId xmlns:a16="http://schemas.microsoft.com/office/drawing/2014/main" id="{476E03F9-CCD6-BBFD-1EAD-A1E9A18ACA7C}"/>
-              </a:ext>
-            </a:extLst>
-          </p:cNvPr>
+          <p:cNvPr id="2" name="Title 1"/>
           <p:cNvSpPr>
             <a:spLocks noGrp="1"/>
           </p:cNvSpPr>
@@ -790,19 +815,13 @@
               <a:rPr lang="en-GB"/>
               <a:t>Click to edit Master title style</a:t>
             </a:r>
-            <a:endParaRPr lang="en-US"/>
-          </a:p>
-        </p:txBody>
-      </p:sp>
-      <p:sp>
-        <p:nvSpPr>
-          <p:cNvPr id="3" name="Content Placeholder 2">
-            <a:extLst>
-              <a:ext uri="{FF2B5EF4-FFF2-40B4-BE49-F238E27FC236}">
-                <a16:creationId xmlns:a16="http://schemas.microsoft.com/office/drawing/2014/main" id="{64020998-67CD-537F-3268-C5FD3A752DB9}"/>
-              </a:ext>
-            </a:extLst>
-          </p:cNvPr>
+            <a:endParaRPr lang="en-US" dirty="0"/>
+          </a:p>
+        </p:txBody>
+      </p:sp>
+      <p:sp>
+        <p:nvSpPr>
+          <p:cNvPr id="3" name="Content Placeholder 2"/>
           <p:cNvSpPr>
             <a:spLocks noGrp="1"/>
           </p:cNvSpPr>
@@ -812,7 +831,7 @@
         </p:nvSpPr>
         <p:spPr/>
         <p:txBody>
-          <a:bodyPr/>
+          <a:bodyPr anchor="t"/>
           <a:lstStyle/>
           <a:p>
             <a:pPr lvl="0"/>
@@ -848,19 +867,13 @@
               <a:rPr lang="en-GB"/>
               <a:t>Fifth level</a:t>
             </a:r>
-            <a:endParaRPr lang="en-US"/>
-          </a:p>
-        </p:txBody>
-      </p:sp>
-      <p:sp>
-        <p:nvSpPr>
-          <p:cNvPr id="4" name="Date Placeholder 3">
-            <a:extLst>
-              <a:ext uri="{FF2B5EF4-FFF2-40B4-BE49-F238E27FC236}">
-                <a16:creationId xmlns:a16="http://schemas.microsoft.com/office/drawing/2014/main" id="{D75B7CD2-26E4-789F-5CBA-97C9DB919C35}"/>
-              </a:ext>
-            </a:extLst>
-          </p:cNvPr>
+            <a:endParaRPr lang="en-US" dirty="0"/>
+          </a:p>
+        </p:txBody>
+      </p:sp>
+      <p:sp>
+        <p:nvSpPr>
+          <p:cNvPr id="4" name="Date Placeholder 3"/>
           <p:cNvSpPr>
             <a:spLocks noGrp="1"/>
           </p:cNvSpPr>
@@ -883,13 +896,7 @@
       </p:sp>
       <p:sp>
         <p:nvSpPr>
-          <p:cNvPr id="5" name="Footer Placeholder 4">
-            <a:extLst>
-              <a:ext uri="{FF2B5EF4-FFF2-40B4-BE49-F238E27FC236}">
-                <a16:creationId xmlns:a16="http://schemas.microsoft.com/office/drawing/2014/main" id="{A2029571-1D7B-CB12-67AB-6D4FCC7D15BD}"/>
-              </a:ext>
-            </a:extLst>
-          </p:cNvPr>
+          <p:cNvPr id="5" name="Footer Placeholder 4"/>
           <p:cNvSpPr>
             <a:spLocks noGrp="1"/>
           </p:cNvSpPr>
@@ -908,13 +915,7 @@
       </p:sp>
       <p:sp>
         <p:nvSpPr>
-          <p:cNvPr id="6" name="Slide Number Placeholder 5">
-            <a:extLst>
-              <a:ext uri="{FF2B5EF4-FFF2-40B4-BE49-F238E27FC236}">
-                <a16:creationId xmlns:a16="http://schemas.microsoft.com/office/drawing/2014/main" id="{F92F26B0-C12E-1A11-295A-C549E7EFA0F5}"/>
-              </a:ext>
-            </a:extLst>
-          </p:cNvPr>
+          <p:cNvPr id="6" name="Slide Number Placeholder 5"/>
           <p:cNvSpPr>
             <a:spLocks noGrp="1"/>
           </p:cNvSpPr>
@@ -935,10 +936,41 @@
           </a:p>
         </p:txBody>
       </p:sp>
+      <p:cxnSp>
+        <p:nvCxnSpPr>
+          <p:cNvPr id="33" name="Straight Connector 32"/>
+          <p:cNvCxnSpPr/>
+          <p:nvPr/>
+        </p:nvCxnSpPr>
+        <p:spPr>
+          <a:xfrm>
+            <a:off x="1453896" y="1847088"/>
+            <a:ext cx="9607522" cy="0"/>
+          </a:xfrm>
+          <a:prstGeom prst="line">
+            <a:avLst/>
+          </a:prstGeom>
+          <a:ln w="31750"/>
+        </p:spPr>
+        <p:style>
+          <a:lnRef idx="3">
+            <a:schemeClr val="accent1"/>
+          </a:lnRef>
+          <a:fillRef idx="0">
+            <a:schemeClr val="accent1"/>
+          </a:fillRef>
+          <a:effectRef idx="2">
+            <a:schemeClr val="accent1"/>
+          </a:effectRef>
+          <a:fontRef idx="minor">
+            <a:schemeClr val="tx1"/>
+          </a:fontRef>
+        </p:style>
+      </p:cxnSp>
     </p:spTree>
     <p:extLst>
       <p:ext uri="{BB962C8B-B14F-4D97-AF65-F5344CB8AC3E}">
-        <p14:creationId xmlns:p14="http://schemas.microsoft.com/office/powerpoint/2010/main" val="2021670828"/>
+        <p14:creationId xmlns:p14="http://schemas.microsoft.com/office/powerpoint/2010/main" val="3905038521"/>
       </p:ext>
     </p:extLst>
   </p:cSld>
@@ -967,13 +999,7 @@
       </p:grpSpPr>
       <p:sp>
         <p:nvSpPr>
-          <p:cNvPr id="2" name="Title 1">
-            <a:extLst>
-              <a:ext uri="{FF2B5EF4-FFF2-40B4-BE49-F238E27FC236}">
-                <a16:creationId xmlns:a16="http://schemas.microsoft.com/office/drawing/2014/main" id="{D97F7D00-8413-6385-6F16-8C7E9082B53B}"/>
-              </a:ext>
-            </a:extLst>
-          </p:cNvPr>
+          <p:cNvPr id="2" name="Title 1"/>
           <p:cNvSpPr>
             <a:spLocks noGrp="1"/>
           </p:cNvSpPr>
@@ -983,15 +1009,17 @@
         </p:nvSpPr>
         <p:spPr>
           <a:xfrm>
-            <a:off x="831850" y="1709738"/>
-            <a:ext cx="10515600" cy="2852737"/>
+            <a:off x="1454239" y="1756130"/>
+            <a:ext cx="8643154" cy="1887950"/>
           </a:xfrm>
         </p:spPr>
         <p:txBody>
-          <a:bodyPr anchor="b"/>
+          <a:bodyPr anchor="b">
+            <a:normAutofit/>
+          </a:bodyPr>
           <a:lstStyle>
-            <a:lvl1pPr>
-              <a:defRPr sz="6000"/>
+            <a:lvl1pPr algn="l">
+              <a:defRPr sz="3600"/>
             </a:lvl1pPr>
           </a:lstStyle>
           <a:p>
@@ -999,19 +1027,13 @@
               <a:rPr lang="en-GB"/>
               <a:t>Click to edit Master title style</a:t>
             </a:r>
-            <a:endParaRPr lang="en-US"/>
-          </a:p>
-        </p:txBody>
-      </p:sp>
-      <p:sp>
-        <p:nvSpPr>
-          <p:cNvPr id="3" name="Text Placeholder 2">
-            <a:extLst>
-              <a:ext uri="{FF2B5EF4-FFF2-40B4-BE49-F238E27FC236}">
-                <a16:creationId xmlns:a16="http://schemas.microsoft.com/office/drawing/2014/main" id="{4BDE476E-FFE9-A533-97B9-7E89C04E78B3}"/>
-              </a:ext>
-            </a:extLst>
-          </p:cNvPr>
+            <a:endParaRPr lang="en-US" dirty="0"/>
+          </a:p>
+        </p:txBody>
+      </p:sp>
+      <p:sp>
+        <p:nvSpPr>
+          <p:cNvPr id="3" name="Text Placeholder 2"/>
           <p:cNvSpPr>
             <a:spLocks noGrp="1"/>
           </p:cNvSpPr>
@@ -1021,26 +1043,26 @@
         </p:nvSpPr>
         <p:spPr>
           <a:xfrm>
-            <a:off x="831850" y="4589463"/>
-            <a:ext cx="10515600" cy="1500187"/>
+            <a:off x="1454239" y="3806195"/>
+            <a:ext cx="8630446" cy="1012929"/>
           </a:xfrm>
         </p:spPr>
         <p:txBody>
-          <a:bodyPr/>
+          <a:bodyPr tIns="91440">
+            <a:normAutofit/>
+          </a:bodyPr>
           <a:lstStyle>
-            <a:lvl1pPr marL="0" indent="0">
+            <a:lvl1pPr marL="0" indent="0" algn="l">
               <a:buNone/>
-              <a:defRPr sz="2400">
+              <a:defRPr sz="1800">
                 <a:solidFill>
-                  <a:schemeClr val="tx1">
-                    <a:tint val="75000"/>
-                  </a:schemeClr>
+                  <a:schemeClr val="tx1"/>
                 </a:solidFill>
               </a:defRPr>
             </a:lvl1pPr>
             <a:lvl2pPr marL="457200" indent="0">
               <a:buNone/>
-              <a:defRPr sz="2000">
+              <a:defRPr sz="1800">
                 <a:solidFill>
                   <a:schemeClr val="tx1">
                     <a:tint val="75000"/>
@@ -1130,13 +1152,7 @@
       </p:sp>
       <p:sp>
         <p:nvSpPr>
-          <p:cNvPr id="4" name="Date Placeholder 3">
-            <a:extLst>
-              <a:ext uri="{FF2B5EF4-FFF2-40B4-BE49-F238E27FC236}">
-                <a16:creationId xmlns:a16="http://schemas.microsoft.com/office/drawing/2014/main" id="{2D0C5355-9D54-ABBF-67A1-EBC1ACA28A03}"/>
-              </a:ext>
-            </a:extLst>
-          </p:cNvPr>
+          <p:cNvPr id="4" name="Date Placeholder 3"/>
           <p:cNvSpPr>
             <a:spLocks noGrp="1"/>
           </p:cNvSpPr>
@@ -1159,13 +1175,7 @@
       </p:sp>
       <p:sp>
         <p:nvSpPr>
-          <p:cNvPr id="5" name="Footer Placeholder 4">
-            <a:extLst>
-              <a:ext uri="{FF2B5EF4-FFF2-40B4-BE49-F238E27FC236}">
-                <a16:creationId xmlns:a16="http://schemas.microsoft.com/office/drawing/2014/main" id="{A50F2C07-59A2-C695-64AB-F5ABFB77067E}"/>
-              </a:ext>
-            </a:extLst>
-          </p:cNvPr>
+          <p:cNvPr id="5" name="Footer Placeholder 4"/>
           <p:cNvSpPr>
             <a:spLocks noGrp="1"/>
           </p:cNvSpPr>
@@ -1184,13 +1194,7 @@
       </p:sp>
       <p:sp>
         <p:nvSpPr>
-          <p:cNvPr id="6" name="Slide Number Placeholder 5">
-            <a:extLst>
-              <a:ext uri="{FF2B5EF4-FFF2-40B4-BE49-F238E27FC236}">
-                <a16:creationId xmlns:a16="http://schemas.microsoft.com/office/drawing/2014/main" id="{3A4C0FE1-015E-B70B-04B0-C3ED89CFF728}"/>
-              </a:ext>
-            </a:extLst>
-          </p:cNvPr>
+          <p:cNvPr id="6" name="Slide Number Placeholder 5"/>
           <p:cNvSpPr>
             <a:spLocks noGrp="1"/>
           </p:cNvSpPr>
@@ -1211,10 +1215,41 @@
           </a:p>
         </p:txBody>
       </p:sp>
+      <p:cxnSp>
+        <p:nvCxnSpPr>
+          <p:cNvPr id="15" name="Straight Connector 14"/>
+          <p:cNvCxnSpPr/>
+          <p:nvPr/>
+        </p:nvCxnSpPr>
+        <p:spPr>
+          <a:xfrm>
+            <a:off x="1454239" y="3804985"/>
+            <a:ext cx="8630446" cy="0"/>
+          </a:xfrm>
+          <a:prstGeom prst="line">
+            <a:avLst/>
+          </a:prstGeom>
+          <a:ln w="31750"/>
+        </p:spPr>
+        <p:style>
+          <a:lnRef idx="3">
+            <a:schemeClr val="accent1"/>
+          </a:lnRef>
+          <a:fillRef idx="0">
+            <a:schemeClr val="accent1"/>
+          </a:fillRef>
+          <a:effectRef idx="2">
+            <a:schemeClr val="accent1"/>
+          </a:effectRef>
+          <a:fontRef idx="minor">
+            <a:schemeClr val="tx1"/>
+          </a:fontRef>
+        </p:style>
+      </p:cxnSp>
     </p:spTree>
     <p:extLst>
       <p:ext uri="{BB962C8B-B14F-4D97-AF65-F5344CB8AC3E}">
-        <p14:creationId xmlns:p14="http://schemas.microsoft.com/office/powerpoint/2010/main" val="4238372663"/>
+        <p14:creationId xmlns:p14="http://schemas.microsoft.com/office/powerpoint/2010/main" val="4049893359"/>
       </p:ext>
     </p:extLst>
   </p:cSld>
@@ -1243,13 +1278,7 @@
       </p:grpSpPr>
       <p:sp>
         <p:nvSpPr>
-          <p:cNvPr id="2" name="Title 1">
-            <a:extLst>
-              <a:ext uri="{FF2B5EF4-FFF2-40B4-BE49-F238E27FC236}">
-                <a16:creationId xmlns:a16="http://schemas.microsoft.com/office/drawing/2014/main" id="{3384244A-A1C3-5B37-CAA7-1705B48C1B7E}"/>
-              </a:ext>
-            </a:extLst>
-          </p:cNvPr>
+          <p:cNvPr id="2" name="Title 1"/>
           <p:cNvSpPr>
             <a:spLocks noGrp="1"/>
           </p:cNvSpPr>
@@ -1257,7 +1286,12 @@
             <p:ph type="title"/>
           </p:nvPr>
         </p:nvSpPr>
-        <p:spPr/>
+        <p:spPr>
+          <a:xfrm>
+            <a:off x="1449217" y="804889"/>
+            <a:ext cx="9605635" cy="1059305"/>
+          </a:xfrm>
+        </p:spPr>
         <p:txBody>
           <a:bodyPr/>
           <a:lstStyle/>
@@ -1266,19 +1300,13 @@
               <a:rPr lang="en-GB"/>
               <a:t>Click to edit Master title style</a:t>
             </a:r>
-            <a:endParaRPr lang="en-US"/>
-          </a:p>
-        </p:txBody>
-      </p:sp>
-      <p:sp>
-        <p:nvSpPr>
-          <p:cNvPr id="3" name="Content Placeholder 2">
-            <a:extLst>
-              <a:ext uri="{FF2B5EF4-FFF2-40B4-BE49-F238E27FC236}">
-                <a16:creationId xmlns:a16="http://schemas.microsoft.com/office/drawing/2014/main" id="{6D0FC153-FA31-1C5F-8396-F9F5FF74805B}"/>
-              </a:ext>
-            </a:extLst>
-          </p:cNvPr>
+            <a:endParaRPr lang="en-US" dirty="0"/>
+          </a:p>
+        </p:txBody>
+      </p:sp>
+      <p:sp>
+        <p:nvSpPr>
+          <p:cNvPr id="3" name="Content Placeholder 2"/>
           <p:cNvSpPr>
             <a:spLocks noGrp="1"/>
           </p:cNvSpPr>
@@ -1288,8 +1316,8 @@
         </p:nvSpPr>
         <p:spPr>
           <a:xfrm>
-            <a:off x="838200" y="1825625"/>
-            <a:ext cx="5181600" cy="4351338"/>
+            <a:off x="1447331" y="2010878"/>
+            <a:ext cx="4645152" cy="3448595"/>
           </a:xfrm>
         </p:spPr>
         <p:txBody>
@@ -1329,19 +1357,13 @@
               <a:rPr lang="en-GB"/>
               <a:t>Fifth level</a:t>
             </a:r>
-            <a:endParaRPr lang="en-US"/>
-          </a:p>
-        </p:txBody>
-      </p:sp>
-      <p:sp>
-        <p:nvSpPr>
-          <p:cNvPr id="4" name="Content Placeholder 3">
-            <a:extLst>
-              <a:ext uri="{FF2B5EF4-FFF2-40B4-BE49-F238E27FC236}">
-                <a16:creationId xmlns:a16="http://schemas.microsoft.com/office/drawing/2014/main" id="{A0C7C4F5-7A94-3195-26BB-205A92F78E39}"/>
-              </a:ext>
-            </a:extLst>
-          </p:cNvPr>
+            <a:endParaRPr lang="en-US" dirty="0"/>
+          </a:p>
+        </p:txBody>
+      </p:sp>
+      <p:sp>
+        <p:nvSpPr>
+          <p:cNvPr id="4" name="Content Placeholder 3"/>
           <p:cNvSpPr>
             <a:spLocks noGrp="1"/>
           </p:cNvSpPr>
@@ -1351,8 +1373,8 @@
         </p:nvSpPr>
         <p:spPr>
           <a:xfrm>
-            <a:off x="6172200" y="1825625"/>
-            <a:ext cx="5181600" cy="4351338"/>
+            <a:off x="6413771" y="2017343"/>
+            <a:ext cx="4645152" cy="3441520"/>
           </a:xfrm>
         </p:spPr>
         <p:txBody>
@@ -1392,19 +1414,13 @@
               <a:rPr lang="en-GB"/>
               <a:t>Fifth level</a:t>
             </a:r>
-            <a:endParaRPr lang="en-US"/>
-          </a:p>
-        </p:txBody>
-      </p:sp>
-      <p:sp>
-        <p:nvSpPr>
-          <p:cNvPr id="5" name="Date Placeholder 4">
-            <a:extLst>
-              <a:ext uri="{FF2B5EF4-FFF2-40B4-BE49-F238E27FC236}">
-                <a16:creationId xmlns:a16="http://schemas.microsoft.com/office/drawing/2014/main" id="{477C6C22-F72E-378F-EC4F-0BCC75D7C095}"/>
-              </a:ext>
-            </a:extLst>
-          </p:cNvPr>
+            <a:endParaRPr lang="en-US" dirty="0"/>
+          </a:p>
+        </p:txBody>
+      </p:sp>
+      <p:sp>
+        <p:nvSpPr>
+          <p:cNvPr id="5" name="Date Placeholder 4"/>
           <p:cNvSpPr>
             <a:spLocks noGrp="1"/>
           </p:cNvSpPr>
@@ -1427,13 +1443,7 @@
       </p:sp>
       <p:sp>
         <p:nvSpPr>
-          <p:cNvPr id="6" name="Footer Placeholder 5">
-            <a:extLst>
-              <a:ext uri="{FF2B5EF4-FFF2-40B4-BE49-F238E27FC236}">
-                <a16:creationId xmlns:a16="http://schemas.microsoft.com/office/drawing/2014/main" id="{9EDA20AD-2780-0060-2AA2-A1D6B3520D82}"/>
-              </a:ext>
-            </a:extLst>
-          </p:cNvPr>
+          <p:cNvPr id="6" name="Footer Placeholder 5"/>
           <p:cNvSpPr>
             <a:spLocks noGrp="1"/>
           </p:cNvSpPr>
@@ -1452,13 +1462,7 @@
       </p:sp>
       <p:sp>
         <p:nvSpPr>
-          <p:cNvPr id="7" name="Slide Number Placeholder 6">
-            <a:extLst>
-              <a:ext uri="{FF2B5EF4-FFF2-40B4-BE49-F238E27FC236}">
-                <a16:creationId xmlns:a16="http://schemas.microsoft.com/office/drawing/2014/main" id="{9D9D9970-259F-4851-4D94-7475FA64D330}"/>
-              </a:ext>
-            </a:extLst>
-          </p:cNvPr>
+          <p:cNvPr id="7" name="Slide Number Placeholder 6"/>
           <p:cNvSpPr>
             <a:spLocks noGrp="1"/>
           </p:cNvSpPr>
@@ -1479,10 +1483,41 @@
           </a:p>
         </p:txBody>
       </p:sp>
+      <p:cxnSp>
+        <p:nvCxnSpPr>
+          <p:cNvPr id="35" name="Straight Connector 34"/>
+          <p:cNvCxnSpPr/>
+          <p:nvPr/>
+        </p:nvCxnSpPr>
+        <p:spPr>
+          <a:xfrm>
+            <a:off x="1453896" y="1847088"/>
+            <a:ext cx="9607522" cy="0"/>
+          </a:xfrm>
+          <a:prstGeom prst="line">
+            <a:avLst/>
+          </a:prstGeom>
+          <a:ln w="31750"/>
+        </p:spPr>
+        <p:style>
+          <a:lnRef idx="3">
+            <a:schemeClr val="accent1"/>
+          </a:lnRef>
+          <a:fillRef idx="0">
+            <a:schemeClr val="accent1"/>
+          </a:fillRef>
+          <a:effectRef idx="2">
+            <a:schemeClr val="accent1"/>
+          </a:effectRef>
+          <a:fontRef idx="minor">
+            <a:schemeClr val="tx1"/>
+          </a:fontRef>
+        </p:style>
+      </p:cxnSp>
     </p:spTree>
     <p:extLst>
       <p:ext uri="{BB962C8B-B14F-4D97-AF65-F5344CB8AC3E}">
-        <p14:creationId xmlns:p14="http://schemas.microsoft.com/office/powerpoint/2010/main" val="1859249759"/>
+        <p14:creationId xmlns:p14="http://schemas.microsoft.com/office/powerpoint/2010/main" val="2843739945"/>
       </p:ext>
     </p:extLst>
   </p:cSld>
@@ -1511,13 +1546,7 @@
       </p:grpSpPr>
       <p:sp>
         <p:nvSpPr>
-          <p:cNvPr id="2" name="Title 1">
-            <a:extLst>
-              <a:ext uri="{FF2B5EF4-FFF2-40B4-BE49-F238E27FC236}">
-                <a16:creationId xmlns:a16="http://schemas.microsoft.com/office/drawing/2014/main" id="{A6F28193-8D7D-2E2B-2AD8-8AC067399E1E}"/>
-              </a:ext>
-            </a:extLst>
-          </p:cNvPr>
+          <p:cNvPr id="2" name="Title 1"/>
           <p:cNvSpPr>
             <a:spLocks noGrp="1"/>
           </p:cNvSpPr>
@@ -1527,8 +1556,8 @@
         </p:nvSpPr>
         <p:spPr>
           <a:xfrm>
-            <a:off x="839788" y="365125"/>
-            <a:ext cx="10515600" cy="1325563"/>
+            <a:off x="1447191" y="804163"/>
+            <a:ext cx="9607661" cy="1056319"/>
           </a:xfrm>
         </p:spPr>
         <p:txBody>
@@ -1539,19 +1568,13 @@
               <a:rPr lang="en-GB"/>
               <a:t>Click to edit Master title style</a:t>
             </a:r>
-            <a:endParaRPr lang="en-US"/>
-          </a:p>
-        </p:txBody>
-      </p:sp>
-      <p:sp>
-        <p:nvSpPr>
-          <p:cNvPr id="3" name="Text Placeholder 2">
-            <a:extLst>
-              <a:ext uri="{FF2B5EF4-FFF2-40B4-BE49-F238E27FC236}">
-                <a16:creationId xmlns:a16="http://schemas.microsoft.com/office/drawing/2014/main" id="{59E399E5-2EAF-322D-857F-086753C1F398}"/>
-              </a:ext>
-            </a:extLst>
-          </p:cNvPr>
+            <a:endParaRPr lang="en-US" dirty="0"/>
+          </a:p>
+        </p:txBody>
+      </p:sp>
+      <p:sp>
+        <p:nvSpPr>
+          <p:cNvPr id="3" name="Text Placeholder 2"/>
           <p:cNvSpPr>
             <a:spLocks noGrp="1"/>
           </p:cNvSpPr>
@@ -1561,16 +1584,25 @@
         </p:nvSpPr>
         <p:spPr>
           <a:xfrm>
-            <a:off x="839788" y="1681163"/>
-            <a:ext cx="5157787" cy="823912"/>
+            <a:off x="1447191" y="2019549"/>
+            <a:ext cx="4645152" cy="801943"/>
           </a:xfrm>
         </p:spPr>
         <p:txBody>
-          <a:bodyPr anchor="b"/>
+          <a:bodyPr anchor="b">
+            <a:normAutofit/>
+          </a:bodyPr>
           <a:lstStyle>
             <a:lvl1pPr marL="0" indent="0">
+              <a:lnSpc>
+                <a:spcPct val="100000"/>
+              </a:lnSpc>
               <a:buNone/>
-              <a:defRPr sz="2400" b="1"/>
+              <a:defRPr sz="2200" b="0" cap="all" baseline="0">
+                <a:solidFill>
+                  <a:schemeClr val="accent1"/>
+                </a:solidFill>
+              </a:defRPr>
             </a:lvl1pPr>
             <a:lvl2pPr marL="457200" indent="0">
               <a:buNone/>
@@ -1616,13 +1648,7 @@
       </p:sp>
       <p:sp>
         <p:nvSpPr>
-          <p:cNvPr id="4" name="Content Placeholder 3">
-            <a:extLst>
-              <a:ext uri="{FF2B5EF4-FFF2-40B4-BE49-F238E27FC236}">
-                <a16:creationId xmlns:a16="http://schemas.microsoft.com/office/drawing/2014/main" id="{0D6E14B7-DAE6-8793-F4B9-4205B2407CB1}"/>
-              </a:ext>
-            </a:extLst>
-          </p:cNvPr>
+          <p:cNvPr id="4" name="Content Placeholder 3"/>
           <p:cNvSpPr>
             <a:spLocks noGrp="1"/>
           </p:cNvSpPr>
@@ -1632,8 +1658,8 @@
         </p:nvSpPr>
         <p:spPr>
           <a:xfrm>
-            <a:off x="839788" y="2505075"/>
-            <a:ext cx="5157787" cy="3684588"/>
+            <a:off x="1447191" y="2824269"/>
+            <a:ext cx="4645152" cy="2644457"/>
           </a:xfrm>
         </p:spPr>
         <p:txBody>
@@ -1673,19 +1699,13 @@
               <a:rPr lang="en-GB"/>
               <a:t>Fifth level</a:t>
             </a:r>
-            <a:endParaRPr lang="en-US"/>
-          </a:p>
-        </p:txBody>
-      </p:sp>
-      <p:sp>
-        <p:nvSpPr>
-          <p:cNvPr id="5" name="Text Placeholder 4">
-            <a:extLst>
-              <a:ext uri="{FF2B5EF4-FFF2-40B4-BE49-F238E27FC236}">
-                <a16:creationId xmlns:a16="http://schemas.microsoft.com/office/drawing/2014/main" id="{E1175F3A-92F5-E99D-7214-055F60D1A3CC}"/>
-              </a:ext>
-            </a:extLst>
-          </p:cNvPr>
+            <a:endParaRPr lang="en-US" dirty="0"/>
+          </a:p>
+        </p:txBody>
+      </p:sp>
+      <p:sp>
+        <p:nvSpPr>
+          <p:cNvPr id="5" name="Text Placeholder 4"/>
           <p:cNvSpPr>
             <a:spLocks noGrp="1"/>
           </p:cNvSpPr>
@@ -1695,16 +1715,25 @@
         </p:nvSpPr>
         <p:spPr>
           <a:xfrm>
-            <a:off x="6172200" y="1681163"/>
-            <a:ext cx="5183188" cy="823912"/>
+            <a:off x="6412362" y="2023003"/>
+            <a:ext cx="4645152" cy="802237"/>
           </a:xfrm>
         </p:spPr>
         <p:txBody>
-          <a:bodyPr anchor="b"/>
+          <a:bodyPr anchor="b">
+            <a:normAutofit/>
+          </a:bodyPr>
           <a:lstStyle>
             <a:lvl1pPr marL="0" indent="0">
+              <a:lnSpc>
+                <a:spcPct val="100000"/>
+              </a:lnSpc>
               <a:buNone/>
-              <a:defRPr sz="2400" b="1"/>
+              <a:defRPr sz="2200" b="0" cap="all" baseline="0">
+                <a:solidFill>
+                  <a:schemeClr val="accent1"/>
+                </a:solidFill>
+              </a:defRPr>
             </a:lvl1pPr>
             <a:lvl2pPr marL="457200" indent="0">
               <a:buNone/>
@@ -1750,13 +1779,7 @@
       </p:sp>
       <p:sp>
         <p:nvSpPr>
-          <p:cNvPr id="6" name="Content Placeholder 5">
-            <a:extLst>
-              <a:ext uri="{FF2B5EF4-FFF2-40B4-BE49-F238E27FC236}">
-                <a16:creationId xmlns:a16="http://schemas.microsoft.com/office/drawing/2014/main" id="{945ACF0E-9DDC-E64D-720C-F5C2BA8A6C37}"/>
-              </a:ext>
-            </a:extLst>
-          </p:cNvPr>
+          <p:cNvPr id="6" name="Content Placeholder 5"/>
           <p:cNvSpPr>
             <a:spLocks noGrp="1"/>
           </p:cNvSpPr>
@@ -1766,8 +1789,8 @@
         </p:nvSpPr>
         <p:spPr>
           <a:xfrm>
-            <a:off x="6172200" y="2505075"/>
-            <a:ext cx="5183188" cy="3684588"/>
+            <a:off x="6412362" y="2821491"/>
+            <a:ext cx="4645152" cy="2637371"/>
           </a:xfrm>
         </p:spPr>
         <p:txBody>
@@ -1807,19 +1830,13 @@
               <a:rPr lang="en-GB"/>
               <a:t>Fifth level</a:t>
             </a:r>
-            <a:endParaRPr lang="en-US"/>
-          </a:p>
-        </p:txBody>
-      </p:sp>
-      <p:sp>
-        <p:nvSpPr>
-          <p:cNvPr id="7" name="Date Placeholder 6">
-            <a:extLst>
-              <a:ext uri="{FF2B5EF4-FFF2-40B4-BE49-F238E27FC236}">
-                <a16:creationId xmlns:a16="http://schemas.microsoft.com/office/drawing/2014/main" id="{DACB521E-A36E-3F2C-AF21-16CA6E29CA8A}"/>
-              </a:ext>
-            </a:extLst>
-          </p:cNvPr>
+            <a:endParaRPr lang="en-US" dirty="0"/>
+          </a:p>
+        </p:txBody>
+      </p:sp>
+      <p:sp>
+        <p:nvSpPr>
+          <p:cNvPr id="7" name="Date Placeholder 6"/>
           <p:cNvSpPr>
             <a:spLocks noGrp="1"/>
           </p:cNvSpPr>
@@ -1842,13 +1859,7 @@
       </p:sp>
       <p:sp>
         <p:nvSpPr>
-          <p:cNvPr id="8" name="Footer Placeholder 7">
-            <a:extLst>
-              <a:ext uri="{FF2B5EF4-FFF2-40B4-BE49-F238E27FC236}">
-                <a16:creationId xmlns:a16="http://schemas.microsoft.com/office/drawing/2014/main" id="{B9DD4F2C-9EE0-D27E-4F7A-D3FA76F2A841}"/>
-              </a:ext>
-            </a:extLst>
-          </p:cNvPr>
+          <p:cNvPr id="8" name="Footer Placeholder 7"/>
           <p:cNvSpPr>
             <a:spLocks noGrp="1"/>
           </p:cNvSpPr>
@@ -1867,13 +1878,7 @@
       </p:sp>
       <p:sp>
         <p:nvSpPr>
-          <p:cNvPr id="9" name="Slide Number Placeholder 8">
-            <a:extLst>
-              <a:ext uri="{FF2B5EF4-FFF2-40B4-BE49-F238E27FC236}">
-                <a16:creationId xmlns:a16="http://schemas.microsoft.com/office/drawing/2014/main" id="{A0F21AE3-3351-D19E-6C5A-E874E027CFC0}"/>
-              </a:ext>
-            </a:extLst>
-          </p:cNvPr>
+          <p:cNvPr id="9" name="Slide Number Placeholder 8"/>
           <p:cNvSpPr>
             <a:spLocks noGrp="1"/>
           </p:cNvSpPr>
@@ -1894,10 +1899,41 @@
           </a:p>
         </p:txBody>
       </p:sp>
+      <p:cxnSp>
+        <p:nvCxnSpPr>
+          <p:cNvPr id="29" name="Straight Connector 28"/>
+          <p:cNvCxnSpPr/>
+          <p:nvPr/>
+        </p:nvCxnSpPr>
+        <p:spPr>
+          <a:xfrm>
+            <a:off x="1453896" y="1847088"/>
+            <a:ext cx="9607522" cy="0"/>
+          </a:xfrm>
+          <a:prstGeom prst="line">
+            <a:avLst/>
+          </a:prstGeom>
+          <a:ln w="31750"/>
+        </p:spPr>
+        <p:style>
+          <a:lnRef idx="3">
+            <a:schemeClr val="accent1"/>
+          </a:lnRef>
+          <a:fillRef idx="0">
+            <a:schemeClr val="accent1"/>
+          </a:fillRef>
+          <a:effectRef idx="2">
+            <a:schemeClr val="accent1"/>
+          </a:effectRef>
+          <a:fontRef idx="minor">
+            <a:schemeClr val="tx1"/>
+          </a:fontRef>
+        </p:style>
+      </p:cxnSp>
     </p:spTree>
     <p:extLst>
       <p:ext uri="{BB962C8B-B14F-4D97-AF65-F5344CB8AC3E}">
-        <p14:creationId xmlns:p14="http://schemas.microsoft.com/office/powerpoint/2010/main" val="1462140344"/>
+        <p14:creationId xmlns:p14="http://schemas.microsoft.com/office/powerpoint/2010/main" val="3315954501"/>
       </p:ext>
     </p:extLst>
   </p:cSld>
@@ -1926,13 +1962,7 @@
       </p:grpSpPr>
       <p:sp>
         <p:nvSpPr>
-          <p:cNvPr id="2" name="Title 1">
-            <a:extLst>
-              <a:ext uri="{FF2B5EF4-FFF2-40B4-BE49-F238E27FC236}">
-                <a16:creationId xmlns:a16="http://schemas.microsoft.com/office/drawing/2014/main" id="{2B6F3D66-FD9C-F6CB-3A5C-17AC8320B8BD}"/>
-              </a:ext>
-            </a:extLst>
-          </p:cNvPr>
+          <p:cNvPr id="2" name="Title 1"/>
           <p:cNvSpPr>
             <a:spLocks noGrp="1"/>
           </p:cNvSpPr>
@@ -1949,19 +1979,13 @@
               <a:rPr lang="en-GB"/>
               <a:t>Click to edit Master title style</a:t>
             </a:r>
-            <a:endParaRPr lang="en-US"/>
-          </a:p>
-        </p:txBody>
-      </p:sp>
-      <p:sp>
-        <p:nvSpPr>
-          <p:cNvPr id="3" name="Date Placeholder 2">
-            <a:extLst>
-              <a:ext uri="{FF2B5EF4-FFF2-40B4-BE49-F238E27FC236}">
-                <a16:creationId xmlns:a16="http://schemas.microsoft.com/office/drawing/2014/main" id="{4052E76F-91FA-5336-AF02-94F63FE263AA}"/>
-              </a:ext>
-            </a:extLst>
-          </p:cNvPr>
+            <a:endParaRPr lang="en-US" dirty="0"/>
+          </a:p>
+        </p:txBody>
+      </p:sp>
+      <p:sp>
+        <p:nvSpPr>
+          <p:cNvPr id="3" name="Date Placeholder 2"/>
           <p:cNvSpPr>
             <a:spLocks noGrp="1"/>
           </p:cNvSpPr>
@@ -1984,13 +2008,7 @@
       </p:sp>
       <p:sp>
         <p:nvSpPr>
-          <p:cNvPr id="4" name="Footer Placeholder 3">
-            <a:extLst>
-              <a:ext uri="{FF2B5EF4-FFF2-40B4-BE49-F238E27FC236}">
-                <a16:creationId xmlns:a16="http://schemas.microsoft.com/office/drawing/2014/main" id="{9912A227-BD32-2476-10AF-32C91921C11A}"/>
-              </a:ext>
-            </a:extLst>
-          </p:cNvPr>
+          <p:cNvPr id="4" name="Footer Placeholder 3"/>
           <p:cNvSpPr>
             <a:spLocks noGrp="1"/>
           </p:cNvSpPr>
@@ -2009,13 +2027,7 @@
       </p:sp>
       <p:sp>
         <p:nvSpPr>
-          <p:cNvPr id="5" name="Slide Number Placeholder 4">
-            <a:extLst>
-              <a:ext uri="{FF2B5EF4-FFF2-40B4-BE49-F238E27FC236}">
-                <a16:creationId xmlns:a16="http://schemas.microsoft.com/office/drawing/2014/main" id="{D4B9875D-9E56-DF3D-8398-CB02F94D381C}"/>
-              </a:ext>
-            </a:extLst>
-          </p:cNvPr>
+          <p:cNvPr id="5" name="Slide Number Placeholder 4"/>
           <p:cNvSpPr>
             <a:spLocks noGrp="1"/>
           </p:cNvSpPr>
@@ -2036,10 +2048,41 @@
           </a:p>
         </p:txBody>
       </p:sp>
+      <p:cxnSp>
+        <p:nvCxnSpPr>
+          <p:cNvPr id="25" name="Straight Connector 24"/>
+          <p:cNvCxnSpPr/>
+          <p:nvPr/>
+        </p:nvCxnSpPr>
+        <p:spPr>
+          <a:xfrm>
+            <a:off x="1453896" y="1847088"/>
+            <a:ext cx="9607522" cy="0"/>
+          </a:xfrm>
+          <a:prstGeom prst="line">
+            <a:avLst/>
+          </a:prstGeom>
+          <a:ln w="31750"/>
+        </p:spPr>
+        <p:style>
+          <a:lnRef idx="3">
+            <a:schemeClr val="accent1"/>
+          </a:lnRef>
+          <a:fillRef idx="0">
+            <a:schemeClr val="accent1"/>
+          </a:fillRef>
+          <a:effectRef idx="2">
+            <a:schemeClr val="accent1"/>
+          </a:effectRef>
+          <a:fontRef idx="minor">
+            <a:schemeClr val="tx1"/>
+          </a:fontRef>
+        </p:style>
+      </p:cxnSp>
     </p:spTree>
     <p:extLst>
       <p:ext uri="{BB962C8B-B14F-4D97-AF65-F5344CB8AC3E}">
-        <p14:creationId xmlns:p14="http://schemas.microsoft.com/office/powerpoint/2010/main" val="2109512832"/>
+        <p14:creationId xmlns:p14="http://schemas.microsoft.com/office/powerpoint/2010/main" val="860364202"/>
       </p:ext>
     </p:extLst>
   </p:cSld>
@@ -2068,13 +2111,7 @@
       </p:grpSpPr>
       <p:sp>
         <p:nvSpPr>
-          <p:cNvPr id="2" name="Date Placeholder 1">
-            <a:extLst>
-              <a:ext uri="{FF2B5EF4-FFF2-40B4-BE49-F238E27FC236}">
-                <a16:creationId xmlns:a16="http://schemas.microsoft.com/office/drawing/2014/main" id="{8701B83F-BF06-8489-BBAE-3F7A29490CA7}"/>
-              </a:ext>
-            </a:extLst>
-          </p:cNvPr>
+          <p:cNvPr id="2" name="Date Placeholder 1"/>
           <p:cNvSpPr>
             <a:spLocks noGrp="1"/>
           </p:cNvSpPr>
@@ -2097,13 +2134,7 @@
       </p:sp>
       <p:sp>
         <p:nvSpPr>
-          <p:cNvPr id="3" name="Footer Placeholder 2">
-            <a:extLst>
-              <a:ext uri="{FF2B5EF4-FFF2-40B4-BE49-F238E27FC236}">
-                <a16:creationId xmlns:a16="http://schemas.microsoft.com/office/drawing/2014/main" id="{B66ED95D-D14A-FF54-831C-F946380538AE}"/>
-              </a:ext>
-            </a:extLst>
-          </p:cNvPr>
+          <p:cNvPr id="3" name="Footer Placeholder 2"/>
           <p:cNvSpPr>
             <a:spLocks noGrp="1"/>
           </p:cNvSpPr>
@@ -2122,13 +2153,7 @@
       </p:sp>
       <p:sp>
         <p:nvSpPr>
-          <p:cNvPr id="4" name="Slide Number Placeholder 3">
-            <a:extLst>
-              <a:ext uri="{FF2B5EF4-FFF2-40B4-BE49-F238E27FC236}">
-                <a16:creationId xmlns:a16="http://schemas.microsoft.com/office/drawing/2014/main" id="{BC5B9301-C4E4-26D4-F7ED-29D237CA373F}"/>
-              </a:ext>
-            </a:extLst>
-          </p:cNvPr>
+          <p:cNvPr id="4" name="Slide Number Placeholder 3"/>
           <p:cNvSpPr>
             <a:spLocks noGrp="1"/>
           </p:cNvSpPr>
@@ -2152,7 +2177,7 @@
     </p:spTree>
     <p:extLst>
       <p:ext uri="{BB962C8B-B14F-4D97-AF65-F5344CB8AC3E}">
-        <p14:creationId xmlns:p14="http://schemas.microsoft.com/office/powerpoint/2010/main" val="4236144191"/>
+        <p14:creationId xmlns:p14="http://schemas.microsoft.com/office/powerpoint/2010/main" val="3643899261"/>
       </p:ext>
     </p:extLst>
   </p:cSld>
@@ -2181,13 +2206,7 @@
       </p:grpSpPr>
       <p:sp>
         <p:nvSpPr>
-          <p:cNvPr id="2" name="Title 1">
-            <a:extLst>
-              <a:ext uri="{FF2B5EF4-FFF2-40B4-BE49-F238E27FC236}">
-                <a16:creationId xmlns:a16="http://schemas.microsoft.com/office/drawing/2014/main" id="{5A02D546-044D-51EB-7A56-CE8D95A592FC}"/>
-              </a:ext>
-            </a:extLst>
-          </p:cNvPr>
+          <p:cNvPr id="2" name="Title 1"/>
           <p:cNvSpPr>
             <a:spLocks noGrp="1"/>
           </p:cNvSpPr>
@@ -2197,15 +2216,17 @@
         </p:nvSpPr>
         <p:spPr>
           <a:xfrm>
-            <a:off x="839788" y="457200"/>
-            <a:ext cx="3932237" cy="1600200"/>
+            <a:off x="1444671" y="798973"/>
+            <a:ext cx="3273099" cy="2247117"/>
           </a:xfrm>
         </p:spPr>
         <p:txBody>
-          <a:bodyPr anchor="b"/>
+          <a:bodyPr anchor="b">
+            <a:normAutofit/>
+          </a:bodyPr>
           <a:lstStyle>
-            <a:lvl1pPr>
-              <a:defRPr sz="3200"/>
+            <a:lvl1pPr algn="l">
+              <a:defRPr sz="2400"/>
             </a:lvl1pPr>
           </a:lstStyle>
           <a:p>
@@ -2213,19 +2234,13 @@
               <a:rPr lang="en-GB"/>
               <a:t>Click to edit Master title style</a:t>
             </a:r>
-            <a:endParaRPr lang="en-US"/>
-          </a:p>
-        </p:txBody>
-      </p:sp>
-      <p:sp>
-        <p:nvSpPr>
-          <p:cNvPr id="3" name="Content Placeholder 2">
-            <a:extLst>
-              <a:ext uri="{FF2B5EF4-FFF2-40B4-BE49-F238E27FC236}">
-                <a16:creationId xmlns:a16="http://schemas.microsoft.com/office/drawing/2014/main" id="{942D6241-1A9F-C587-0A62-271C366BC9FF}"/>
-              </a:ext>
-            </a:extLst>
-          </p:cNvPr>
+            <a:endParaRPr lang="en-US" dirty="0"/>
+          </a:p>
+        </p:txBody>
+      </p:sp>
+      <p:sp>
+        <p:nvSpPr>
+          <p:cNvPr id="3" name="Content Placeholder 2"/>
           <p:cNvSpPr>
             <a:spLocks noGrp="1"/>
           </p:cNvSpPr>
@@ -2235,105 +2250,71 @@
         </p:nvSpPr>
         <p:spPr>
           <a:xfrm>
-            <a:off x="5183188" y="987425"/>
-            <a:ext cx="6172200" cy="4873625"/>
+            <a:off x="5043714" y="798974"/>
+            <a:ext cx="6012470" cy="4658826"/>
           </a:xfrm>
         </p:spPr>
         <p:txBody>
+          <a:bodyPr anchor="ctr"/>
+          <a:lstStyle/>
+          <a:p>
+            <a:pPr lvl="0"/>
+            <a:r>
+              <a:rPr lang="en-GB"/>
+              <a:t>Click to edit Master text styles</a:t>
+            </a:r>
+          </a:p>
+          <a:p>
+            <a:pPr lvl="1"/>
+            <a:r>
+              <a:rPr lang="en-GB"/>
+              <a:t>Second level</a:t>
+            </a:r>
+          </a:p>
+          <a:p>
+            <a:pPr lvl="2"/>
+            <a:r>
+              <a:rPr lang="en-GB"/>
+              <a:t>Third level</a:t>
+            </a:r>
+          </a:p>
+          <a:p>
+            <a:pPr lvl="3"/>
+            <a:r>
+              <a:rPr lang="en-GB"/>
+              <a:t>Fourth level</a:t>
+            </a:r>
+          </a:p>
+          <a:p>
+            <a:pPr lvl="4"/>
+            <a:r>
+              <a:rPr lang="en-GB"/>
+              <a:t>Fifth level</a:t>
+            </a:r>
+            <a:endParaRPr lang="en-US" dirty="0"/>
+          </a:p>
+        </p:txBody>
+      </p:sp>
+      <p:sp>
+        <p:nvSpPr>
+          <p:cNvPr id="4" name="Text Placeholder 3"/>
+          <p:cNvSpPr>
+            <a:spLocks noGrp="1"/>
+          </p:cNvSpPr>
+          <p:nvPr>
+            <p:ph type="body" sz="half" idx="2"/>
+          </p:nvPr>
+        </p:nvSpPr>
+        <p:spPr>
+          <a:xfrm>
+            <a:off x="1444671" y="3205491"/>
+            <a:ext cx="3275013" cy="2248181"/>
+          </a:xfrm>
+        </p:spPr>
+        <p:txBody>
           <a:bodyPr/>
           <a:lstStyle>
-            <a:lvl1pPr>
-              <a:defRPr sz="3200"/>
-            </a:lvl1pPr>
-            <a:lvl2pPr>
-              <a:defRPr sz="2800"/>
-            </a:lvl2pPr>
-            <a:lvl3pPr>
-              <a:defRPr sz="2400"/>
-            </a:lvl3pPr>
-            <a:lvl4pPr>
-              <a:defRPr sz="2000"/>
-            </a:lvl4pPr>
-            <a:lvl5pPr>
-              <a:defRPr sz="2000"/>
-            </a:lvl5pPr>
-            <a:lvl6pPr>
-              <a:defRPr sz="2000"/>
-            </a:lvl6pPr>
-            <a:lvl7pPr>
-              <a:defRPr sz="2000"/>
-            </a:lvl7pPr>
-            <a:lvl8pPr>
-              <a:defRPr sz="2000"/>
-            </a:lvl8pPr>
-            <a:lvl9pPr>
-              <a:defRPr sz="2000"/>
-            </a:lvl9pPr>
-          </a:lstStyle>
-          <a:p>
-            <a:pPr lvl="0"/>
-            <a:r>
-              <a:rPr lang="en-GB"/>
-              <a:t>Click to edit Master text styles</a:t>
-            </a:r>
-          </a:p>
-          <a:p>
-            <a:pPr lvl="1"/>
-            <a:r>
-              <a:rPr lang="en-GB"/>
-              <a:t>Second level</a:t>
-            </a:r>
-          </a:p>
-          <a:p>
-            <a:pPr lvl="2"/>
-            <a:r>
-              <a:rPr lang="en-GB"/>
-              <a:t>Third level</a:t>
-            </a:r>
-          </a:p>
-          <a:p>
-            <a:pPr lvl="3"/>
-            <a:r>
-              <a:rPr lang="en-GB"/>
-              <a:t>Fourth level</a:t>
-            </a:r>
-          </a:p>
-          <a:p>
-            <a:pPr lvl="4"/>
-            <a:r>
-              <a:rPr lang="en-GB"/>
-              <a:t>Fifth level</a:t>
-            </a:r>
-            <a:endParaRPr lang="en-US"/>
-          </a:p>
-        </p:txBody>
-      </p:sp>
-      <p:sp>
-        <p:nvSpPr>
-          <p:cNvPr id="4" name="Text Placeholder 3">
-            <a:extLst>
-              <a:ext uri="{FF2B5EF4-FFF2-40B4-BE49-F238E27FC236}">
-                <a16:creationId xmlns:a16="http://schemas.microsoft.com/office/drawing/2014/main" id="{66D4068C-0739-47EC-2D30-AF578BEAF9B7}"/>
-              </a:ext>
-            </a:extLst>
-          </p:cNvPr>
-          <p:cNvSpPr>
-            <a:spLocks noGrp="1"/>
-          </p:cNvSpPr>
-          <p:nvPr>
-            <p:ph type="body" sz="half" idx="2"/>
-          </p:nvPr>
-        </p:nvSpPr>
-        <p:spPr>
-          <a:xfrm>
-            <a:off x="839788" y="2057400"/>
-            <a:ext cx="3932237" cy="3811588"/>
-          </a:xfrm>
-        </p:spPr>
-        <p:txBody>
-          <a:bodyPr/>
-          <a:lstStyle>
-            <a:lvl1pPr marL="0" indent="0">
+            <a:lvl1pPr marL="0" indent="0" algn="l">
               <a:buNone/>
               <a:defRPr sz="1600"/>
             </a:lvl1pPr>
@@ -2381,13 +2362,7 @@
       </p:sp>
       <p:sp>
         <p:nvSpPr>
-          <p:cNvPr id="5" name="Date Placeholder 4">
-            <a:extLst>
-              <a:ext uri="{FF2B5EF4-FFF2-40B4-BE49-F238E27FC236}">
-                <a16:creationId xmlns:a16="http://schemas.microsoft.com/office/drawing/2014/main" id="{95073377-31AA-F79E-F8D4-13F27AFC7189}"/>
-              </a:ext>
-            </a:extLst>
-          </p:cNvPr>
+          <p:cNvPr id="5" name="Date Placeholder 4"/>
           <p:cNvSpPr>
             <a:spLocks noGrp="1"/>
           </p:cNvSpPr>
@@ -2410,13 +2385,7 @@
       </p:sp>
       <p:sp>
         <p:nvSpPr>
-          <p:cNvPr id="6" name="Footer Placeholder 5">
-            <a:extLst>
-              <a:ext uri="{FF2B5EF4-FFF2-40B4-BE49-F238E27FC236}">
-                <a16:creationId xmlns:a16="http://schemas.microsoft.com/office/drawing/2014/main" id="{FD2E772C-2C94-8A07-51B5-0E97C037A6A6}"/>
-              </a:ext>
-            </a:extLst>
-          </p:cNvPr>
+          <p:cNvPr id="6" name="Footer Placeholder 5"/>
           <p:cNvSpPr>
             <a:spLocks noGrp="1"/>
           </p:cNvSpPr>
@@ -2435,13 +2404,7 @@
       </p:sp>
       <p:sp>
         <p:nvSpPr>
-          <p:cNvPr id="7" name="Slide Number Placeholder 6">
-            <a:extLst>
-              <a:ext uri="{FF2B5EF4-FFF2-40B4-BE49-F238E27FC236}">
-                <a16:creationId xmlns:a16="http://schemas.microsoft.com/office/drawing/2014/main" id="{EA339F53-5004-814A-1950-D7CF4B1D15BC}"/>
-              </a:ext>
-            </a:extLst>
-          </p:cNvPr>
+          <p:cNvPr id="7" name="Slide Number Placeholder 6"/>
           <p:cNvSpPr>
             <a:spLocks noGrp="1"/>
           </p:cNvSpPr>
@@ -2462,10 +2425,41 @@
           </a:p>
         </p:txBody>
       </p:sp>
+      <p:cxnSp>
+        <p:nvCxnSpPr>
+          <p:cNvPr id="17" name="Straight Connector 16"/>
+          <p:cNvCxnSpPr/>
+          <p:nvPr/>
+        </p:nvCxnSpPr>
+        <p:spPr>
+          <a:xfrm>
+            <a:off x="1448280" y="3205491"/>
+            <a:ext cx="3269490" cy="0"/>
+          </a:xfrm>
+          <a:prstGeom prst="line">
+            <a:avLst/>
+          </a:prstGeom>
+          <a:ln w="31750"/>
+        </p:spPr>
+        <p:style>
+          <a:lnRef idx="3">
+            <a:schemeClr val="accent1"/>
+          </a:lnRef>
+          <a:fillRef idx="0">
+            <a:schemeClr val="accent1"/>
+          </a:fillRef>
+          <a:effectRef idx="2">
+            <a:schemeClr val="accent1"/>
+          </a:effectRef>
+          <a:fontRef idx="minor">
+            <a:schemeClr val="tx1"/>
+          </a:fontRef>
+        </p:style>
+      </p:cxnSp>
     </p:spTree>
     <p:extLst>
       <p:ext uri="{BB962C8B-B14F-4D97-AF65-F5344CB8AC3E}">
-        <p14:creationId xmlns:p14="http://schemas.microsoft.com/office/powerpoint/2010/main" val="1710209130"/>
+        <p14:creationId xmlns:p14="http://schemas.microsoft.com/office/powerpoint/2010/main" val="1541054996"/>
       </p:ext>
     </p:extLst>
   </p:cSld>
@@ -2492,15 +2486,143 @@
           <a:chExt cx="0" cy="0"/>
         </a:xfrm>
       </p:grpSpPr>
-      <p:sp>
-        <p:nvSpPr>
-          <p:cNvPr id="2" name="Title 1">
-            <a:extLst>
-              <a:ext uri="{FF2B5EF4-FFF2-40B4-BE49-F238E27FC236}">
-                <a16:creationId xmlns:a16="http://schemas.microsoft.com/office/drawing/2014/main" id="{AD52A8AE-DE21-8F10-5986-5A9D1A1E6F66}"/>
-              </a:ext>
-            </a:extLst>
-          </p:cNvPr>
+      <p:grpSp>
+        <p:nvGrpSpPr>
+          <p:cNvPr id="8" name="Group 7"/>
+          <p:cNvGrpSpPr/>
+          <p:nvPr/>
+        </p:nvGrpSpPr>
+        <p:grpSpPr>
+          <a:xfrm>
+            <a:off x="7477387" y="482170"/>
+            <a:ext cx="4074533" cy="5149101"/>
+            <a:chOff x="7477387" y="482170"/>
+            <a:chExt cx="4074533" cy="5149101"/>
+          </a:xfrm>
+        </p:grpSpPr>
+        <p:sp>
+          <p:nvSpPr>
+            <p:cNvPr id="18" name="Rectangle 17"/>
+            <p:cNvSpPr/>
+            <p:nvPr/>
+          </p:nvSpPr>
+          <p:spPr bwMode="black">
+            <a:xfrm>
+              <a:off x="7477387" y="482170"/>
+              <a:ext cx="4074533" cy="5149101"/>
+            </a:xfrm>
+            <a:prstGeom prst="rect">
+              <a:avLst/>
+            </a:prstGeom>
+            <a:gradFill>
+              <a:gsLst>
+                <a:gs pos="0">
+                  <a:srgbClr val="000001"/>
+                </a:gs>
+                <a:gs pos="100000">
+                  <a:srgbClr val="191919"/>
+                </a:gs>
+              </a:gsLst>
+            </a:gradFill>
+            <a:ln w="76200" cmpd="sng">
+              <a:noFill/>
+              <a:miter lim="800000"/>
+            </a:ln>
+            <a:effectLst>
+              <a:outerShdw blurRad="127000" dist="228600" dir="4740000" sx="98000" sy="98000" algn="tl" rotWithShape="0">
+                <a:srgbClr val="000000">
+                  <a:alpha val="34000"/>
+                </a:srgbClr>
+              </a:outerShdw>
+            </a:effectLst>
+            <a:scene3d>
+              <a:camera prst="orthographicFront"/>
+              <a:lightRig rig="threePt" dir="t"/>
+            </a:scene3d>
+            <a:sp3d>
+              <a:bevelT w="152400" h="50800" prst="softRound"/>
+            </a:sp3d>
+          </p:spPr>
+          <p:style>
+            <a:lnRef idx="1">
+              <a:schemeClr val="accent1"/>
+            </a:lnRef>
+            <a:fillRef idx="3">
+              <a:schemeClr val="accent1"/>
+            </a:fillRef>
+            <a:effectRef idx="2">
+              <a:schemeClr val="accent1"/>
+            </a:effectRef>
+            <a:fontRef idx="minor">
+              <a:schemeClr val="lt1"/>
+            </a:fontRef>
+          </p:style>
+        </p:sp>
+        <p:sp>
+          <p:nvSpPr>
+            <p:cNvPr id="19" name="Rectangle 18"/>
+            <p:cNvSpPr/>
+            <p:nvPr/>
+          </p:nvSpPr>
+          <p:spPr bwMode="blackWhite">
+            <a:xfrm>
+              <a:off x="7790446" y="812506"/>
+              <a:ext cx="3450289" cy="4466452"/>
+            </a:xfrm>
+            <a:prstGeom prst="rect">
+              <a:avLst/>
+            </a:prstGeom>
+            <a:gradFill>
+              <a:gsLst>
+                <a:gs pos="0">
+                  <a:srgbClr val="DADADA"/>
+                </a:gs>
+                <a:gs pos="100000">
+                  <a:srgbClr val="FFFFFE"/>
+                </a:gs>
+              </a:gsLst>
+              <a:lin ang="16200000" scaled="0"/>
+            </a:gradFill>
+            <a:ln w="50800" cmpd="sng">
+              <a:solidFill>
+                <a:srgbClr val="191919"/>
+              </a:solidFill>
+              <a:miter lim="800000"/>
+            </a:ln>
+            <a:effectLst>
+              <a:innerShdw blurRad="63500" dist="88900" dir="14100000">
+                <a:srgbClr val="000000">
+                  <a:alpha val="30000"/>
+                </a:srgbClr>
+              </a:innerShdw>
+            </a:effectLst>
+            <a:scene3d>
+              <a:camera prst="orthographicFront"/>
+              <a:lightRig rig="threePt" dir="t"/>
+            </a:scene3d>
+            <a:sp3d>
+              <a:bevelT prst="relaxedInset"/>
+            </a:sp3d>
+          </p:spPr>
+          <p:style>
+            <a:lnRef idx="1">
+              <a:schemeClr val="accent1"/>
+            </a:lnRef>
+            <a:fillRef idx="3">
+              <a:schemeClr val="accent1"/>
+            </a:fillRef>
+            <a:effectRef idx="2">
+              <a:schemeClr val="accent1"/>
+            </a:effectRef>
+            <a:fontRef idx="minor">
+              <a:schemeClr val="lt1"/>
+            </a:fontRef>
+          </p:style>
+        </p:sp>
+      </p:grpSp>
+      <p:sp>
+        <p:nvSpPr>
+          <p:cNvPr id="2" name="Title 1"/>
           <p:cNvSpPr>
             <a:spLocks noGrp="1"/>
           </p:cNvSpPr>
@@ -2510,12 +2632,14 @@
         </p:nvSpPr>
         <p:spPr>
           <a:xfrm>
-            <a:off x="839788" y="457200"/>
-            <a:ext cx="3932237" cy="1600200"/>
+            <a:off x="1451206" y="1129513"/>
+            <a:ext cx="5532328" cy="1830584"/>
           </a:xfrm>
         </p:spPr>
         <p:txBody>
-          <a:bodyPr anchor="b"/>
+          <a:bodyPr anchor="b">
+            <a:normAutofit/>
+          </a:bodyPr>
           <a:lstStyle>
             <a:lvl1pPr>
               <a:defRPr sz="3200"/>
@@ -2526,21 +2650,15 @@
               <a:rPr lang="en-GB"/>
               <a:t>Click to edit Master title style</a:t>
             </a:r>
-            <a:endParaRPr lang="en-US"/>
-          </a:p>
-        </p:txBody>
-      </p:sp>
-      <p:sp>
-        <p:nvSpPr>
-          <p:cNvPr id="3" name="Picture Placeholder 2">
-            <a:extLst>
-              <a:ext uri="{FF2B5EF4-FFF2-40B4-BE49-F238E27FC236}">
-                <a16:creationId xmlns:a16="http://schemas.microsoft.com/office/drawing/2014/main" id="{FE404B1E-308A-8BBA-E7D7-CE20D130193F}"/>
-              </a:ext>
-            </a:extLst>
-          </p:cNvPr>
-          <p:cNvSpPr>
-            <a:spLocks noGrp="1"/>
+            <a:endParaRPr lang="en-US" dirty="0"/>
+          </a:p>
+        </p:txBody>
+      </p:sp>
+      <p:sp>
+        <p:nvSpPr>
+          <p:cNvPr id="3" name="Picture Placeholder 2"/>
+          <p:cNvSpPr>
+            <a:spLocks noGrp="1" noChangeAspect="1"/>
           </p:cNvSpPr>
           <p:nvPr>
             <p:ph type="pic" idx="1"/>
@@ -2548,14 +2666,24 @@
         </p:nvSpPr>
         <p:spPr>
           <a:xfrm>
-            <a:off x="5183188" y="987425"/>
-            <a:ext cx="6172200" cy="4873625"/>
+            <a:off x="8124389" y="1122542"/>
+            <a:ext cx="2791171" cy="3866327"/>
           </a:xfrm>
+          <a:solidFill>
+            <a:schemeClr val="bg1">
+              <a:lumMod val="85000"/>
+            </a:schemeClr>
+          </a:solidFill>
+          <a:ln w="9525" cap="sq">
+            <a:noFill/>
+            <a:miter lim="800000"/>
+          </a:ln>
+          <a:effectLst/>
         </p:spPr>
         <p:txBody>
-          <a:bodyPr/>
+          <a:bodyPr anchor="t"/>
           <a:lstStyle>
-            <a:lvl1pPr marL="0" indent="0">
+            <a:lvl1pPr marL="0" indent="0" algn="ctr">
               <a:buNone/>
               <a:defRPr sz="3200"/>
             </a:lvl1pPr>
@@ -2593,19 +2721,17 @@
             </a:lvl9pPr>
           </a:lstStyle>
           <a:p>
-            <a:endParaRPr lang="en-US"/>
-          </a:p>
-        </p:txBody>
-      </p:sp>
-      <p:sp>
-        <p:nvSpPr>
-          <p:cNvPr id="4" name="Text Placeholder 3">
-            <a:extLst>
-              <a:ext uri="{FF2B5EF4-FFF2-40B4-BE49-F238E27FC236}">
-                <a16:creationId xmlns:a16="http://schemas.microsoft.com/office/drawing/2014/main" id="{9D930D1D-A9CA-2B05-94AA-283831FA4624}"/>
-              </a:ext>
-            </a:extLst>
-          </p:cNvPr>
+            <a:r>
+              <a:rPr lang="en-GB"/>
+              <a:t>Click icon to add picture</a:t>
+            </a:r>
+            <a:endParaRPr lang="en-US" dirty="0"/>
+          </a:p>
+        </p:txBody>
+      </p:sp>
+      <p:sp>
+        <p:nvSpPr>
+          <p:cNvPr id="4" name="Text Placeholder 3"/>
           <p:cNvSpPr>
             <a:spLocks noGrp="1"/>
           </p:cNvSpPr>
@@ -2615,16 +2741,18 @@
         </p:nvSpPr>
         <p:spPr>
           <a:xfrm>
-            <a:off x="839788" y="2057400"/>
-            <a:ext cx="3932237" cy="3811588"/>
+            <a:off x="1450329" y="3145992"/>
+            <a:ext cx="5524404" cy="2003742"/>
           </a:xfrm>
         </p:spPr>
         <p:txBody>
-          <a:bodyPr/>
+          <a:bodyPr>
+            <a:normAutofit/>
+          </a:bodyPr>
           <a:lstStyle>
-            <a:lvl1pPr marL="0" indent="0">
+            <a:lvl1pPr marL="0" indent="0" algn="l">
               <a:buNone/>
-              <a:defRPr sz="1600"/>
+              <a:defRPr sz="1800"/>
             </a:lvl1pPr>
             <a:lvl2pPr marL="457200" indent="0">
               <a:buNone/>
@@ -2670,13 +2798,7 @@
       </p:sp>
       <p:sp>
         <p:nvSpPr>
-          <p:cNvPr id="5" name="Date Placeholder 4">
-            <a:extLst>
-              <a:ext uri="{FF2B5EF4-FFF2-40B4-BE49-F238E27FC236}">
-                <a16:creationId xmlns:a16="http://schemas.microsoft.com/office/drawing/2014/main" id="{F3E2B10D-00F4-C14B-3395-299C95EEF544}"/>
-              </a:ext>
-            </a:extLst>
-          </p:cNvPr>
+          <p:cNvPr id="5" name="Date Placeholder 4"/>
           <p:cNvSpPr>
             <a:spLocks noGrp="1"/>
           </p:cNvSpPr>
@@ -2684,10 +2806,19 @@
             <p:ph type="dt" sz="half" idx="10"/>
           </p:nvPr>
         </p:nvSpPr>
-        <p:spPr/>
+        <p:spPr>
+          <a:xfrm>
+            <a:off x="1447382" y="5469856"/>
+            <a:ext cx="5527351" cy="320123"/>
+          </a:xfrm>
+        </p:spPr>
         <p:txBody>
           <a:bodyPr/>
-          <a:lstStyle/>
+          <a:lstStyle>
+            <a:lvl1pPr algn="l">
+              <a:defRPr/>
+            </a:lvl1pPr>
+          </a:lstStyle>
           <a:p>
             <a:fld id="{814E7F73-E397-E14E-BA60-9EC0AA64C885}" type="datetimeFigureOut">
               <a:rPr lang="en-US" smtClean="0"/>
@@ -2699,13 +2830,7 @@
       </p:sp>
       <p:sp>
         <p:nvSpPr>
-          <p:cNvPr id="6" name="Footer Placeholder 5">
-            <a:extLst>
-              <a:ext uri="{FF2B5EF4-FFF2-40B4-BE49-F238E27FC236}">
-                <a16:creationId xmlns:a16="http://schemas.microsoft.com/office/drawing/2014/main" id="{527509F0-0CBA-1531-F249-0047FD5FC2AD}"/>
-              </a:ext>
-            </a:extLst>
-          </p:cNvPr>
+          <p:cNvPr id="6" name="Footer Placeholder 5"/>
           <p:cNvSpPr>
             <a:spLocks noGrp="1"/>
           </p:cNvSpPr>
@@ -2713,7 +2838,12 @@
             <p:ph type="ftr" sz="quarter" idx="11"/>
           </p:nvPr>
         </p:nvSpPr>
-        <p:spPr/>
+        <p:spPr>
+          <a:xfrm>
+            <a:off x="1447382" y="318640"/>
+            <a:ext cx="5541004" cy="320931"/>
+          </a:xfrm>
+        </p:spPr>
         <p:txBody>
           <a:bodyPr/>
           <a:lstStyle/>
@@ -2724,13 +2854,7 @@
       </p:sp>
       <p:sp>
         <p:nvSpPr>
-          <p:cNvPr id="7" name="Slide Number Placeholder 6">
-            <a:extLst>
-              <a:ext uri="{FF2B5EF4-FFF2-40B4-BE49-F238E27FC236}">
-                <a16:creationId xmlns:a16="http://schemas.microsoft.com/office/drawing/2014/main" id="{BA1D15ED-BF59-910D-A349-DBFFD6D0328B}"/>
-              </a:ext>
-            </a:extLst>
-          </p:cNvPr>
+          <p:cNvPr id="7" name="Slide Number Placeholder 6"/>
           <p:cNvSpPr>
             <a:spLocks noGrp="1"/>
           </p:cNvSpPr>
@@ -2751,10 +2875,41 @@
           </a:p>
         </p:txBody>
       </p:sp>
+      <p:cxnSp>
+        <p:nvCxnSpPr>
+          <p:cNvPr id="31" name="Straight Connector 30"/>
+          <p:cNvCxnSpPr/>
+          <p:nvPr/>
+        </p:nvCxnSpPr>
+        <p:spPr>
+          <a:xfrm>
+            <a:off x="1447382" y="3143605"/>
+            <a:ext cx="5527351" cy="0"/>
+          </a:xfrm>
+          <a:prstGeom prst="line">
+            <a:avLst/>
+          </a:prstGeom>
+          <a:ln w="31750"/>
+        </p:spPr>
+        <p:style>
+          <a:lnRef idx="3">
+            <a:schemeClr val="accent1"/>
+          </a:lnRef>
+          <a:fillRef idx="0">
+            <a:schemeClr val="accent1"/>
+          </a:fillRef>
+          <a:effectRef idx="2">
+            <a:schemeClr val="accent1"/>
+          </a:effectRef>
+          <a:fontRef idx="minor">
+            <a:schemeClr val="tx1"/>
+          </a:fontRef>
+        </p:style>
+      </p:cxnSp>
     </p:spTree>
     <p:extLst>
       <p:ext uri="{BB962C8B-B14F-4D97-AF65-F5344CB8AC3E}">
-        <p14:creationId xmlns:p14="http://schemas.microsoft.com/office/powerpoint/2010/main" val="1817080700"/>
+        <p14:creationId xmlns:p14="http://schemas.microsoft.com/office/powerpoint/2010/main" val="311758668"/>
       </p:ext>
     </p:extLst>
   </p:cSld>
@@ -2768,8 +2923,8 @@
 <p:sldMaster xmlns:a="http://schemas.openxmlformats.org/drawingml/2006/main" xmlns:r="http://schemas.openxmlformats.org/officeDocument/2006/relationships" xmlns:p="http://schemas.openxmlformats.org/presentationml/2006/main">
   <p:cSld>
     <p:bg>
-      <p:bgRef idx="1001">
-        <a:schemeClr val="bg1"/>
+      <p:bgRef idx="1003">
+        <a:schemeClr val="bg2"/>
       </p:bgRef>
     </p:bg>
     <p:spTree>
@@ -2788,141 +2943,201 @@
       </p:grpSpPr>
       <p:sp>
         <p:nvSpPr>
-          <p:cNvPr id="2" name="Title Placeholder 1">
+          <p:cNvPr id="8" name="Rectangle 7"/>
+          <p:cNvSpPr/>
+          <p:nvPr/>
+        </p:nvSpPr>
+        <p:spPr>
+          <a:xfrm>
+            <a:off x="0" y="2019476"/>
+            <a:ext cx="12192000" cy="4105941"/>
+          </a:xfrm>
+          <a:prstGeom prst="rect">
+            <a:avLst/>
+          </a:prstGeom>
+          <a:gradFill flip="none" rotWithShape="1">
+            <a:gsLst>
+              <a:gs pos="0">
+                <a:schemeClr val="bg2">
+                  <a:alpha val="0"/>
+                </a:schemeClr>
+              </a:gs>
+              <a:gs pos="100000">
+                <a:schemeClr val="bg2"/>
+              </a:gs>
+            </a:gsLst>
+            <a:lin ang="5400000" scaled="0"/>
+            <a:tileRect/>
+          </a:gradFill>
+          <a:ln>
+            <a:noFill/>
+          </a:ln>
+        </p:spPr>
+        <p:style>
+          <a:lnRef idx="2">
+            <a:schemeClr val="accent1">
+              <a:shade val="50000"/>
+            </a:schemeClr>
+          </a:lnRef>
+          <a:fillRef idx="1">
+            <a:schemeClr val="accent1"/>
+          </a:fillRef>
+          <a:effectRef idx="0">
+            <a:schemeClr val="accent1"/>
+          </a:effectRef>
+          <a:fontRef idx="minor">
+            <a:schemeClr val="lt1"/>
+          </a:fontRef>
+        </p:style>
+      </p:sp>
+      <p:pic>
+        <p:nvPicPr>
+          <p:cNvPr id="7" name="Picture 6"/>
+          <p:cNvPicPr>
+            <a:picLocks noChangeAspect="1"/>
+          </p:cNvPicPr>
+          <p:nvPr/>
+        </p:nvPicPr>
+        <p:blipFill rotWithShape="1">
+          <a:blip r:embed="rId13">
             <a:extLst>
-              <a:ext uri="{FF2B5EF4-FFF2-40B4-BE49-F238E27FC236}">
-                <a16:creationId xmlns:a16="http://schemas.microsoft.com/office/drawing/2014/main" id="{E708B24C-28D8-8DE5-A88A-9CA0D2C6FB6E}"/>
+              <a:ext uri="{28A0092B-C50C-407E-A947-70E740481C1C}">
+                <a14:useLocalDpi xmlns:a14="http://schemas.microsoft.com/office/drawing/2010/main" val="0"/>
               </a:ext>
             </a:extLst>
-          </p:cNvPr>
-          <p:cNvSpPr>
-            <a:spLocks noGrp="1"/>
-          </p:cNvSpPr>
-          <p:nvPr>
-            <p:ph type="title"/>
-          </p:nvPr>
-        </p:nvSpPr>
-        <p:spPr>
+          </a:blip>
+          <a:srcRect t="1538" b="-1538"/>
+          <a:stretch/>
+        </p:blipFill>
+        <p:spPr bwMode="black">
           <a:xfrm>
-            <a:off x="838200" y="365125"/>
-            <a:ext cx="10515600" cy="1325563"/>
+            <a:off x="0" y="6126480"/>
+            <a:ext cx="12192000" cy="742950"/>
           </a:xfrm>
           <a:prstGeom prst="rect">
             <a:avLst/>
           </a:prstGeom>
         </p:spPr>
-        <p:txBody>
-          <a:bodyPr vert="horz" lIns="91440" tIns="45720" rIns="91440" bIns="45720" rtlCol="0" anchor="ctr">
-            <a:normAutofit/>
-          </a:bodyPr>
-          <a:lstStyle/>
-          <a:p>
-            <a:r>
-              <a:rPr lang="en-GB"/>
-              <a:t>Click to edit Master title style</a:t>
-            </a:r>
-            <a:endParaRPr lang="en-US"/>
-          </a:p>
-        </p:txBody>
-      </p:sp>
-      <p:sp>
-        <p:nvSpPr>
-          <p:cNvPr id="3" name="Text Placeholder 2">
-            <a:extLst>
-              <a:ext uri="{FF2B5EF4-FFF2-40B4-BE49-F238E27FC236}">
-                <a16:creationId xmlns:a16="http://schemas.microsoft.com/office/drawing/2014/main" id="{70839E47-44A0-95C3-7227-A82A9317DF88}"/>
-              </a:ext>
-            </a:extLst>
-          </p:cNvPr>
-          <p:cNvSpPr>
-            <a:spLocks noGrp="1"/>
-          </p:cNvSpPr>
-          <p:nvPr>
-            <p:ph type="body" idx="1"/>
+      </p:pic>
+      <p:sp>
+        <p:nvSpPr>
+          <p:cNvPr id="2" name="Title Placeholder 1"/>
+          <p:cNvSpPr>
+            <a:spLocks noGrp="1"/>
+          </p:cNvSpPr>
+          <p:nvPr>
+            <p:ph type="title"/>
           </p:nvPr>
         </p:nvSpPr>
         <p:spPr>
           <a:xfrm>
-            <a:off x="838200" y="1825625"/>
-            <a:ext cx="10515600" cy="4351338"/>
+            <a:off x="1451579" y="804519"/>
+            <a:ext cx="9603275" cy="1049235"/>
           </a:xfrm>
           <a:prstGeom prst="rect">
             <a:avLst/>
           </a:prstGeom>
         </p:spPr>
         <p:txBody>
-          <a:bodyPr vert="horz" lIns="91440" tIns="45720" rIns="91440" bIns="45720" rtlCol="0">
+          <a:bodyPr vert="horz" lIns="91440" tIns="45720" rIns="91440" bIns="45720" rtlCol="0" anchor="t">
             <a:normAutofit/>
           </a:bodyPr>
           <a:lstStyle/>
           <a:p>
-            <a:pPr lvl="0"/>
             <a:r>
               <a:rPr lang="en-GB"/>
-              <a:t>Click to edit Master text styles</a:t>
-            </a:r>
-          </a:p>
-          <a:p>
-            <a:pPr lvl="1"/>
-            <a:r>
-              <a:rPr lang="en-GB"/>
-              <a:t>Second level</a:t>
-            </a:r>
-          </a:p>
-          <a:p>
-            <a:pPr lvl="2"/>
-            <a:r>
-              <a:rPr lang="en-GB"/>
-              <a:t>Third level</a:t>
-            </a:r>
-          </a:p>
-          <a:p>
-            <a:pPr lvl="3"/>
-            <a:r>
-              <a:rPr lang="en-GB"/>
-              <a:t>Fourth level</a:t>
-            </a:r>
-          </a:p>
-          <a:p>
-            <a:pPr lvl="4"/>
-            <a:r>
-              <a:rPr lang="en-GB"/>
-              <a:t>Fifth level</a:t>
-            </a:r>
-            <a:endParaRPr lang="en-US"/>
-          </a:p>
-        </p:txBody>
-      </p:sp>
-      <p:sp>
-        <p:nvSpPr>
-          <p:cNvPr id="4" name="Date Placeholder 3">
-            <a:extLst>
-              <a:ext uri="{FF2B5EF4-FFF2-40B4-BE49-F238E27FC236}">
-                <a16:creationId xmlns:a16="http://schemas.microsoft.com/office/drawing/2014/main" id="{CA8E4865-290F-21D0-3F1F-CF104DAE5EBB}"/>
-              </a:ext>
-            </a:extLst>
-          </p:cNvPr>
-          <p:cNvSpPr>
-            <a:spLocks noGrp="1"/>
-          </p:cNvSpPr>
-          <p:nvPr>
-            <p:ph type="dt" sz="half" idx="2"/>
+              <a:t>Click to edit Master title style</a:t>
+            </a:r>
+            <a:endParaRPr lang="en-US" dirty="0"/>
+          </a:p>
+        </p:txBody>
+      </p:sp>
+      <p:sp>
+        <p:nvSpPr>
+          <p:cNvPr id="3" name="Text Placeholder 2"/>
+          <p:cNvSpPr>
+            <a:spLocks noGrp="1"/>
+          </p:cNvSpPr>
+          <p:nvPr>
+            <p:ph type="body" idx="1"/>
           </p:nvPr>
         </p:nvSpPr>
         <p:spPr>
           <a:xfrm>
-            <a:off x="838200" y="6356350"/>
-            <a:ext cx="2743200" cy="365125"/>
+            <a:off x="1451579" y="2015732"/>
+            <a:ext cx="9603275" cy="3450613"/>
           </a:xfrm>
           <a:prstGeom prst="rect">
             <a:avLst/>
           </a:prstGeom>
         </p:spPr>
         <p:txBody>
+          <a:bodyPr vert="horz" lIns="91440" tIns="45720" rIns="91440" bIns="45720" rtlCol="0">
+            <a:normAutofit/>
+          </a:bodyPr>
+          <a:lstStyle/>
+          <a:p>
+            <a:pPr lvl="0"/>
+            <a:r>
+              <a:rPr lang="en-GB"/>
+              <a:t>Click to edit Master text styles</a:t>
+            </a:r>
+          </a:p>
+          <a:p>
+            <a:pPr lvl="1"/>
+            <a:r>
+              <a:rPr lang="en-GB"/>
+              <a:t>Second level</a:t>
+            </a:r>
+          </a:p>
+          <a:p>
+            <a:pPr lvl="2"/>
+            <a:r>
+              <a:rPr lang="en-GB"/>
+              <a:t>Third level</a:t>
+            </a:r>
+          </a:p>
+          <a:p>
+            <a:pPr lvl="3"/>
+            <a:r>
+              <a:rPr lang="en-GB"/>
+              <a:t>Fourth level</a:t>
+            </a:r>
+          </a:p>
+          <a:p>
+            <a:pPr lvl="4"/>
+            <a:r>
+              <a:rPr lang="en-GB"/>
+              <a:t>Fifth level</a:t>
+            </a:r>
+            <a:endParaRPr lang="en-US" dirty="0"/>
+          </a:p>
+        </p:txBody>
+      </p:sp>
+      <p:sp>
+        <p:nvSpPr>
+          <p:cNvPr id="4" name="Date Placeholder 3"/>
+          <p:cNvSpPr>
+            <a:spLocks noGrp="1"/>
+          </p:cNvSpPr>
+          <p:nvPr>
+            <p:ph type="dt" sz="half" idx="2"/>
+          </p:nvPr>
+        </p:nvSpPr>
+        <p:spPr>
+          <a:xfrm>
+            <a:off x="7554138" y="330370"/>
+            <a:ext cx="3500715" cy="309201"/>
+          </a:xfrm>
+          <a:prstGeom prst="rect">
+            <a:avLst/>
+          </a:prstGeom>
+        </p:spPr>
+        <p:txBody>
           <a:bodyPr vert="horz" lIns="91440" tIns="45720" rIns="91440" bIns="45720" rtlCol="0" anchor="ctr"/>
           <a:lstStyle>
-            <a:lvl1pPr algn="l">
-              <a:defRPr sz="1200">
+            <a:lvl1pPr algn="r">
+              <a:defRPr sz="1000">
                 <a:solidFill>
                   <a:schemeClr val="tx1">
                     <a:tint val="75000"/>
@@ -2942,13 +3157,7 @@
       </p:sp>
       <p:sp>
         <p:nvSpPr>
-          <p:cNvPr id="5" name="Footer Placeholder 4">
-            <a:extLst>
-              <a:ext uri="{FF2B5EF4-FFF2-40B4-BE49-F238E27FC236}">
-                <a16:creationId xmlns:a16="http://schemas.microsoft.com/office/drawing/2014/main" id="{8C35E8BB-1389-5B02-B112-5EED9D5347A8}"/>
-              </a:ext>
-            </a:extLst>
-          </p:cNvPr>
+          <p:cNvPr id="5" name="Footer Placeholder 4"/>
           <p:cNvSpPr>
             <a:spLocks noGrp="1"/>
           </p:cNvSpPr>
@@ -2958,8 +3167,8 @@
         </p:nvSpPr>
         <p:spPr>
           <a:xfrm>
-            <a:off x="4038600" y="6356350"/>
-            <a:ext cx="4114800" cy="365125"/>
+            <a:off x="1451579" y="329307"/>
+            <a:ext cx="5938836" cy="309201"/>
           </a:xfrm>
           <a:prstGeom prst="rect">
             <a:avLst/>
@@ -2968,8 +3177,8 @@
         <p:txBody>
           <a:bodyPr vert="horz" lIns="91440" tIns="45720" rIns="91440" bIns="45720" rtlCol="0" anchor="ctr"/>
           <a:lstStyle>
-            <a:lvl1pPr algn="ctr">
-              <a:defRPr sz="1200">
+            <a:lvl1pPr algn="l">
+              <a:defRPr sz="1000">
                 <a:solidFill>
                   <a:schemeClr val="tx1">
                     <a:tint val="75000"/>
@@ -2985,13 +3194,7 @@
       </p:sp>
       <p:sp>
         <p:nvSpPr>
-          <p:cNvPr id="6" name="Slide Number Placeholder 5">
-            <a:extLst>
-              <a:ext uri="{FF2B5EF4-FFF2-40B4-BE49-F238E27FC236}">
-                <a16:creationId xmlns:a16="http://schemas.microsoft.com/office/drawing/2014/main" id="{C2648A91-EA06-0BA4-FD98-B8F24EEC5F33}"/>
-              </a:ext>
-            </a:extLst>
-          </p:cNvPr>
+          <p:cNvPr id="6" name="Slide Number Placeholder 5"/>
           <p:cNvSpPr>
             <a:spLocks noGrp="1"/>
           </p:cNvSpPr>
@@ -3001,22 +3204,20 @@
         </p:nvSpPr>
         <p:spPr>
           <a:xfrm>
-            <a:off x="8610600" y="6356350"/>
-            <a:ext cx="2743200" cy="365125"/>
+            <a:off x="480060" y="798973"/>
+            <a:ext cx="811019" cy="503578"/>
           </a:xfrm>
           <a:prstGeom prst="rect">
             <a:avLst/>
           </a:prstGeom>
         </p:spPr>
         <p:txBody>
-          <a:bodyPr vert="horz" lIns="91440" tIns="45720" rIns="91440" bIns="45720" rtlCol="0" anchor="ctr"/>
+          <a:bodyPr vert="horz" lIns="91440" tIns="45720" rIns="91440" bIns="45720" rtlCol="0" anchor="t"/>
           <a:lstStyle>
             <a:lvl1pPr algn="r">
-              <a:defRPr sz="1200">
+              <a:defRPr sz="2800">
                 <a:solidFill>
-                  <a:schemeClr val="tx1">
-                    <a:tint val="75000"/>
-                  </a:schemeClr>
+                  <a:schemeClr val="accent1"/>
                 </a:solidFill>
               </a:defRPr>
             </a:lvl1pPr>
@@ -3030,26 +3231,63 @@
           </a:p>
         </p:txBody>
       </p:sp>
+      <p:cxnSp>
+        <p:nvCxnSpPr>
+          <p:cNvPr id="10" name="Straight Connector 9"/>
+          <p:cNvCxnSpPr/>
+          <p:nvPr/>
+        </p:nvCxnSpPr>
+        <p:spPr>
+          <a:xfrm>
+            <a:off x="0" y="6128413"/>
+            <a:ext cx="12192000" cy="0"/>
+          </a:xfrm>
+          <a:prstGeom prst="line">
+            <a:avLst/>
+          </a:prstGeom>
+          <a:ln w="12700">
+            <a:solidFill>
+              <a:srgbClr val="000001">
+                <a:alpha val="20000"/>
+              </a:srgbClr>
+            </a:solidFill>
+          </a:ln>
+        </p:spPr>
+        <p:style>
+          <a:lnRef idx="1">
+            <a:schemeClr val="accent1"/>
+          </a:lnRef>
+          <a:fillRef idx="0">
+            <a:schemeClr val="accent1"/>
+          </a:fillRef>
+          <a:effectRef idx="0">
+            <a:schemeClr val="accent1"/>
+          </a:effectRef>
+          <a:fontRef idx="minor">
+            <a:schemeClr val="tx1"/>
+          </a:fontRef>
+        </p:style>
+      </p:cxnSp>
     </p:spTree>
     <p:extLst>
       <p:ext uri="{BB962C8B-B14F-4D97-AF65-F5344CB8AC3E}">
-        <p14:creationId xmlns:p14="http://schemas.microsoft.com/office/powerpoint/2010/main" val="1660113628"/>
+        <p14:creationId xmlns:p14="http://schemas.microsoft.com/office/powerpoint/2010/main" val="2434612512"/>
       </p:ext>
     </p:extLst>
   </p:cSld>
   <p:clrMap bg1="lt1" tx1="dk1" bg2="lt2" tx2="dk2" accent1="accent1" accent2="accent2" accent3="accent3" accent4="accent4" accent5="accent5" accent6="accent6" hlink="hlink" folHlink="folHlink"/>
   <p:sldLayoutIdLst>
-    <p:sldLayoutId id="2147483649" r:id="rId1"/>
-    <p:sldLayoutId id="2147483650" r:id="rId2"/>
-    <p:sldLayoutId id="2147483651" r:id="rId3"/>
-    <p:sldLayoutId id="2147483652" r:id="rId4"/>
-    <p:sldLayoutId id="2147483653" r:id="rId5"/>
-    <p:sldLayoutId id="2147483654" r:id="rId6"/>
-    <p:sldLayoutId id="2147483655" r:id="rId7"/>
-    <p:sldLayoutId id="2147483656" r:id="rId8"/>
-    <p:sldLayoutId id="2147483657" r:id="rId9"/>
-    <p:sldLayoutId id="2147483658" r:id="rId10"/>
-    <p:sldLayoutId id="2147483659" r:id="rId11"/>
+    <p:sldLayoutId id="2147483673" r:id="rId1"/>
+    <p:sldLayoutId id="2147483674" r:id="rId2"/>
+    <p:sldLayoutId id="2147483675" r:id="rId3"/>
+    <p:sldLayoutId id="2147483676" r:id="rId4"/>
+    <p:sldLayoutId id="2147483677" r:id="rId5"/>
+    <p:sldLayoutId id="2147483678" r:id="rId6"/>
+    <p:sldLayoutId id="2147483679" r:id="rId7"/>
+    <p:sldLayoutId id="2147483680" r:id="rId8"/>
+    <p:sldLayoutId id="2147483681" r:id="rId9"/>
+    <p:sldLayoutId id="2147483682" r:id="rId10"/>
+    <p:sldLayoutId id="2147483683" r:id="rId11"/>
   </p:sldLayoutIdLst>
   <p:txStyles>
     <p:titleStyle>
@@ -3061,10 +3299,11 @@
           <a:spcPct val="0"/>
         </a:spcBef>
         <a:buNone/>
-        <a:defRPr sz="4400" kern="1200">
+        <a:defRPr sz="3200" b="0" i="0" kern="1200" cap="all">
           <a:solidFill>
             <a:schemeClr val="tx1"/>
           </a:solidFill>
+          <a:effectLst/>
           <a:latin typeface="+mj-lt"/>
           <a:ea typeface="+mj-ea"/>
           <a:cs typeface="+mj-cs"/>
@@ -3074,17 +3313,22 @@
     <p:bodyStyle>
       <a:lvl1pPr marL="228600" indent="-228600" algn="l" defTabSz="914400" rtl="0" eaLnBrk="1" latinLnBrk="0" hangingPunct="1">
         <a:lnSpc>
-          <a:spcPct val="90000"/>
+          <a:spcPct val="120000"/>
         </a:lnSpc>
         <a:spcBef>
           <a:spcPts val="1000"/>
         </a:spcBef>
+        <a:buClr>
+          <a:schemeClr val="accent1"/>
+        </a:buClr>
+        <a:buSzPct val="100000"/>
         <a:buFont typeface="Arial" panose="020B0604020202020204" pitchFamily="34" charset="0"/>
         <a:buChar char="•"/>
-        <a:defRPr sz="2800" kern="1200">
+        <a:defRPr sz="2000" kern="1200">
           <a:solidFill>
             <a:schemeClr val="tx1"/>
           </a:solidFill>
+          <a:effectLst/>
           <a:latin typeface="+mn-lt"/>
           <a:ea typeface="+mn-ea"/>
           <a:cs typeface="+mn-cs"/>
@@ -3092,17 +3336,22 @@
       </a:lvl1pPr>
       <a:lvl2pPr marL="685800" indent="-228600" algn="l" defTabSz="914400" rtl="0" eaLnBrk="1" latinLnBrk="0" hangingPunct="1">
         <a:lnSpc>
-          <a:spcPct val="90000"/>
+          <a:spcPct val="120000"/>
         </a:lnSpc>
         <a:spcBef>
           <a:spcPts val="500"/>
         </a:spcBef>
+        <a:buClr>
+          <a:schemeClr val="accent1"/>
+        </a:buClr>
+        <a:buSzPct val="100000"/>
         <a:buFont typeface="Arial" panose="020B0604020202020204" pitchFamily="34" charset="0"/>
         <a:buChar char="•"/>
-        <a:defRPr sz="2400" kern="1200">
+        <a:defRPr sz="1800" kern="1200" cap="none" baseline="0">
           <a:solidFill>
             <a:schemeClr val="tx1"/>
           </a:solidFill>
+          <a:effectLst/>
           <a:latin typeface="+mn-lt"/>
           <a:ea typeface="+mn-ea"/>
           <a:cs typeface="+mn-cs"/>
@@ -3110,17 +3359,22 @@
       </a:lvl2pPr>
       <a:lvl3pPr marL="1143000" indent="-228600" algn="l" defTabSz="914400" rtl="0" eaLnBrk="1" latinLnBrk="0" hangingPunct="1">
         <a:lnSpc>
-          <a:spcPct val="90000"/>
+          <a:spcPct val="120000"/>
         </a:lnSpc>
         <a:spcBef>
           <a:spcPts val="500"/>
         </a:spcBef>
+        <a:buClr>
+          <a:schemeClr val="accent1"/>
+        </a:buClr>
+        <a:buSzPct val="100000"/>
         <a:buFont typeface="Arial" panose="020B0604020202020204" pitchFamily="34" charset="0"/>
         <a:buChar char="•"/>
-        <a:defRPr sz="2000" kern="1200">
+        <a:defRPr sz="1600" kern="1200">
           <a:solidFill>
             <a:schemeClr val="tx1"/>
           </a:solidFill>
+          <a:effectLst/>
           <a:latin typeface="+mn-lt"/>
           <a:ea typeface="+mn-ea"/>
           <a:cs typeface="+mn-cs"/>
@@ -3128,17 +3382,22 @@
       </a:lvl3pPr>
       <a:lvl4pPr marL="1600200" indent="-228600" algn="l" defTabSz="914400" rtl="0" eaLnBrk="1" latinLnBrk="0" hangingPunct="1">
         <a:lnSpc>
-          <a:spcPct val="90000"/>
+          <a:spcPct val="120000"/>
         </a:lnSpc>
         <a:spcBef>
           <a:spcPts val="500"/>
         </a:spcBef>
+        <a:buClr>
+          <a:schemeClr val="accent1"/>
+        </a:buClr>
+        <a:buSzPct val="100000"/>
         <a:buFont typeface="Arial" panose="020B0604020202020204" pitchFamily="34" charset="0"/>
         <a:buChar char="•"/>
-        <a:defRPr sz="1800" kern="1200">
+        <a:defRPr sz="1400" kern="1200" cap="none" baseline="0">
           <a:solidFill>
             <a:schemeClr val="tx1"/>
           </a:solidFill>
+          <a:effectLst/>
           <a:latin typeface="+mn-lt"/>
           <a:ea typeface="+mn-ea"/>
           <a:cs typeface="+mn-cs"/>
@@ -3146,17 +3405,22 @@
       </a:lvl4pPr>
       <a:lvl5pPr marL="2057400" indent="-228600" algn="l" defTabSz="914400" rtl="0" eaLnBrk="1" latinLnBrk="0" hangingPunct="1">
         <a:lnSpc>
-          <a:spcPct val="90000"/>
+          <a:spcPct val="120000"/>
         </a:lnSpc>
         <a:spcBef>
           <a:spcPts val="500"/>
         </a:spcBef>
+        <a:buClr>
+          <a:schemeClr val="accent1"/>
+        </a:buClr>
+        <a:buSzPct val="100000"/>
         <a:buFont typeface="Arial" panose="020B0604020202020204" pitchFamily="34" charset="0"/>
         <a:buChar char="•"/>
-        <a:defRPr sz="1800" kern="1200">
+        <a:defRPr sz="1200" kern="1200">
           <a:solidFill>
             <a:schemeClr val="tx1"/>
           </a:solidFill>
+          <a:effectLst/>
           <a:latin typeface="+mn-lt"/>
           <a:ea typeface="+mn-ea"/>
           <a:cs typeface="+mn-cs"/>
@@ -3164,17 +3428,22 @@
       </a:lvl5pPr>
       <a:lvl6pPr marL="2514600" indent="-228600" algn="l" defTabSz="914400" rtl="0" eaLnBrk="1" latinLnBrk="0" hangingPunct="1">
         <a:lnSpc>
-          <a:spcPct val="90000"/>
+          <a:spcPct val="120000"/>
         </a:lnSpc>
         <a:spcBef>
           <a:spcPts val="500"/>
         </a:spcBef>
+        <a:buClr>
+          <a:schemeClr val="accent1"/>
+        </a:buClr>
+        <a:buSzPct val="100000"/>
         <a:buFont typeface="Arial" panose="020B0604020202020204" pitchFamily="34" charset="0"/>
         <a:buChar char="•"/>
-        <a:defRPr sz="1800" kern="1200">
+        <a:defRPr sz="1200" kern="1200">
           <a:solidFill>
             <a:schemeClr val="tx1"/>
           </a:solidFill>
+          <a:effectLst/>
           <a:latin typeface="+mn-lt"/>
           <a:ea typeface="+mn-ea"/>
           <a:cs typeface="+mn-cs"/>
@@ -3182,17 +3451,22 @@
       </a:lvl6pPr>
       <a:lvl7pPr marL="2971800" indent="-228600" algn="l" defTabSz="914400" rtl="0" eaLnBrk="1" latinLnBrk="0" hangingPunct="1">
         <a:lnSpc>
-          <a:spcPct val="90000"/>
+          <a:spcPct val="120000"/>
         </a:lnSpc>
         <a:spcBef>
           <a:spcPts val="500"/>
         </a:spcBef>
+        <a:buClr>
+          <a:schemeClr val="accent1"/>
+        </a:buClr>
+        <a:buSzPct val="100000"/>
         <a:buFont typeface="Arial" panose="020B0604020202020204" pitchFamily="34" charset="0"/>
         <a:buChar char="•"/>
-        <a:defRPr sz="1800" kern="1200">
+        <a:defRPr sz="1200" kern="1200">
           <a:solidFill>
             <a:schemeClr val="tx1"/>
           </a:solidFill>
+          <a:effectLst/>
           <a:latin typeface="+mn-lt"/>
           <a:ea typeface="+mn-ea"/>
           <a:cs typeface="+mn-cs"/>
@@ -3200,17 +3474,22 @@
       </a:lvl7pPr>
       <a:lvl8pPr marL="3429000" indent="-228600" algn="l" defTabSz="914400" rtl="0" eaLnBrk="1" latinLnBrk="0" hangingPunct="1">
         <a:lnSpc>
-          <a:spcPct val="90000"/>
+          <a:spcPct val="120000"/>
         </a:lnSpc>
         <a:spcBef>
           <a:spcPts val="500"/>
         </a:spcBef>
+        <a:buClr>
+          <a:schemeClr val="accent1"/>
+        </a:buClr>
+        <a:buSzPct val="100000"/>
         <a:buFont typeface="Arial" panose="020B0604020202020204" pitchFamily="34" charset="0"/>
         <a:buChar char="•"/>
-        <a:defRPr sz="1800" kern="1200">
+        <a:defRPr sz="1200" kern="1200" baseline="0">
           <a:solidFill>
             <a:schemeClr val="tx1"/>
           </a:solidFill>
+          <a:effectLst/>
           <a:latin typeface="+mn-lt"/>
           <a:ea typeface="+mn-ea"/>
           <a:cs typeface="+mn-cs"/>
@@ -3218,17 +3497,22 @@
       </a:lvl8pPr>
       <a:lvl9pPr marL="3886200" indent="-228600" algn="l" defTabSz="914400" rtl="0" eaLnBrk="1" latinLnBrk="0" hangingPunct="1">
         <a:lnSpc>
-          <a:spcPct val="90000"/>
+          <a:spcPct val="120000"/>
         </a:lnSpc>
         <a:spcBef>
           <a:spcPts val="500"/>
         </a:spcBef>
+        <a:buClr>
+          <a:schemeClr val="accent1"/>
+        </a:buClr>
+        <a:buSzPct val="100000"/>
         <a:buFont typeface="Arial" panose="020B0604020202020204" pitchFamily="34" charset="0"/>
         <a:buChar char="•"/>
-        <a:defRPr sz="1800" kern="1200">
+        <a:defRPr sz="1200" kern="1200" baseline="0">
           <a:solidFill>
             <a:schemeClr val="tx1"/>
           </a:solidFill>
+          <a:effectLst/>
           <a:latin typeface="+mn-lt"/>
           <a:ea typeface="+mn-ea"/>
           <a:cs typeface="+mn-cs"/>
@@ -3375,7 +3659,12 @@
           <a:lstStyle/>
           <a:p>
             <a:r>
-              <a:rPr lang="en-US" dirty="0"/>
+              <a:rPr lang="en-US" dirty="0">
+                <a:solidFill>
+                  <a:schemeClr val="accent1"/>
+                </a:solidFill>
+                <a:latin typeface="Helvetica" pitchFamily="2" charset="0"/>
+              </a:rPr>
               <a:t>Jet classification and identification using neural network</a:t>
             </a:r>
           </a:p>
@@ -3413,6 +3702,327 @@
     <p:extLst>
       <p:ext uri="{BB962C8B-B14F-4D97-AF65-F5344CB8AC3E}">
         <p14:creationId xmlns:p14="http://schemas.microsoft.com/office/powerpoint/2010/main" val="1969698695"/>
+      </p:ext>
+    </p:extLst>
+  </p:cSld>
+  <p:clrMapOvr>
+    <a:masterClrMapping/>
+  </p:clrMapOvr>
+</p:sld>
+</file>
+
+<file path=ppt/slides/slide10.xml><?xml version="1.0" encoding="utf-8"?>
+<p:sld xmlns:a="http://schemas.openxmlformats.org/drawingml/2006/main" xmlns:r="http://schemas.openxmlformats.org/officeDocument/2006/relationships" xmlns:p="http://schemas.openxmlformats.org/presentationml/2006/main">
+  <p:cSld>
+    <p:spTree>
+      <p:nvGrpSpPr>
+        <p:cNvPr id="1" name=""/>
+        <p:cNvGrpSpPr/>
+        <p:nvPr/>
+      </p:nvGrpSpPr>
+      <p:grpSpPr>
+        <a:xfrm>
+          <a:off x="0" y="0"/>
+          <a:ext cx="0" cy="0"/>
+          <a:chOff x="0" y="0"/>
+          <a:chExt cx="0" cy="0"/>
+        </a:xfrm>
+      </p:grpSpPr>
+      <p:pic>
+        <p:nvPicPr>
+          <p:cNvPr id="6146" name="Picture 2">
+            <a:extLst>
+              <a:ext uri="{FF2B5EF4-FFF2-40B4-BE49-F238E27FC236}">
+                <a16:creationId xmlns:a16="http://schemas.microsoft.com/office/drawing/2014/main" id="{18682FCB-6F62-81D1-9080-4253AD1B20EB}"/>
+              </a:ext>
+            </a:extLst>
+          </p:cNvPr>
+          <p:cNvPicPr>
+            <a:picLocks noChangeAspect="1" noChangeArrowheads="1"/>
+          </p:cNvPicPr>
+          <p:nvPr/>
+        </p:nvPicPr>
+        <p:blipFill>
+          <a:blip r:embed="rId2">
+            <a:extLst>
+              <a:ext uri="{28A0092B-C50C-407E-A947-70E740481C1C}">
+                <a14:useLocalDpi xmlns:a14="http://schemas.microsoft.com/office/drawing/2010/main" val="0"/>
+              </a:ext>
+            </a:extLst>
+          </a:blip>
+          <a:srcRect/>
+          <a:stretch>
+            <a:fillRect/>
+          </a:stretch>
+        </p:blipFill>
+        <p:spPr bwMode="auto">
+          <a:xfrm>
+            <a:off x="93232" y="1989433"/>
+            <a:ext cx="3809315" cy="2879133"/>
+          </a:xfrm>
+          <a:prstGeom prst="rect">
+            <a:avLst/>
+          </a:prstGeom>
+          <a:noFill/>
+          <a:extLst>
+            <a:ext uri="{909E8E84-426E-40DD-AFC4-6F175D3DCCD1}">
+              <a14:hiddenFill xmlns:a14="http://schemas.microsoft.com/office/drawing/2010/main">
+                <a:solidFill>
+                  <a:srgbClr val="FFFFFF"/>
+                </a:solidFill>
+              </a14:hiddenFill>
+            </a:ext>
+          </a:extLst>
+        </p:spPr>
+      </p:pic>
+      <p:pic>
+        <p:nvPicPr>
+          <p:cNvPr id="6148" name="Picture 4">
+            <a:extLst>
+              <a:ext uri="{FF2B5EF4-FFF2-40B4-BE49-F238E27FC236}">
+                <a16:creationId xmlns:a16="http://schemas.microsoft.com/office/drawing/2014/main" id="{C43794B0-199F-E362-5AE0-F6B4CC52F56B}"/>
+              </a:ext>
+            </a:extLst>
+          </p:cNvPr>
+          <p:cNvPicPr>
+            <a:picLocks noChangeAspect="1" noChangeArrowheads="1"/>
+          </p:cNvPicPr>
+          <p:nvPr/>
+        </p:nvPicPr>
+        <p:blipFill>
+          <a:blip r:embed="rId3">
+            <a:extLst>
+              <a:ext uri="{28A0092B-C50C-407E-A947-70E740481C1C}">
+                <a14:useLocalDpi xmlns:a14="http://schemas.microsoft.com/office/drawing/2010/main" val="0"/>
+              </a:ext>
+            </a:extLst>
+          </a:blip>
+          <a:srcRect/>
+          <a:stretch>
+            <a:fillRect/>
+          </a:stretch>
+        </p:blipFill>
+        <p:spPr bwMode="auto">
+          <a:xfrm>
+            <a:off x="3996904" y="1989433"/>
+            <a:ext cx="3809316" cy="2879135"/>
+          </a:xfrm>
+          <a:prstGeom prst="rect">
+            <a:avLst/>
+          </a:prstGeom>
+          <a:noFill/>
+          <a:extLst>
+            <a:ext uri="{909E8E84-426E-40DD-AFC4-6F175D3DCCD1}">
+              <a14:hiddenFill xmlns:a14="http://schemas.microsoft.com/office/drawing/2010/main">
+                <a:solidFill>
+                  <a:srgbClr val="FFFFFF"/>
+                </a:solidFill>
+              </a14:hiddenFill>
+            </a:ext>
+          </a:extLst>
+        </p:spPr>
+      </p:pic>
+      <p:pic>
+        <p:nvPicPr>
+          <p:cNvPr id="6150" name="Picture 6">
+            <a:extLst>
+              <a:ext uri="{FF2B5EF4-FFF2-40B4-BE49-F238E27FC236}">
+                <a16:creationId xmlns:a16="http://schemas.microsoft.com/office/drawing/2014/main" id="{9510E598-44AA-A7CD-B8AB-968D73D6117E}"/>
+              </a:ext>
+            </a:extLst>
+          </p:cNvPr>
+          <p:cNvPicPr>
+            <a:picLocks noChangeAspect="1" noChangeArrowheads="1"/>
+          </p:cNvPicPr>
+          <p:nvPr/>
+        </p:nvPicPr>
+        <p:blipFill>
+          <a:blip r:embed="rId4">
+            <a:extLst>
+              <a:ext uri="{28A0092B-C50C-407E-A947-70E740481C1C}">
+                <a14:useLocalDpi xmlns:a14="http://schemas.microsoft.com/office/drawing/2010/main" val="0"/>
+              </a:ext>
+            </a:extLst>
+          </a:blip>
+          <a:srcRect/>
+          <a:stretch>
+            <a:fillRect/>
+          </a:stretch>
+        </p:blipFill>
+        <p:spPr bwMode="auto">
+          <a:xfrm>
+            <a:off x="8019206" y="1989433"/>
+            <a:ext cx="3809317" cy="2879135"/>
+          </a:xfrm>
+          <a:prstGeom prst="rect">
+            <a:avLst/>
+          </a:prstGeom>
+          <a:noFill/>
+          <a:extLst>
+            <a:ext uri="{909E8E84-426E-40DD-AFC4-6F175D3DCCD1}">
+              <a14:hiddenFill xmlns:a14="http://schemas.microsoft.com/office/drawing/2010/main">
+                <a:solidFill>
+                  <a:srgbClr val="FFFFFF"/>
+                </a:solidFill>
+              </a14:hiddenFill>
+            </a:ext>
+          </a:extLst>
+        </p:spPr>
+      </p:pic>
+      <p:sp>
+        <p:nvSpPr>
+          <p:cNvPr id="2" name="Title 1">
+            <a:extLst>
+              <a:ext uri="{FF2B5EF4-FFF2-40B4-BE49-F238E27FC236}">
+                <a16:creationId xmlns:a16="http://schemas.microsoft.com/office/drawing/2014/main" id="{9F7D8DC7-B753-2150-73A0-BB8D34C62FBF}"/>
+              </a:ext>
+            </a:extLst>
+          </p:cNvPr>
+          <p:cNvSpPr>
+            <a:spLocks noGrp="1"/>
+          </p:cNvSpPr>
+          <p:nvPr>
+            <p:ph type="title"/>
+          </p:nvPr>
+        </p:nvSpPr>
+        <p:spPr/>
+        <p:txBody>
+          <a:bodyPr/>
+          <a:lstStyle/>
+          <a:p>
+            <a:r>
+              <a:rPr lang="en-US" dirty="0"/>
+              <a:t>Loss for different activation functions (</a:t>
+            </a:r>
+            <a:r>
+              <a:rPr lang="en-US" cap="none" dirty="0"/>
+              <a:t>a</a:t>
+            </a:r>
+            <a:r>
+              <a:rPr lang="en-US" dirty="0"/>
+              <a:t>)</a:t>
+            </a:r>
+          </a:p>
+        </p:txBody>
+      </p:sp>
+    </p:spTree>
+    <p:extLst>
+      <p:ext uri="{BB962C8B-B14F-4D97-AF65-F5344CB8AC3E}">
+        <p14:creationId xmlns:p14="http://schemas.microsoft.com/office/powerpoint/2010/main" val="568095479"/>
+      </p:ext>
+    </p:extLst>
+  </p:cSld>
+  <p:clrMapOvr>
+    <a:masterClrMapping/>
+  </p:clrMapOvr>
+</p:sld>
+</file>
+
+<file path=ppt/slides/slide11.xml><?xml version="1.0" encoding="utf-8"?>
+<p:sld xmlns:a="http://schemas.openxmlformats.org/drawingml/2006/main" xmlns:r="http://schemas.openxmlformats.org/officeDocument/2006/relationships" xmlns:p="http://schemas.openxmlformats.org/presentationml/2006/main">
+  <p:cSld>
+    <p:spTree>
+      <p:nvGrpSpPr>
+        <p:cNvPr id="1" name=""/>
+        <p:cNvGrpSpPr/>
+        <p:nvPr/>
+      </p:nvGrpSpPr>
+      <p:grpSpPr>
+        <a:xfrm>
+          <a:off x="0" y="0"/>
+          <a:ext cx="0" cy="0"/>
+          <a:chOff x="0" y="0"/>
+          <a:chExt cx="0" cy="0"/>
+        </a:xfrm>
+      </p:grpSpPr>
+      <p:sp>
+        <p:nvSpPr>
+          <p:cNvPr id="2" name="Title 1">
+            <a:extLst>
+              <a:ext uri="{FF2B5EF4-FFF2-40B4-BE49-F238E27FC236}">
+                <a16:creationId xmlns:a16="http://schemas.microsoft.com/office/drawing/2014/main" id="{59117567-D53A-2BA5-445C-4FAB9CC221AE}"/>
+              </a:ext>
+            </a:extLst>
+          </p:cNvPr>
+          <p:cNvSpPr>
+            <a:spLocks noGrp="1"/>
+          </p:cNvSpPr>
+          <p:nvPr>
+            <p:ph type="title"/>
+          </p:nvPr>
+        </p:nvSpPr>
+        <p:spPr/>
+        <p:txBody>
+          <a:bodyPr/>
+          <a:lstStyle/>
+          <a:p>
+            <a:r>
+              <a:rPr lang="en-US" dirty="0"/>
+              <a:t>Conclusion</a:t>
+            </a:r>
+          </a:p>
+        </p:txBody>
+      </p:sp>
+      <p:sp>
+        <p:nvSpPr>
+          <p:cNvPr id="3" name="Content Placeholder 2">
+            <a:extLst>
+              <a:ext uri="{FF2B5EF4-FFF2-40B4-BE49-F238E27FC236}">
+                <a16:creationId xmlns:a16="http://schemas.microsoft.com/office/drawing/2014/main" id="{F785D86B-A759-1EF6-F073-E55254E72596}"/>
+              </a:ext>
+            </a:extLst>
+          </p:cNvPr>
+          <p:cNvSpPr>
+            <a:spLocks noGrp="1"/>
+          </p:cNvSpPr>
+          <p:nvPr>
+            <p:ph idx="1"/>
+          </p:nvPr>
+        </p:nvSpPr>
+        <p:spPr/>
+        <p:txBody>
+          <a:bodyPr/>
+          <a:lstStyle/>
+          <a:p>
+            <a:r>
+              <a:rPr lang="en-US" i="1" dirty="0" err="1"/>
+              <a:t>softsign</a:t>
+            </a:r>
+            <a:r>
+              <a:rPr lang="en-US" dirty="0"/>
+              <a:t> and </a:t>
+            </a:r>
+            <a:r>
+              <a:rPr lang="en-US" i="1" dirty="0"/>
+              <a:t>tanh</a:t>
+            </a:r>
+            <a:r>
+              <a:rPr lang="en-US" dirty="0"/>
+              <a:t> produce the least validation loss </a:t>
+            </a:r>
+            <a:r>
+              <a:rPr lang="en-US" dirty="0" err="1"/>
+              <a:t>w.r.t</a:t>
+            </a:r>
+            <a:r>
+              <a:rPr lang="en-US" dirty="0"/>
+              <a:t> </a:t>
+            </a:r>
+            <a:r>
+              <a:rPr lang="en-US"/>
+              <a:t>other Activation </a:t>
+            </a:r>
+            <a:r>
+              <a:rPr lang="en-US" dirty="0"/>
+              <a:t>functions.</a:t>
+            </a:r>
+          </a:p>
+        </p:txBody>
+      </p:sp>
+    </p:spTree>
+    <p:extLst>
+      <p:ext uri="{BB962C8B-B14F-4D97-AF65-F5344CB8AC3E}">
+        <p14:creationId xmlns:p14="http://schemas.microsoft.com/office/powerpoint/2010/main" val="2325505318"/>
       </p:ext>
     </p:extLst>
   </p:cSld>
@@ -3455,7 +4065,12 @@
             <p:ph type="title"/>
           </p:nvPr>
         </p:nvSpPr>
-        <p:spPr/>
+        <p:spPr>
+          <a:xfrm>
+            <a:off x="1411119" y="802767"/>
+            <a:ext cx="9603275" cy="1049235"/>
+          </a:xfrm>
+        </p:spPr>
         <p:txBody>
           <a:bodyPr/>
           <a:lstStyle/>
@@ -3507,14 +4122,15 @@
             </a:extLst>
           </p:cNvPr>
           <p:cNvCxnSpPr>
-            <a:endCxn id="2" idx="2"/>
+            <a:cxnSpLocks/>
+            <a:endCxn id="9" idx="1"/>
           </p:cNvCxnSpPr>
           <p:nvPr/>
         </p:nvCxnSpPr>
         <p:spPr>
           <a:xfrm flipV="1">
-            <a:off x="5170811" y="1690688"/>
-            <a:ext cx="925189" cy="623634"/>
+            <a:off x="5103476" y="2036668"/>
+            <a:ext cx="1028840" cy="311817"/>
           </a:xfrm>
           <a:prstGeom prst="straightConnector1">
             <a:avLst/>
@@ -3554,7 +4170,7 @@
             </p:nvSpPr>
             <p:spPr>
               <a:xfrm>
-                <a:off x="6096000" y="1457569"/>
+                <a:off x="6132316" y="1852002"/>
                 <a:ext cx="1402820" cy="369332"/>
               </a:xfrm>
               <a:prstGeom prst="rect">
@@ -3660,7 +4276,7 @@
             </p:nvSpPr>
             <p:spPr>
               <a:xfrm>
-                <a:off x="6096000" y="1457569"/>
+                <a:off x="6132316" y="1852002"/>
                 <a:ext cx="1402820" cy="369332"/>
               </a:xfrm>
               <a:prstGeom prst="rect">
@@ -3704,7 +4320,7 @@
             </p:nvSpPr>
             <p:spPr>
               <a:xfrm>
-                <a:off x="8820319" y="1457569"/>
+                <a:off x="8690846" y="2348485"/>
                 <a:ext cx="3353931" cy="1754326"/>
               </a:xfrm>
               <a:prstGeom prst="rect">
@@ -3910,7 +4526,7 @@
             </p:nvSpPr>
             <p:spPr>
               <a:xfrm>
-                <a:off x="8820319" y="1457569"/>
+                <a:off x="8690846" y="2348485"/>
                 <a:ext cx="3353931" cy="1754326"/>
               </a:xfrm>
               <a:prstGeom prst="rect">
@@ -3919,7 +4535,7 @@
               <a:blipFill>
                 <a:blip r:embed="rId4"/>
                 <a:stretch>
-                  <a:fillRect t="-1439"/>
+                  <a:fillRect t="-1429"/>
                 </a:stretch>
               </a:blipFill>
             </p:spPr>
@@ -3954,8 +4570,8 @@
             </p:nvSpPr>
             <p:spPr>
               <a:xfrm>
-                <a:off x="663547" y="6044750"/>
-                <a:ext cx="8274766" cy="369332"/>
+                <a:off x="695915" y="5527582"/>
+                <a:ext cx="8399351" cy="369332"/>
               </a:xfrm>
               <a:prstGeom prst="rect">
                 <a:avLst/>
@@ -3975,40 +4591,30 @@
                 <a14:m>
                   <m:oMath xmlns:m="http://schemas.openxmlformats.org/officeDocument/2006/math">
                     <m:r>
-                      <a:rPr lang="en-US" b="0" i="1" smtClean="0">
-                        <a:latin typeface="Cambria Math" panose="02040503050406030204" pitchFamily="18" charset="0"/>
-                      </a:rPr>
+                      <a:rPr lang="en-US"/>
                       <m:t>(</m:t>
                     </m:r>
                     <m:sSub>
                       <m:sSubPr>
                         <m:ctrlPr>
-                          <a:rPr lang="en-US" b="0" i="1" smtClean="0">
-                            <a:latin typeface="Cambria Math" panose="02040503050406030204" pitchFamily="18" charset="0"/>
-                          </a:rPr>
+                          <a:rPr lang="en-US"/>
                         </m:ctrlPr>
                       </m:sSubPr>
                       <m:e>
                         <m:r>
-                          <a:rPr lang="en-US" b="0" i="1" smtClean="0">
-                            <a:latin typeface="Cambria Math" panose="02040503050406030204" pitchFamily="18" charset="0"/>
-                          </a:rPr>
+                          <a:rPr lang="en-US"/>
                           <m:t>𝑥</m:t>
                         </m:r>
                       </m:e>
                       <m:sub>
                         <m:r>
-                          <a:rPr lang="en-US" b="0" i="1" smtClean="0">
-                            <a:latin typeface="Cambria Math" panose="02040503050406030204" pitchFamily="18" charset="0"/>
-                          </a:rPr>
+                          <a:rPr lang="en-US"/>
                           <m:t>𝑖</m:t>
                         </m:r>
                       </m:sub>
                     </m:sSub>
                     <m:r>
-                      <a:rPr lang="en-US" b="0" i="1" smtClean="0">
-                        <a:latin typeface="Cambria Math" panose="02040503050406030204" pitchFamily="18" charset="0"/>
-                      </a:rPr>
+                      <a:rPr lang="en-US"/>
                       <m:t>)</m:t>
                     </m:r>
                   </m:oMath>
@@ -4020,47 +4626,31 @@
                 <a14:m>
                   <m:oMath xmlns:m="http://schemas.openxmlformats.org/officeDocument/2006/math">
                     <m:r>
-                      <a:rPr lang="en-US" i="1" smtClean="0">
-                        <a:latin typeface="Cambria Math" panose="02040503050406030204" pitchFamily="18" charset="0"/>
-                        <a:ea typeface="Cambria Math" panose="02040503050406030204" pitchFamily="18" charset="0"/>
-                      </a:rPr>
+                      <a:rPr lang="en-US"/>
                       <m:t>ℒ</m:t>
                     </m:r>
                     <m:r>
-                      <a:rPr lang="en-US" b="0" i="1" smtClean="0">
-                        <a:latin typeface="Cambria Math" panose="02040503050406030204" pitchFamily="18" charset="0"/>
-                        <a:ea typeface="Cambria Math" panose="02040503050406030204" pitchFamily="18" charset="0"/>
-                      </a:rPr>
+                      <a:rPr lang="en-US"/>
                       <m:t>=(</m:t>
                     </m:r>
                     <m:r>
-                      <a:rPr lang="en-US" b="0" i="1" smtClean="0">
-                        <a:latin typeface="Cambria Math" panose="02040503050406030204" pitchFamily="18" charset="0"/>
-                        <a:ea typeface="Cambria Math" panose="02040503050406030204" pitchFamily="18" charset="0"/>
-                      </a:rPr>
+                      <a:rPr lang="en-US"/>
                       <m:t>𝑦</m:t>
                     </m:r>
                     <m:r>
-                      <a:rPr lang="en-US" b="0" i="1" smtClean="0">
-                        <a:latin typeface="Cambria Math" panose="02040503050406030204" pitchFamily="18" charset="0"/>
-                        <a:ea typeface="Cambria Math" panose="02040503050406030204" pitchFamily="18" charset="0"/>
-                      </a:rPr>
+                      <a:rPr lang="en-US"/>
                       <m:t>−</m:t>
                     </m:r>
                     <m:acc>
                       <m:accPr>
                         <m:chr m:val="̂"/>
                         <m:ctrlPr>
-                          <a:rPr lang="en-US" i="1">
-                            <a:latin typeface="Cambria Math" panose="02040503050406030204" pitchFamily="18" charset="0"/>
-                          </a:rPr>
+                          <a:rPr lang="en-US"/>
                         </m:ctrlPr>
                       </m:accPr>
                       <m:e>
                         <m:r>
-                          <a:rPr lang="en-US" i="1">
-                            <a:latin typeface="Cambria Math" panose="02040503050406030204" pitchFamily="18" charset="0"/>
-                          </a:rPr>
+                          <a:rPr lang="en-US"/>
                           <m:t>𝑦</m:t>
                         </m:r>
                       </m:e>
@@ -4092,8 +4682,8 @@
             </p:nvSpPr>
             <p:spPr>
               <a:xfrm>
-                <a:off x="663547" y="6044750"/>
-                <a:ext cx="8274766" cy="369332"/>
+                <a:off x="695915" y="5527582"/>
+                <a:ext cx="8399351" cy="369332"/>
               </a:xfrm>
               <a:prstGeom prst="rect">
                 <a:avLst/>
@@ -4101,7 +4691,7 @@
               <a:blipFill>
                 <a:blip r:embed="rId5"/>
                 <a:stretch>
-                  <a:fillRect l="-613" t="-10345" r="-613" b="-27586"/>
+                  <a:fillRect l="-603" t="-10000" b="-20000"/>
                 </a:stretch>
               </a:blipFill>
             </p:spPr>
@@ -4197,30 +4787,34 @@
         <p:spPr/>
         <p:txBody>
           <a:bodyPr>
-            <a:normAutofit lnSpcReduction="10000"/>
+            <a:normAutofit/>
           </a:bodyPr>
           <a:lstStyle/>
           <a:p>
-            <a:r>
-              <a:rPr lang="en-US" dirty="0"/>
+            <a:pPr marL="0" defTabSz="457200"/>
+            <a:r>
+              <a:rPr lang="en-US" sz="1800" dirty="0"/>
               <a:t>Jets: One high-energy particle decays to several low-energy particles. The collection of both decaying particles and decayed particles clustered together forms a jet.</a:t>
             </a:r>
           </a:p>
           <a:p>
-            <a:r>
-              <a:rPr lang="en-US" dirty="0"/>
+            <a:pPr marL="0" defTabSz="457200"/>
+            <a:r>
+              <a:rPr lang="en-US" sz="1800" dirty="0"/>
               <a:t>Jet classification: At first, jets need to be distinguished based on the originating particle.</a:t>
             </a:r>
           </a:p>
           <a:p>
-            <a:r>
-              <a:rPr lang="en-US" dirty="0"/>
-              <a:t>Divide a given dataset into two subsets. One set is used for training the neural network. The other set is used to validate the neural network.</a:t>
-            </a:r>
-          </a:p>
-          <a:p>
-            <a:r>
-              <a:rPr lang="en-US" dirty="0"/>
+            <a:pPr marL="0" defTabSz="457200"/>
+            <a:r>
+              <a:rPr lang="en-US" sz="1800" dirty="0"/>
+              <a:t>Divide a given dataset into two subsets. One set is used for training the neural network. The other   set is used to validate the neural network.</a:t>
+            </a:r>
+          </a:p>
+          <a:p>
+            <a:pPr marL="0" defTabSz="457200"/>
+            <a:r>
+              <a:rPr lang="en-US" sz="1800" dirty="0"/>
               <a:t>Jet identification: After training and validating the neural network, use it to identify jets based on high-level features of the corresponding physical process.</a:t>
             </a:r>
           </a:p>
@@ -4259,292 +4853,178 @@
           <a:chExt cx="0" cy="0"/>
         </a:xfrm>
       </p:grpSpPr>
-      <mc:AlternateContent xmlns:mc="http://schemas.openxmlformats.org/markup-compatibility/2006">
-        <mc:Choice xmlns:a14="http://schemas.microsoft.com/office/drawing/2010/main" Requires="a14">
-          <p:sp>
-            <p:nvSpPr>
-              <p:cNvPr id="2" name="Title 1">
-                <a:extLst>
-                  <a:ext uri="{FF2B5EF4-FFF2-40B4-BE49-F238E27FC236}">
-                    <a16:creationId xmlns:a16="http://schemas.microsoft.com/office/drawing/2014/main" id="{08F0B093-0313-4350-ADCF-1DA1CB47E981}"/>
-                  </a:ext>
-                </a:extLst>
-              </p:cNvPr>
-              <p:cNvSpPr>
-                <a:spLocks noGrp="1"/>
-              </p:cNvSpPr>
-              <p:nvPr>
-                <p:ph type="title"/>
-              </p:nvPr>
-            </p:nvSpPr>
-            <p:spPr/>
-            <p:txBody>
-              <a:bodyPr/>
-              <a:lstStyle/>
-              <a:p>
-                <a:r>
-                  <a:rPr lang="en-US" dirty="0"/>
-                  <a:t>Different kind of Activation Function </a:t>
-                </a:r>
-                <a14:m>
-                  <m:oMath xmlns:m="http://schemas.openxmlformats.org/officeDocument/2006/math">
-                    <m:r>
-                      <a:rPr lang="en-US" b="0" i="1" smtClean="0">
-                        <a:latin typeface="Cambria Math" panose="02040503050406030204" pitchFamily="18" charset="0"/>
-                      </a:rPr>
-                      <m:t>(</m:t>
-                    </m:r>
-                    <m:r>
-                      <a:rPr lang="en-US" b="0" i="1" smtClean="0">
-                        <a:latin typeface="Cambria Math" panose="02040503050406030204" pitchFamily="18" charset="0"/>
-                      </a:rPr>
-                      <m:t>𝑎</m:t>
-                    </m:r>
-                    <m:r>
-                      <a:rPr lang="en-US" b="0" i="1" smtClean="0">
-                        <a:latin typeface="Cambria Math" panose="02040503050406030204" pitchFamily="18" charset="0"/>
-                      </a:rPr>
-                      <m:t>)</m:t>
-                    </m:r>
-                  </m:oMath>
-                </a14:m>
-                <a:endParaRPr lang="en-US" dirty="0"/>
-              </a:p>
-            </p:txBody>
-          </p:sp>
-        </mc:Choice>
-        <mc:Fallback>
-          <p:sp>
-            <p:nvSpPr>
-              <p:cNvPr id="2" name="Title 1">
-                <a:extLst>
-                  <a:ext uri="{FF2B5EF4-FFF2-40B4-BE49-F238E27FC236}">
-                    <a16:creationId xmlns:a16="http://schemas.microsoft.com/office/drawing/2014/main" id="{08F0B093-0313-4350-ADCF-1DA1CB47E981}"/>
-                  </a:ext>
-                </a:extLst>
-              </p:cNvPr>
-              <p:cNvSpPr>
-                <a:spLocks noGrp="1" noRot="1" noChangeAspect="1" noMove="1" noResize="1" noEditPoints="1" noAdjustHandles="1" noChangeArrowheads="1" noChangeShapeType="1" noTextEdit="1"/>
-              </p:cNvSpPr>
-              <p:nvPr>
-                <p:ph type="title"/>
-              </p:nvPr>
-            </p:nvSpPr>
-            <p:spPr>
-              <a:blipFill>
-                <a:blip r:embed="rId2"/>
-                <a:stretch>
-                  <a:fillRect l="-2413"/>
-                </a:stretch>
-              </a:blipFill>
-            </p:spPr>
-            <p:txBody>
-              <a:bodyPr/>
-              <a:lstStyle/>
-              <a:p>
-                <a:r>
-                  <a:rPr lang="en-US">
-                    <a:noFill/>
-                  </a:rPr>
-                  <a:t> </a:t>
-                </a:r>
-              </a:p>
-            </p:txBody>
-          </p:sp>
-        </mc:Fallback>
-      </mc:AlternateContent>
-      <p:pic>
-        <p:nvPicPr>
-          <p:cNvPr id="3" name="Picture 2">
+      <p:sp>
+        <p:nvSpPr>
+          <p:cNvPr id="2" name="Title 1">
             <a:extLst>
               <a:ext uri="{FF2B5EF4-FFF2-40B4-BE49-F238E27FC236}">
-                <a16:creationId xmlns:a16="http://schemas.microsoft.com/office/drawing/2014/main" id="{85B0BD6B-77B5-6FE2-0C8F-6750024EF3A1}"/>
+                <a16:creationId xmlns:a16="http://schemas.microsoft.com/office/drawing/2014/main" id="{565A63CE-7E67-E513-9F62-EBA1A63AD955}"/>
               </a:ext>
             </a:extLst>
           </p:cNvPr>
-          <p:cNvPicPr>
-            <a:picLocks noChangeAspect="1"/>
-          </p:cNvPicPr>
-          <p:nvPr/>
-        </p:nvPicPr>
-        <p:blipFill>
-          <a:blip r:embed="rId3"/>
-          <a:stretch>
-            <a:fillRect/>
-          </a:stretch>
-        </p:blipFill>
-        <p:spPr>
-          <a:xfrm>
-            <a:off x="1328780" y="1820707"/>
-            <a:ext cx="2678297" cy="1253479"/>
-          </a:xfrm>
-          <a:prstGeom prst="rect">
-            <a:avLst/>
-          </a:prstGeom>
-        </p:spPr>
-      </p:pic>
-      <p:pic>
-        <p:nvPicPr>
-          <p:cNvPr id="4" name="Picture 3">
+          <p:cNvSpPr>
+            <a:spLocks noGrp="1"/>
+          </p:cNvSpPr>
+          <p:nvPr>
+            <p:ph type="title"/>
+          </p:nvPr>
+        </p:nvSpPr>
+        <p:spPr/>
+        <p:txBody>
+          <a:bodyPr/>
+          <a:lstStyle/>
+          <a:p>
+            <a:r>
+              <a:rPr lang="en-US" dirty="0"/>
+              <a:t>Steps to be performed: For this example</a:t>
+            </a:r>
+          </a:p>
+        </p:txBody>
+      </p:sp>
+      <p:sp>
+        <p:nvSpPr>
+          <p:cNvPr id="3" name="Content Placeholder 2">
             <a:extLst>
               <a:ext uri="{FF2B5EF4-FFF2-40B4-BE49-F238E27FC236}">
-                <a16:creationId xmlns:a16="http://schemas.microsoft.com/office/drawing/2014/main" id="{C21D2FE0-664D-7CA3-914C-915673FB7867}"/>
+                <a16:creationId xmlns:a16="http://schemas.microsoft.com/office/drawing/2014/main" id="{797CF8F5-ECC4-0607-D253-92A5C0BA5394}"/>
               </a:ext>
             </a:extLst>
           </p:cNvPr>
-          <p:cNvPicPr>
-            <a:picLocks noChangeAspect="1"/>
-          </p:cNvPicPr>
-          <p:nvPr/>
-        </p:nvPicPr>
-        <p:blipFill>
-          <a:blip r:embed="rId4"/>
-          <a:stretch>
-            <a:fillRect/>
-          </a:stretch>
-        </p:blipFill>
-        <p:spPr>
-          <a:xfrm>
-            <a:off x="5179577" y="1636559"/>
-            <a:ext cx="3139035" cy="1546623"/>
-          </a:xfrm>
-          <a:prstGeom prst="rect">
-            <a:avLst/>
-          </a:prstGeom>
-        </p:spPr>
-      </p:pic>
-      <p:pic>
-        <p:nvPicPr>
-          <p:cNvPr id="5" name="Picture 4">
-            <a:extLst>
-              <a:ext uri="{FF2B5EF4-FFF2-40B4-BE49-F238E27FC236}">
-                <a16:creationId xmlns:a16="http://schemas.microsoft.com/office/drawing/2014/main" id="{FA3FB25A-525A-CCB6-643E-D1C74950C606}"/>
-              </a:ext>
-            </a:extLst>
-          </p:cNvPr>
-          <p:cNvPicPr>
-            <a:picLocks noChangeAspect="1"/>
-          </p:cNvPicPr>
-          <p:nvPr/>
-        </p:nvPicPr>
-        <p:blipFill>
-          <a:blip r:embed="rId5"/>
-          <a:stretch>
-            <a:fillRect/>
-          </a:stretch>
-        </p:blipFill>
-        <p:spPr>
-          <a:xfrm>
-            <a:off x="4230955" y="4607176"/>
-            <a:ext cx="2412607" cy="1228530"/>
-          </a:xfrm>
-          <a:prstGeom prst="rect">
-            <a:avLst/>
-          </a:prstGeom>
-        </p:spPr>
-      </p:pic>
-      <p:sp>
-        <p:nvSpPr>
-          <p:cNvPr id="6" name="TextBox 5">
-            <a:extLst>
-              <a:ext uri="{FF2B5EF4-FFF2-40B4-BE49-F238E27FC236}">
-                <a16:creationId xmlns:a16="http://schemas.microsoft.com/office/drawing/2014/main" id="{ECED77CB-1F88-3324-A02A-B35FDB8CD514}"/>
-              </a:ext>
-            </a:extLst>
-          </p:cNvPr>
-          <p:cNvSpPr txBox="1"/>
-          <p:nvPr/>
-        </p:nvSpPr>
-        <p:spPr>
-          <a:xfrm>
-            <a:off x="2144389" y="1451375"/>
-            <a:ext cx="917239" cy="369332"/>
-          </a:xfrm>
-          <a:prstGeom prst="rect">
-            <a:avLst/>
-          </a:prstGeom>
-          <a:noFill/>
-        </p:spPr>
-        <p:txBody>
-          <a:bodyPr wrap="none" rtlCol="0">
-            <a:spAutoFit/>
+          <p:cNvSpPr>
+            <a:spLocks noGrp="1"/>
+          </p:cNvSpPr>
+          <p:nvPr>
+            <p:ph idx="1"/>
+          </p:nvPr>
+        </p:nvSpPr>
+        <p:spPr/>
+        <p:txBody>
+          <a:bodyPr>
+            <a:normAutofit fontScale="85000" lnSpcReduction="20000"/>
           </a:bodyPr>
           <a:lstStyle/>
           <a:p>
-            <a:r>
-              <a:rPr lang="en-US" dirty="0"/>
-              <a:t>sigmoid</a:t>
-            </a:r>
-          </a:p>
-        </p:txBody>
-      </p:sp>
-      <p:sp>
-        <p:nvSpPr>
-          <p:cNvPr id="7" name="TextBox 6">
-            <a:extLst>
-              <a:ext uri="{FF2B5EF4-FFF2-40B4-BE49-F238E27FC236}">
-                <a16:creationId xmlns:a16="http://schemas.microsoft.com/office/drawing/2014/main" id="{9D43F889-DE58-5B46-6A89-813351801C3C}"/>
-              </a:ext>
-            </a:extLst>
-          </p:cNvPr>
-          <p:cNvSpPr txBox="1"/>
-          <p:nvPr/>
-        </p:nvSpPr>
-        <p:spPr>
-          <a:xfrm>
-            <a:off x="6184942" y="1386366"/>
-            <a:ext cx="612668" cy="369332"/>
-          </a:xfrm>
-          <a:prstGeom prst="rect">
-            <a:avLst/>
-          </a:prstGeom>
-          <a:noFill/>
-        </p:spPr>
-        <p:txBody>
-          <a:bodyPr wrap="none" rtlCol="0">
-            <a:spAutoFit/>
-          </a:bodyPr>
-          <a:lstStyle/>
-          <a:p>
-            <a:r>
-              <a:rPr lang="en-US" dirty="0"/>
-              <a:t>tanh</a:t>
-            </a:r>
-          </a:p>
-        </p:txBody>
-      </p:sp>
-      <p:sp>
-        <p:nvSpPr>
-          <p:cNvPr id="8" name="TextBox 7">
-            <a:extLst>
-              <a:ext uri="{FF2B5EF4-FFF2-40B4-BE49-F238E27FC236}">
-                <a16:creationId xmlns:a16="http://schemas.microsoft.com/office/drawing/2014/main" id="{C6656E85-5456-A603-033A-BA935FAFD419}"/>
-              </a:ext>
-            </a:extLst>
-          </p:cNvPr>
-          <p:cNvSpPr txBox="1"/>
-          <p:nvPr/>
-        </p:nvSpPr>
-        <p:spPr>
-          <a:xfrm>
-            <a:off x="4934792" y="4237844"/>
-            <a:ext cx="661400" cy="369332"/>
-          </a:xfrm>
-          <a:prstGeom prst="rect">
-            <a:avLst/>
-          </a:prstGeom>
-          <a:noFill/>
-        </p:spPr>
-        <p:txBody>
-          <a:bodyPr wrap="none" rtlCol="0">
-            <a:spAutoFit/>
-          </a:bodyPr>
-          <a:lstStyle/>
-          <a:p>
-            <a:r>
-              <a:rPr lang="en-US" dirty="0" err="1"/>
-              <a:t>ReLU</a:t>
-            </a:r>
+            <a:pPr>
+              <a:buFont typeface="Wingdings" pitchFamily="2" charset="2"/>
+              <a:buChar char="Ø"/>
+            </a:pPr>
+            <a:r>
+              <a:rPr lang="en-US" sz="2100" dirty="0"/>
+              <a:t> Downloaded the data :</a:t>
+            </a:r>
+          </a:p>
+          <a:p>
+            <a:pPr marL="457200" lvl="1" indent="0">
+              <a:buNone/>
+            </a:pPr>
+            <a:r>
+              <a:rPr lang="en-GB" sz="2100" i="1" dirty="0"/>
+              <a:t>curl https://</a:t>
+            </a:r>
+            <a:r>
+              <a:rPr lang="en-GB" sz="2100" i="1" dirty="0" err="1"/>
+              <a:t>cernbox.cern.ch</a:t>
+            </a:r>
+            <a:r>
+              <a:rPr lang="en-GB" sz="2100" i="1" dirty="0"/>
+              <a:t>/s/zZDKjltAcJW0RB7/download -o Data-</a:t>
+            </a:r>
+            <a:r>
+              <a:rPr lang="en-GB" sz="2100" i="1" dirty="0" err="1"/>
+              <a:t>MLtutorial.tar.gz</a:t>
+            </a:r>
+            <a:endParaRPr lang="en-GB" sz="2100" i="1" dirty="0"/>
+          </a:p>
+          <a:p>
+            <a:pPr>
+              <a:buFont typeface="Wingdings" pitchFamily="2" charset="2"/>
+              <a:buChar char="Ø"/>
+            </a:pPr>
+            <a:r>
+              <a:rPr lang="en-US" sz="2100" dirty="0"/>
+              <a:t>Deep Neural Network (DNN) with 5 inner layers.</a:t>
+            </a:r>
+          </a:p>
+          <a:p>
+            <a:pPr>
+              <a:buFont typeface="Wingdings" pitchFamily="2" charset="2"/>
+              <a:buChar char="Ø"/>
+            </a:pPr>
+            <a:r>
+              <a:rPr lang="en-US" sz="2100" dirty="0"/>
+              <a:t>Used loss function as ‘</a:t>
+            </a:r>
+            <a:r>
+              <a:rPr lang="en-GB" sz="2100" i="1" dirty="0"/>
+              <a:t>loss=</a:t>
+            </a:r>
+            <a:r>
+              <a:rPr lang="en-GB" sz="2100" i="1" dirty="0">
+                <a:hlinkClick r:id="rId2">
+                  <a:extLst>
+                    <a:ext uri="{A12FA001-AC4F-418D-AE19-62706E023703}">
+                      <ahyp:hlinkClr xmlns:ahyp="http://schemas.microsoft.com/office/drawing/2018/hyperlinkcolor" val="tx"/>
+                    </a:ext>
+                  </a:extLst>
+                </a:hlinkClick>
+              </a:rPr>
+              <a:t>BinaryCrossentropy</a:t>
+            </a:r>
+            <a:r>
+              <a:rPr lang="en-GB" sz="2100" dirty="0"/>
+              <a:t>’</a:t>
+            </a:r>
+          </a:p>
+          <a:p>
+            <a:pPr>
+              <a:buFont typeface="Wingdings" pitchFamily="2" charset="2"/>
+              <a:buChar char="Ø"/>
+            </a:pPr>
+            <a:r>
+              <a:rPr lang="en-GB" sz="2100" dirty="0"/>
+              <a:t>Training set: Validation set = 2:1</a:t>
+            </a:r>
+          </a:p>
+          <a:p>
+            <a:pPr>
+              <a:buFont typeface="Wingdings" pitchFamily="2" charset="2"/>
+              <a:buChar char="Ø"/>
+            </a:pPr>
+            <a:r>
+              <a:rPr lang="en-GB" sz="2100" dirty="0"/>
+              <a:t>Total parameters: 1795</a:t>
+            </a:r>
+          </a:p>
+          <a:p>
+            <a:pPr>
+              <a:buFont typeface="Wingdings" pitchFamily="2" charset="2"/>
+              <a:buChar char="Ø"/>
+            </a:pPr>
+            <a:r>
+              <a:rPr lang="en-GB" sz="2100" dirty="0"/>
+              <a:t>Use different Activation functions and study ‘loss’.</a:t>
+            </a:r>
+          </a:p>
+          <a:p>
+            <a:pPr lvl="1"/>
+            <a:r>
+              <a:rPr lang="en-GB" sz="2100" dirty="0"/>
+              <a:t>In the next mentioned tests, always ‘</a:t>
+            </a:r>
+            <a:r>
+              <a:rPr lang="en-GB" sz="2100" i="1" dirty="0" err="1"/>
+              <a:t>softmax</a:t>
+            </a:r>
+            <a:r>
+              <a:rPr lang="en-GB" sz="2100" dirty="0"/>
+              <a:t>’ is used as an Activation function in the last layer of the Neural Network. Only the activation function of previous layers varied.</a:t>
+            </a:r>
+          </a:p>
+          <a:p>
+            <a:pPr>
+              <a:buFont typeface="Wingdings" pitchFamily="2" charset="2"/>
+              <a:buChar char="Ø"/>
+            </a:pPr>
             <a:endParaRPr lang="en-US" dirty="0"/>
           </a:p>
         </p:txBody>
@@ -4552,7 +5032,7 @@
     </p:spTree>
     <p:extLst>
       <p:ext uri="{BB962C8B-B14F-4D97-AF65-F5344CB8AC3E}">
-        <p14:creationId xmlns:p14="http://schemas.microsoft.com/office/powerpoint/2010/main" val="476349499"/>
+        <p14:creationId xmlns:p14="http://schemas.microsoft.com/office/powerpoint/2010/main" val="3894978138"/>
       </p:ext>
     </p:extLst>
   </p:cSld>
@@ -4609,85 +5089,528 @@
       </p:sp>
       <p:sp>
         <p:nvSpPr>
-          <p:cNvPr id="6" name="TextBox 5">
+          <p:cNvPr id="9" name="Content Placeholder 8">
             <a:extLst>
               <a:ext uri="{FF2B5EF4-FFF2-40B4-BE49-F238E27FC236}">
-                <a16:creationId xmlns:a16="http://schemas.microsoft.com/office/drawing/2014/main" id="{6A2A8E34-76F3-9272-7532-A169CB76501F}"/>
+                <a16:creationId xmlns:a16="http://schemas.microsoft.com/office/drawing/2014/main" id="{D192E28F-8C95-6D0B-3A37-0EF27D15C6E8}"/>
               </a:ext>
             </a:extLst>
           </p:cNvPr>
-          <p:cNvSpPr txBox="1"/>
-          <p:nvPr/>
+          <p:cNvSpPr>
+            <a:spLocks noGrp="1"/>
+          </p:cNvSpPr>
+          <p:nvPr>
+            <p:ph idx="1"/>
+          </p:nvPr>
         </p:nvSpPr>
         <p:spPr>
           <a:xfrm>
-            <a:off x="8917423" y="2023009"/>
-            <a:ext cx="1122808" cy="369332"/>
+            <a:off x="1451579" y="2015732"/>
+            <a:ext cx="9603275" cy="3859086"/>
           </a:xfrm>
-          <a:prstGeom prst="rect">
-            <a:avLst/>
-          </a:prstGeom>
-          <a:noFill/>
         </p:spPr>
         <p:txBody>
-          <a:bodyPr wrap="none" rtlCol="0">
-            <a:spAutoFit/>
+          <a:bodyPr>
+            <a:normAutofit fontScale="40000" lnSpcReduction="20000"/>
           </a:bodyPr>
           <a:lstStyle/>
           <a:p>
-            <a:r>
-              <a:rPr lang="en-US" dirty="0"/>
-              <a:t>With tanh</a:t>
-            </a:r>
-          </a:p>
-        </p:txBody>
-      </p:sp>
-      <p:sp>
-        <p:nvSpPr>
-          <p:cNvPr id="8" name="TextBox 7">
+            <a:pPr defTabSz="457200">
+              <a:lnSpc>
+                <a:spcPct val="140000"/>
+              </a:lnSpc>
+              <a:buFont typeface="Wingdings" pitchFamily="2" charset="2"/>
+              <a:buChar char="Ø"/>
+            </a:pPr>
+            <a:r>
+              <a:rPr lang="en-US" sz="7200" dirty="0"/>
+              <a:t>List of Activation functions available with </a:t>
+            </a:r>
+            <a:r>
+              <a:rPr lang="en-US" sz="7200" i="1" dirty="0"/>
+              <a:t>‘</a:t>
+            </a:r>
+            <a:r>
+              <a:rPr lang="en-GB" sz="7200" i="1" dirty="0" err="1"/>
+              <a:t>tensorflow.keras</a:t>
+            </a:r>
+            <a:r>
+              <a:rPr lang="en-GB" sz="7200" dirty="0"/>
+              <a:t>’:</a:t>
+            </a:r>
+          </a:p>
+          <a:p>
+            <a:pPr marL="914400" lvl="1" indent="-685800" defTabSz="457200">
+              <a:lnSpc>
+                <a:spcPct val="140000"/>
+              </a:lnSpc>
+            </a:pPr>
+            <a:r>
+              <a:rPr lang="en-GB" sz="4800" i="1" dirty="0" err="1"/>
+              <a:t>elu</a:t>
+            </a:r>
+            <a:r>
+              <a:rPr lang="en-GB" sz="4800" dirty="0"/>
+              <a:t>: Exponential Linear Unit.</a:t>
+            </a:r>
+          </a:p>
+          <a:p>
+            <a:pPr marL="457200" lvl="2" defTabSz="457200">
+              <a:lnSpc>
+                <a:spcPct val="140000"/>
+              </a:lnSpc>
+              <a:spcBef>
+                <a:spcPts val="1000"/>
+              </a:spcBef>
+            </a:pPr>
+            <a:r>
+              <a:rPr lang="en-GB" sz="4800" dirty="0"/>
+              <a:t> 	</a:t>
+            </a:r>
+            <a:r>
+              <a:rPr lang="en-GB" sz="4800" i="1" dirty="0" err="1"/>
+              <a:t>hard_sigmoid</a:t>
+            </a:r>
+            <a:r>
+              <a:rPr lang="en-GB" sz="4800" dirty="0"/>
+              <a:t>: Hard sigmoid activation function</a:t>
+            </a:r>
+          </a:p>
+          <a:p>
+            <a:pPr marL="457200" lvl="2" defTabSz="457200">
+              <a:lnSpc>
+                <a:spcPct val="140000"/>
+              </a:lnSpc>
+              <a:spcBef>
+                <a:spcPts val="1000"/>
+              </a:spcBef>
+            </a:pPr>
+            <a:r>
+              <a:rPr lang="en-GB" sz="4800" dirty="0"/>
+              <a:t> 	</a:t>
+            </a:r>
+            <a:r>
+              <a:rPr lang="en-GB" sz="4800" i="1" dirty="0"/>
+              <a:t>linear</a:t>
+            </a:r>
+            <a:r>
+              <a:rPr lang="en-GB" sz="4800" dirty="0"/>
+              <a:t>: Linear activation function </a:t>
+            </a:r>
+          </a:p>
+          <a:p>
+            <a:pPr marL="457200" lvl="2" defTabSz="457200">
+              <a:lnSpc>
+                <a:spcPct val="140000"/>
+              </a:lnSpc>
+              <a:spcBef>
+                <a:spcPts val="1000"/>
+              </a:spcBef>
+            </a:pPr>
+            <a:r>
+              <a:rPr lang="en-GB" sz="4800" dirty="0"/>
+              <a:t> 	</a:t>
+            </a:r>
+            <a:r>
+              <a:rPr lang="en-GB" sz="4800" i="1" dirty="0"/>
+              <a:t>mish</a:t>
+            </a:r>
+            <a:r>
+              <a:rPr lang="en-GB" sz="4800" dirty="0"/>
+              <a:t>: Mish activation function</a:t>
+            </a:r>
+          </a:p>
+          <a:p>
+            <a:pPr marL="457200" lvl="2" defTabSz="457200">
+              <a:lnSpc>
+                <a:spcPct val="140000"/>
+              </a:lnSpc>
+              <a:spcBef>
+                <a:spcPts val="1000"/>
+              </a:spcBef>
+            </a:pPr>
+            <a:r>
+              <a:rPr lang="en-GB" sz="4800" dirty="0"/>
+              <a:t> 	</a:t>
+            </a:r>
+            <a:r>
+              <a:rPr lang="en-GB" sz="4800" i="1" dirty="0" err="1"/>
+              <a:t>relu</a:t>
+            </a:r>
+            <a:r>
+              <a:rPr lang="en-GB" sz="4800" dirty="0"/>
+              <a:t>: Rectified linear unit activation function</a:t>
+            </a:r>
+          </a:p>
+          <a:p>
+            <a:pPr marL="457200" lvl="2" defTabSz="457200">
+              <a:lnSpc>
+                <a:spcPct val="140000"/>
+              </a:lnSpc>
+              <a:spcBef>
+                <a:spcPts val="1000"/>
+              </a:spcBef>
+            </a:pPr>
+            <a:r>
+              <a:rPr lang="en-GB" sz="4800" dirty="0"/>
+              <a:t> 	</a:t>
+            </a:r>
+            <a:r>
+              <a:rPr lang="en-GB" sz="4800" i="1" dirty="0" err="1"/>
+              <a:t>selu</a:t>
+            </a:r>
+            <a:r>
+              <a:rPr lang="en-GB" sz="4800" dirty="0"/>
+              <a:t>: Scaled Exponential Linear Unit  activation function</a:t>
+            </a:r>
+          </a:p>
+          <a:p>
+            <a:pPr marL="457200" lvl="2" defTabSz="457200">
+              <a:lnSpc>
+                <a:spcPct val="140000"/>
+              </a:lnSpc>
+              <a:spcBef>
+                <a:spcPts val="1000"/>
+              </a:spcBef>
+            </a:pPr>
+            <a:endParaRPr lang="en-US" dirty="0"/>
+          </a:p>
+        </p:txBody>
+      </p:sp>
+    </p:spTree>
+    <p:extLst>
+      <p:ext uri="{BB962C8B-B14F-4D97-AF65-F5344CB8AC3E}">
+        <p14:creationId xmlns:p14="http://schemas.microsoft.com/office/powerpoint/2010/main" val="2525699936"/>
+      </p:ext>
+    </p:extLst>
+  </p:cSld>
+  <p:clrMapOvr>
+    <a:masterClrMapping/>
+  </p:clrMapOvr>
+</p:sld>
+</file>
+
+<file path=ppt/slides/slide6.xml><?xml version="1.0" encoding="utf-8"?>
+<p:sld xmlns:a="http://schemas.openxmlformats.org/drawingml/2006/main" xmlns:r="http://schemas.openxmlformats.org/officeDocument/2006/relationships" xmlns:p="http://schemas.openxmlformats.org/presentationml/2006/main">
+  <p:cSld>
+    <p:spTree>
+      <p:nvGrpSpPr>
+        <p:cNvPr id="1" name=""/>
+        <p:cNvGrpSpPr/>
+        <p:nvPr/>
+      </p:nvGrpSpPr>
+      <p:grpSpPr>
+        <a:xfrm>
+          <a:off x="0" y="0"/>
+          <a:ext cx="0" cy="0"/>
+          <a:chOff x="0" y="0"/>
+          <a:chExt cx="0" cy="0"/>
+        </a:xfrm>
+      </p:grpSpPr>
+      <p:sp>
+        <p:nvSpPr>
+          <p:cNvPr id="2" name="Title 1">
             <a:extLst>
               <a:ext uri="{FF2B5EF4-FFF2-40B4-BE49-F238E27FC236}">
-                <a16:creationId xmlns:a16="http://schemas.microsoft.com/office/drawing/2014/main" id="{D80F1CB1-5E96-1D66-BD2A-A4FC71F57D06}"/>
+                <a16:creationId xmlns:a16="http://schemas.microsoft.com/office/drawing/2014/main" id="{565A63CE-7E67-E513-9F62-EBA1A63AD955}"/>
               </a:ext>
             </a:extLst>
           </p:cNvPr>
-          <p:cNvSpPr txBox="1"/>
-          <p:nvPr/>
+          <p:cNvSpPr>
+            <a:spLocks noGrp="1"/>
+          </p:cNvSpPr>
+          <p:nvPr>
+            <p:ph type="title"/>
+          </p:nvPr>
+        </p:nvSpPr>
+        <p:spPr/>
+        <p:txBody>
+          <a:bodyPr/>
+          <a:lstStyle/>
+          <a:p>
+            <a:r>
+              <a:rPr lang="en-US" dirty="0"/>
+              <a:t>Effect on Loss with different Activation Function</a:t>
+            </a:r>
+          </a:p>
+        </p:txBody>
+      </p:sp>
+      <p:sp>
+        <p:nvSpPr>
+          <p:cNvPr id="9" name="Content Placeholder 8">
+            <a:extLst>
+              <a:ext uri="{FF2B5EF4-FFF2-40B4-BE49-F238E27FC236}">
+                <a16:creationId xmlns:a16="http://schemas.microsoft.com/office/drawing/2014/main" id="{D192E28F-8C95-6D0B-3A37-0EF27D15C6E8}"/>
+              </a:ext>
+            </a:extLst>
+          </p:cNvPr>
+          <p:cNvSpPr>
+            <a:spLocks noGrp="1"/>
+          </p:cNvSpPr>
+          <p:nvPr>
+            <p:ph idx="1"/>
+          </p:nvPr>
         </p:nvSpPr>
         <p:spPr>
           <a:xfrm>
-            <a:off x="1252917" y="2023009"/>
-            <a:ext cx="1171154" cy="369332"/>
+            <a:off x="1451579" y="2015732"/>
+            <a:ext cx="9603275" cy="3859086"/>
           </a:xfrm>
-          <a:prstGeom prst="rect">
-            <a:avLst/>
-          </a:prstGeom>
-          <a:noFill/>
         </p:spPr>
         <p:txBody>
-          <a:bodyPr wrap="none" rtlCol="0">
-            <a:spAutoFit/>
+          <a:bodyPr>
+            <a:normAutofit fontScale="40000" lnSpcReduction="20000"/>
           </a:bodyPr>
           <a:lstStyle/>
           <a:p>
-            <a:r>
-              <a:rPr lang="en-US" dirty="0"/>
-              <a:t>With </a:t>
-            </a:r>
-            <a:r>
-              <a:rPr lang="en-US" dirty="0" err="1"/>
-              <a:t>ReLU</a:t>
-            </a:r>
+            <a:pPr defTabSz="457200">
+              <a:lnSpc>
+                <a:spcPct val="140000"/>
+              </a:lnSpc>
+              <a:buFont typeface="Wingdings" pitchFamily="2" charset="2"/>
+              <a:buChar char="Ø"/>
+            </a:pPr>
+            <a:r>
+              <a:rPr lang="en-US" sz="7200" dirty="0"/>
+              <a:t>List of Activation functions available with </a:t>
+            </a:r>
+            <a:r>
+              <a:rPr lang="en-US" sz="7200" i="1" dirty="0"/>
+              <a:t>‘</a:t>
+            </a:r>
+            <a:r>
+              <a:rPr lang="en-GB" sz="7200" i="1" dirty="0" err="1"/>
+              <a:t>tensorflow.keras</a:t>
+            </a:r>
+            <a:r>
+              <a:rPr lang="en-GB" sz="7200" dirty="0"/>
+              <a:t>’:</a:t>
+            </a:r>
+          </a:p>
+          <a:p>
+            <a:pPr marL="457200" lvl="1" defTabSz="457200">
+              <a:lnSpc>
+                <a:spcPct val="140000"/>
+              </a:lnSpc>
+            </a:pPr>
+            <a:r>
+              <a:rPr lang="en-GB" sz="4800" dirty="0"/>
+              <a:t> 	</a:t>
+            </a:r>
+            <a:r>
+              <a:rPr lang="en-GB" sz="4800" i="1" dirty="0"/>
+              <a:t>sigmoid</a:t>
+            </a:r>
+            <a:r>
+              <a:rPr lang="en-GB" sz="4800" dirty="0"/>
+              <a:t>: Sigmoid activation function</a:t>
+            </a:r>
+          </a:p>
+          <a:p>
+            <a:pPr marL="457200" lvl="2" defTabSz="457200">
+              <a:lnSpc>
+                <a:spcPct val="140000"/>
+              </a:lnSpc>
+              <a:spcBef>
+                <a:spcPts val="1000"/>
+              </a:spcBef>
+            </a:pPr>
+            <a:r>
+              <a:rPr lang="en-GB" sz="4800" dirty="0"/>
+              <a:t> 	</a:t>
+            </a:r>
+            <a:r>
+              <a:rPr lang="en-GB" sz="4800" i="1" dirty="0" err="1"/>
+              <a:t>softmax</a:t>
+            </a:r>
+            <a:r>
+              <a:rPr lang="en-GB" sz="4800" dirty="0"/>
+              <a:t>: </a:t>
+            </a:r>
+            <a:r>
+              <a:rPr lang="en-GB" sz="4800" dirty="0" err="1"/>
+              <a:t>Softmax</a:t>
+            </a:r>
+            <a:r>
+              <a:rPr lang="en-GB" sz="4800" dirty="0"/>
+              <a:t> converts a vector of values to a probability distribution.</a:t>
+            </a:r>
+          </a:p>
+          <a:p>
+            <a:pPr marL="457200" lvl="2" defTabSz="457200">
+              <a:lnSpc>
+                <a:spcPct val="140000"/>
+              </a:lnSpc>
+              <a:spcBef>
+                <a:spcPts val="1000"/>
+              </a:spcBef>
+            </a:pPr>
+            <a:r>
+              <a:rPr lang="en-GB" sz="4800" dirty="0"/>
+              <a:t> 	</a:t>
+            </a:r>
+            <a:r>
+              <a:rPr lang="en-GB" sz="4800" i="1" dirty="0" err="1"/>
+              <a:t>softplus</a:t>
+            </a:r>
+            <a:r>
+              <a:rPr lang="en-GB" sz="4800" dirty="0"/>
+              <a:t>: </a:t>
+            </a:r>
+            <a:r>
+              <a:rPr lang="en-GB" sz="4800" dirty="0" err="1"/>
+              <a:t>Softplus</a:t>
+            </a:r>
+            <a:r>
+              <a:rPr lang="en-GB" sz="4800" dirty="0"/>
+              <a:t> activation function, </a:t>
+            </a:r>
+            <a:r>
+              <a:rPr lang="en-GB" sz="4800" dirty="0" err="1"/>
+              <a:t>softplus</a:t>
+            </a:r>
+            <a:r>
+              <a:rPr lang="en-GB" sz="4800" dirty="0"/>
+              <a:t>(x) = log(exp(x) + 1).</a:t>
+            </a:r>
+          </a:p>
+          <a:p>
+            <a:pPr marL="457200" lvl="2" defTabSz="457200">
+              <a:lnSpc>
+                <a:spcPct val="140000"/>
+              </a:lnSpc>
+              <a:spcBef>
+                <a:spcPts val="1000"/>
+              </a:spcBef>
+            </a:pPr>
+            <a:r>
+              <a:rPr lang="en-GB" sz="4800" dirty="0"/>
+              <a:t> 	</a:t>
+            </a:r>
+            <a:r>
+              <a:rPr lang="en-GB" sz="4800" i="1" dirty="0" err="1"/>
+              <a:t>softsign</a:t>
+            </a:r>
+            <a:r>
+              <a:rPr lang="en-GB" sz="4800" dirty="0"/>
+              <a:t>: </a:t>
+            </a:r>
+            <a:r>
+              <a:rPr lang="en-GB" sz="4800" dirty="0" err="1"/>
+              <a:t>Softsign</a:t>
+            </a:r>
+            <a:r>
+              <a:rPr lang="en-GB" sz="4800" dirty="0"/>
+              <a:t> activation function, </a:t>
+            </a:r>
+            <a:r>
+              <a:rPr lang="en-GB" sz="4800" dirty="0" err="1"/>
+              <a:t>softsign</a:t>
+            </a:r>
+            <a:r>
+              <a:rPr lang="en-GB" sz="4800" dirty="0"/>
+              <a:t>(x) = x / (abs(x) + 1).</a:t>
+            </a:r>
+          </a:p>
+          <a:p>
+            <a:pPr marL="457200" lvl="2" defTabSz="457200">
+              <a:lnSpc>
+                <a:spcPct val="140000"/>
+              </a:lnSpc>
+              <a:spcBef>
+                <a:spcPts val="1000"/>
+              </a:spcBef>
+            </a:pPr>
+            <a:r>
+              <a:rPr lang="en-GB" sz="4800" dirty="0"/>
+              <a:t> 	</a:t>
+            </a:r>
+            <a:r>
+              <a:rPr lang="en-GB" sz="4800" i="1" dirty="0"/>
+              <a:t>swish</a:t>
+            </a:r>
+            <a:r>
+              <a:rPr lang="en-GB" sz="4800" dirty="0"/>
+              <a:t>: Swish activation function, swish(x) = x * sigmoid(x).</a:t>
+            </a:r>
+          </a:p>
+          <a:p>
+            <a:pPr marL="457200" lvl="2" defTabSz="457200">
+              <a:lnSpc>
+                <a:spcPct val="140000"/>
+              </a:lnSpc>
+              <a:spcBef>
+                <a:spcPts val="1000"/>
+              </a:spcBef>
+            </a:pPr>
+            <a:r>
+              <a:rPr lang="en-GB" sz="4800" dirty="0"/>
+              <a:t> 	</a:t>
+            </a:r>
+            <a:r>
+              <a:rPr lang="en-GB" sz="4800" i="1" dirty="0"/>
+              <a:t>tanh</a:t>
+            </a:r>
+            <a:r>
+              <a:rPr lang="en-GB" sz="4800" dirty="0"/>
+              <a:t>: Hyperbolic tangent activation function.</a:t>
+            </a:r>
+          </a:p>
+          <a:p>
+            <a:pPr marL="0" indent="0">
+              <a:buNone/>
+            </a:pPr>
+            <a:br>
+              <a:rPr lang="en-GB" dirty="0"/>
+            </a:br>
+            <a:endParaRPr lang="en-GB" dirty="0">
+              <a:solidFill>
+                <a:srgbClr val="000000"/>
+              </a:solidFill>
+              <a:latin typeface="Courier New" panose="02070309020205020404" pitchFamily="49" charset="0"/>
+            </a:endParaRPr>
+          </a:p>
+          <a:p>
             <a:endParaRPr lang="en-US" dirty="0"/>
           </a:p>
         </p:txBody>
       </p:sp>
+    </p:spTree>
+    <p:extLst>
+      <p:ext uri="{BB962C8B-B14F-4D97-AF65-F5344CB8AC3E}">
+        <p14:creationId xmlns:p14="http://schemas.microsoft.com/office/powerpoint/2010/main" val="3580567041"/>
+      </p:ext>
+    </p:extLst>
+  </p:cSld>
+  <p:clrMapOvr>
+    <a:masterClrMapping/>
+  </p:clrMapOvr>
+</p:sld>
+</file>
+
+<file path=ppt/slides/slide7.xml><?xml version="1.0" encoding="utf-8"?>
+<p:sld xmlns:a="http://schemas.openxmlformats.org/drawingml/2006/main" xmlns:r="http://schemas.openxmlformats.org/officeDocument/2006/relationships" xmlns:p="http://schemas.openxmlformats.org/presentationml/2006/main">
+  <p:cSld>
+    <p:spTree>
+      <p:nvGrpSpPr>
+        <p:cNvPr id="1" name=""/>
+        <p:cNvGrpSpPr/>
+        <p:nvPr/>
+      </p:nvGrpSpPr>
+      <p:grpSpPr>
+        <a:xfrm>
+          <a:off x="0" y="0"/>
+          <a:ext cx="0" cy="0"/>
+          <a:chOff x="0" y="0"/>
+          <a:chExt cx="0" cy="0"/>
+        </a:xfrm>
+      </p:grpSpPr>
       <p:pic>
         <p:nvPicPr>
-          <p:cNvPr id="1028" name="Picture 4">
+          <p:cNvPr id="4100" name="Picture 4">
             <a:extLst>
               <a:ext uri="{FF2B5EF4-FFF2-40B4-BE49-F238E27FC236}">
-                <a16:creationId xmlns:a16="http://schemas.microsoft.com/office/drawing/2014/main" id="{D57AD467-7442-0BA9-E865-59316853EA55}"/>
+                <a16:creationId xmlns:a16="http://schemas.microsoft.com/office/drawing/2014/main" id="{B924A2DA-AC75-6EEC-7E11-22CD8C92C7C1}"/>
               </a:ext>
             </a:extLst>
           </p:cNvPr>
@@ -4711,8 +5634,8 @@
         </p:blipFill>
         <p:spPr bwMode="auto">
           <a:xfrm>
-            <a:off x="7145323" y="2660519"/>
-            <a:ext cx="4491023" cy="3366418"/>
+            <a:off x="121381" y="2040651"/>
+            <a:ext cx="3673784" cy="2776697"/>
           </a:xfrm>
           <a:prstGeom prst="rect">
             <a:avLst/>
@@ -4731,10 +5654,10 @@
       </p:pic>
       <p:pic>
         <p:nvPicPr>
-          <p:cNvPr id="1030" name="Picture 6">
+          <p:cNvPr id="4102" name="Picture 6">
             <a:extLst>
               <a:ext uri="{FF2B5EF4-FFF2-40B4-BE49-F238E27FC236}">
-                <a16:creationId xmlns:a16="http://schemas.microsoft.com/office/drawing/2014/main" id="{9BD527D2-FC5E-CBD9-9953-0A75D044A948}"/>
+                <a16:creationId xmlns:a16="http://schemas.microsoft.com/office/drawing/2014/main" id="{5F234F91-1ED7-746F-36F7-8AA47375BE1E}"/>
               </a:ext>
             </a:extLst>
           </p:cNvPr>
@@ -4758,8 +5681,8 @@
         </p:blipFill>
         <p:spPr bwMode="auto">
           <a:xfrm>
-            <a:off x="1099168" y="2660519"/>
-            <a:ext cx="4273943" cy="3203697"/>
+            <a:off x="4037783" y="2040651"/>
+            <a:ext cx="3673784" cy="2776697"/>
           </a:xfrm>
           <a:prstGeom prst="rect">
             <a:avLst/>
@@ -4776,10 +5699,507 @@
           </a:extLst>
         </p:spPr>
       </p:pic>
+      <p:pic>
+        <p:nvPicPr>
+          <p:cNvPr id="4104" name="Picture 8">
+            <a:extLst>
+              <a:ext uri="{FF2B5EF4-FFF2-40B4-BE49-F238E27FC236}">
+                <a16:creationId xmlns:a16="http://schemas.microsoft.com/office/drawing/2014/main" id="{6B3EAC6C-57ED-4D26-39B9-0824C49EAE2D}"/>
+              </a:ext>
+            </a:extLst>
+          </p:cNvPr>
+          <p:cNvPicPr>
+            <a:picLocks noChangeAspect="1" noChangeArrowheads="1"/>
+          </p:cNvPicPr>
+          <p:nvPr/>
+        </p:nvPicPr>
+        <p:blipFill>
+          <a:blip r:embed="rId4">
+            <a:extLst>
+              <a:ext uri="{28A0092B-C50C-407E-A947-70E740481C1C}">
+                <a14:useLocalDpi xmlns:a14="http://schemas.microsoft.com/office/drawing/2010/main" val="0"/>
+              </a:ext>
+            </a:extLst>
+          </a:blip>
+          <a:srcRect/>
+          <a:stretch>
+            <a:fillRect/>
+          </a:stretch>
+        </p:blipFill>
+        <p:spPr bwMode="auto">
+          <a:xfrm>
+            <a:off x="8084219" y="2040651"/>
+            <a:ext cx="3495484" cy="2790255"/>
+          </a:xfrm>
+          <a:prstGeom prst="rect">
+            <a:avLst/>
+          </a:prstGeom>
+          <a:noFill/>
+          <a:extLst>
+            <a:ext uri="{909E8E84-426E-40DD-AFC4-6F175D3DCCD1}">
+              <a14:hiddenFill xmlns:a14="http://schemas.microsoft.com/office/drawing/2010/main">
+                <a:solidFill>
+                  <a:srgbClr val="FFFFFF"/>
+                </a:solidFill>
+              </a14:hiddenFill>
+            </a:ext>
+          </a:extLst>
+        </p:spPr>
+      </p:pic>
+      <p:sp>
+        <p:nvSpPr>
+          <p:cNvPr id="3" name="Title 2">
+            <a:extLst>
+              <a:ext uri="{FF2B5EF4-FFF2-40B4-BE49-F238E27FC236}">
+                <a16:creationId xmlns:a16="http://schemas.microsoft.com/office/drawing/2014/main" id="{4F8E900E-2E16-5407-7B56-E9E2ED392A9F}"/>
+              </a:ext>
+            </a:extLst>
+          </p:cNvPr>
+          <p:cNvSpPr>
+            <a:spLocks noGrp="1"/>
+          </p:cNvSpPr>
+          <p:nvPr>
+            <p:ph type="title"/>
+          </p:nvPr>
+        </p:nvSpPr>
+        <p:spPr/>
+        <p:txBody>
+          <a:bodyPr/>
+          <a:lstStyle/>
+          <a:p>
+            <a:r>
+              <a:rPr lang="en-US" dirty="0"/>
+              <a:t>Loss for different activation functions (</a:t>
+            </a:r>
+            <a:r>
+              <a:rPr lang="en-US" cap="none" dirty="0"/>
+              <a:t>a</a:t>
+            </a:r>
+            <a:r>
+              <a:rPr lang="en-US" dirty="0"/>
+              <a:t>)</a:t>
+            </a:r>
+          </a:p>
+        </p:txBody>
+      </p:sp>
     </p:spTree>
     <p:extLst>
       <p:ext uri="{BB962C8B-B14F-4D97-AF65-F5344CB8AC3E}">
-        <p14:creationId xmlns:p14="http://schemas.microsoft.com/office/powerpoint/2010/main" val="763845718"/>
+        <p14:creationId xmlns:p14="http://schemas.microsoft.com/office/powerpoint/2010/main" val="3827419642"/>
+      </p:ext>
+    </p:extLst>
+  </p:cSld>
+  <p:clrMapOvr>
+    <a:masterClrMapping/>
+  </p:clrMapOvr>
+</p:sld>
+</file>
+
+<file path=ppt/slides/slide8.xml><?xml version="1.0" encoding="utf-8"?>
+<p:sld xmlns:a="http://schemas.openxmlformats.org/drawingml/2006/main" xmlns:r="http://schemas.openxmlformats.org/officeDocument/2006/relationships" xmlns:p="http://schemas.openxmlformats.org/presentationml/2006/main">
+  <p:cSld>
+    <p:spTree>
+      <p:nvGrpSpPr>
+        <p:cNvPr id="1" name=""/>
+        <p:cNvGrpSpPr/>
+        <p:nvPr/>
+      </p:nvGrpSpPr>
+      <p:grpSpPr>
+        <a:xfrm>
+          <a:off x="0" y="0"/>
+          <a:ext cx="0" cy="0"/>
+          <a:chOff x="0" y="0"/>
+          <a:chExt cx="0" cy="0"/>
+        </a:xfrm>
+      </p:grpSpPr>
+      <p:pic>
+        <p:nvPicPr>
+          <p:cNvPr id="4106" name="Picture 10">
+            <a:extLst>
+              <a:ext uri="{FF2B5EF4-FFF2-40B4-BE49-F238E27FC236}">
+                <a16:creationId xmlns:a16="http://schemas.microsoft.com/office/drawing/2014/main" id="{84AF43C2-9F67-9258-F470-92FEE85677E2}"/>
+              </a:ext>
+            </a:extLst>
+          </p:cNvPr>
+          <p:cNvPicPr>
+            <a:picLocks noChangeAspect="1" noChangeArrowheads="1"/>
+          </p:cNvPicPr>
+          <p:nvPr/>
+        </p:nvPicPr>
+        <p:blipFill>
+          <a:blip r:embed="rId2">
+            <a:extLst>
+              <a:ext uri="{28A0092B-C50C-407E-A947-70E740481C1C}">
+                <a14:useLocalDpi xmlns:a14="http://schemas.microsoft.com/office/drawing/2010/main" val="0"/>
+              </a:ext>
+            </a:extLst>
+          </a:blip>
+          <a:srcRect/>
+          <a:stretch>
+            <a:fillRect/>
+          </a:stretch>
+        </p:blipFill>
+        <p:spPr bwMode="auto">
+          <a:xfrm>
+            <a:off x="137002" y="2201033"/>
+            <a:ext cx="3498832" cy="2644466"/>
+          </a:xfrm>
+          <a:prstGeom prst="rect">
+            <a:avLst/>
+          </a:prstGeom>
+          <a:noFill/>
+          <a:extLst>
+            <a:ext uri="{909E8E84-426E-40DD-AFC4-6F175D3DCCD1}">
+              <a14:hiddenFill xmlns:a14="http://schemas.microsoft.com/office/drawing/2010/main">
+                <a:solidFill>
+                  <a:srgbClr val="FFFFFF"/>
+                </a:solidFill>
+              </a14:hiddenFill>
+            </a:ext>
+          </a:extLst>
+        </p:spPr>
+      </p:pic>
+      <p:pic>
+        <p:nvPicPr>
+          <p:cNvPr id="4108" name="Picture 12">
+            <a:extLst>
+              <a:ext uri="{FF2B5EF4-FFF2-40B4-BE49-F238E27FC236}">
+                <a16:creationId xmlns:a16="http://schemas.microsoft.com/office/drawing/2014/main" id="{0F3484DD-A1AF-0E5C-4A91-5CAEF59A9D21}"/>
+              </a:ext>
+            </a:extLst>
+          </p:cNvPr>
+          <p:cNvPicPr>
+            <a:picLocks noChangeAspect="1" noChangeArrowheads="1"/>
+          </p:cNvPicPr>
+          <p:nvPr/>
+        </p:nvPicPr>
+        <p:blipFill>
+          <a:blip r:embed="rId3">
+            <a:extLst>
+              <a:ext uri="{28A0092B-C50C-407E-A947-70E740481C1C}">
+                <a14:useLocalDpi xmlns:a14="http://schemas.microsoft.com/office/drawing/2010/main" val="0"/>
+              </a:ext>
+            </a:extLst>
+          </a:blip>
+          <a:srcRect/>
+          <a:stretch>
+            <a:fillRect/>
+          </a:stretch>
+        </p:blipFill>
+        <p:spPr bwMode="auto">
+          <a:xfrm>
+            <a:off x="4013363" y="2201033"/>
+            <a:ext cx="3498832" cy="2644466"/>
+          </a:xfrm>
+          <a:prstGeom prst="rect">
+            <a:avLst/>
+          </a:prstGeom>
+          <a:noFill/>
+          <a:extLst>
+            <a:ext uri="{909E8E84-426E-40DD-AFC4-6F175D3DCCD1}">
+              <a14:hiddenFill xmlns:a14="http://schemas.microsoft.com/office/drawing/2010/main">
+                <a:solidFill>
+                  <a:srgbClr val="FFFFFF"/>
+                </a:solidFill>
+              </a14:hiddenFill>
+            </a:ext>
+          </a:extLst>
+        </p:spPr>
+      </p:pic>
+      <p:pic>
+        <p:nvPicPr>
+          <p:cNvPr id="4110" name="Picture 14">
+            <a:extLst>
+              <a:ext uri="{FF2B5EF4-FFF2-40B4-BE49-F238E27FC236}">
+                <a16:creationId xmlns:a16="http://schemas.microsoft.com/office/drawing/2014/main" id="{8DDDFD44-3D8D-2E36-2472-CEC452847329}"/>
+              </a:ext>
+            </a:extLst>
+          </p:cNvPr>
+          <p:cNvPicPr>
+            <a:picLocks noChangeAspect="1" noChangeArrowheads="1"/>
+          </p:cNvPicPr>
+          <p:nvPr/>
+        </p:nvPicPr>
+        <p:blipFill>
+          <a:blip r:embed="rId4">
+            <a:extLst>
+              <a:ext uri="{28A0092B-C50C-407E-A947-70E740481C1C}">
+                <a14:useLocalDpi xmlns:a14="http://schemas.microsoft.com/office/drawing/2010/main" val="0"/>
+              </a:ext>
+            </a:extLst>
+          </a:blip>
+          <a:srcRect/>
+          <a:stretch>
+            <a:fillRect/>
+          </a:stretch>
+        </p:blipFill>
+        <p:spPr bwMode="auto">
+          <a:xfrm>
+            <a:off x="8028473" y="2201033"/>
+            <a:ext cx="3391125" cy="2563060"/>
+          </a:xfrm>
+          <a:prstGeom prst="rect">
+            <a:avLst/>
+          </a:prstGeom>
+          <a:noFill/>
+          <a:extLst>
+            <a:ext uri="{909E8E84-426E-40DD-AFC4-6F175D3DCCD1}">
+              <a14:hiddenFill xmlns:a14="http://schemas.microsoft.com/office/drawing/2010/main">
+                <a:solidFill>
+                  <a:srgbClr val="FFFFFF"/>
+                </a:solidFill>
+              </a14:hiddenFill>
+            </a:ext>
+          </a:extLst>
+        </p:spPr>
+      </p:pic>
+      <p:sp>
+        <p:nvSpPr>
+          <p:cNvPr id="4" name="Title 3">
+            <a:extLst>
+              <a:ext uri="{FF2B5EF4-FFF2-40B4-BE49-F238E27FC236}">
+                <a16:creationId xmlns:a16="http://schemas.microsoft.com/office/drawing/2014/main" id="{4CE094D6-3ECC-C958-028A-6B80C35FBA2F}"/>
+              </a:ext>
+            </a:extLst>
+          </p:cNvPr>
+          <p:cNvSpPr>
+            <a:spLocks noGrp="1"/>
+          </p:cNvSpPr>
+          <p:nvPr>
+            <p:ph type="title"/>
+          </p:nvPr>
+        </p:nvSpPr>
+        <p:spPr/>
+        <p:txBody>
+          <a:bodyPr/>
+          <a:lstStyle/>
+          <a:p>
+            <a:r>
+              <a:rPr lang="en-US" dirty="0"/>
+              <a:t>Loss for different activation functions (</a:t>
+            </a:r>
+            <a:r>
+              <a:rPr lang="en-US" cap="none" dirty="0"/>
+              <a:t>a</a:t>
+            </a:r>
+            <a:r>
+              <a:rPr lang="en-US" dirty="0"/>
+              <a:t>)</a:t>
+            </a:r>
+          </a:p>
+        </p:txBody>
+      </p:sp>
+    </p:spTree>
+    <p:extLst>
+      <p:ext uri="{BB962C8B-B14F-4D97-AF65-F5344CB8AC3E}">
+        <p14:creationId xmlns:p14="http://schemas.microsoft.com/office/powerpoint/2010/main" val="140343753"/>
+      </p:ext>
+    </p:extLst>
+  </p:cSld>
+  <p:clrMapOvr>
+    <a:masterClrMapping/>
+  </p:clrMapOvr>
+</p:sld>
+</file>
+
+<file path=ppt/slides/slide9.xml><?xml version="1.0" encoding="utf-8"?>
+<p:sld xmlns:a="http://schemas.openxmlformats.org/drawingml/2006/main" xmlns:r="http://schemas.openxmlformats.org/officeDocument/2006/relationships" xmlns:p="http://schemas.openxmlformats.org/presentationml/2006/main">
+  <p:cSld>
+    <p:spTree>
+      <p:nvGrpSpPr>
+        <p:cNvPr id="1" name=""/>
+        <p:cNvGrpSpPr/>
+        <p:nvPr/>
+      </p:nvGrpSpPr>
+      <p:grpSpPr>
+        <a:xfrm>
+          <a:off x="0" y="0"/>
+          <a:ext cx="0" cy="0"/>
+          <a:chOff x="0" y="0"/>
+          <a:chExt cx="0" cy="0"/>
+        </a:xfrm>
+      </p:grpSpPr>
+      <p:pic>
+        <p:nvPicPr>
+          <p:cNvPr id="6152" name="Picture 8">
+            <a:extLst>
+              <a:ext uri="{FF2B5EF4-FFF2-40B4-BE49-F238E27FC236}">
+                <a16:creationId xmlns:a16="http://schemas.microsoft.com/office/drawing/2014/main" id="{43F20014-B371-3B4E-67E1-35602EBD6D46}"/>
+              </a:ext>
+            </a:extLst>
+          </p:cNvPr>
+          <p:cNvPicPr>
+            <a:picLocks noChangeAspect="1" noChangeArrowheads="1"/>
+          </p:cNvPicPr>
+          <p:nvPr/>
+        </p:nvPicPr>
+        <p:blipFill>
+          <a:blip r:embed="rId2">
+            <a:extLst>
+              <a:ext uri="{28A0092B-C50C-407E-A947-70E740481C1C}">
+                <a14:useLocalDpi xmlns:a14="http://schemas.microsoft.com/office/drawing/2010/main" val="0"/>
+              </a:ext>
+            </a:extLst>
+          </a:blip>
+          <a:srcRect/>
+          <a:stretch>
+            <a:fillRect/>
+          </a:stretch>
+        </p:blipFill>
+        <p:spPr bwMode="auto">
+          <a:xfrm>
+            <a:off x="0" y="2434071"/>
+            <a:ext cx="3601518" cy="2722078"/>
+          </a:xfrm>
+          <a:prstGeom prst="rect">
+            <a:avLst/>
+          </a:prstGeom>
+          <a:noFill/>
+          <a:extLst>
+            <a:ext uri="{909E8E84-426E-40DD-AFC4-6F175D3DCCD1}">
+              <a14:hiddenFill xmlns:a14="http://schemas.microsoft.com/office/drawing/2010/main">
+                <a:solidFill>
+                  <a:srgbClr val="FFFFFF"/>
+                </a:solidFill>
+              </a14:hiddenFill>
+            </a:ext>
+          </a:extLst>
+        </p:spPr>
+      </p:pic>
+      <p:pic>
+        <p:nvPicPr>
+          <p:cNvPr id="6154" name="Picture 10">
+            <a:extLst>
+              <a:ext uri="{FF2B5EF4-FFF2-40B4-BE49-F238E27FC236}">
+                <a16:creationId xmlns:a16="http://schemas.microsoft.com/office/drawing/2014/main" id="{9F0377EC-53FE-F4C0-90E1-3F91ADBFAB67}"/>
+              </a:ext>
+            </a:extLst>
+          </p:cNvPr>
+          <p:cNvPicPr>
+            <a:picLocks noChangeAspect="1" noChangeArrowheads="1"/>
+          </p:cNvPicPr>
+          <p:nvPr/>
+        </p:nvPicPr>
+        <p:blipFill>
+          <a:blip r:embed="rId3">
+            <a:extLst>
+              <a:ext uri="{28A0092B-C50C-407E-A947-70E740481C1C}">
+                <a14:useLocalDpi xmlns:a14="http://schemas.microsoft.com/office/drawing/2010/main" val="0"/>
+              </a:ext>
+            </a:extLst>
+          </a:blip>
+          <a:srcRect/>
+          <a:stretch>
+            <a:fillRect/>
+          </a:stretch>
+        </p:blipFill>
+        <p:spPr bwMode="auto">
+          <a:xfrm>
+            <a:off x="3918961" y="2434071"/>
+            <a:ext cx="3601518" cy="2722078"/>
+          </a:xfrm>
+          <a:prstGeom prst="rect">
+            <a:avLst/>
+          </a:prstGeom>
+          <a:noFill/>
+          <a:extLst>
+            <a:ext uri="{909E8E84-426E-40DD-AFC4-6F175D3DCCD1}">
+              <a14:hiddenFill xmlns:a14="http://schemas.microsoft.com/office/drawing/2010/main">
+                <a:solidFill>
+                  <a:srgbClr val="FFFFFF"/>
+                </a:solidFill>
+              </a14:hiddenFill>
+            </a:ext>
+          </a:extLst>
+        </p:spPr>
+      </p:pic>
+      <p:pic>
+        <p:nvPicPr>
+          <p:cNvPr id="6156" name="Picture 12">
+            <a:extLst>
+              <a:ext uri="{FF2B5EF4-FFF2-40B4-BE49-F238E27FC236}">
+                <a16:creationId xmlns:a16="http://schemas.microsoft.com/office/drawing/2014/main" id="{E3AB7803-5068-E364-54AE-41805F8FAF36}"/>
+              </a:ext>
+            </a:extLst>
+          </p:cNvPr>
+          <p:cNvPicPr>
+            <a:picLocks noChangeAspect="1" noChangeArrowheads="1"/>
+          </p:cNvPicPr>
+          <p:nvPr/>
+        </p:nvPicPr>
+        <p:blipFill>
+          <a:blip r:embed="rId4">
+            <a:extLst>
+              <a:ext uri="{28A0092B-C50C-407E-A947-70E740481C1C}">
+                <a14:useLocalDpi xmlns:a14="http://schemas.microsoft.com/office/drawing/2010/main" val="0"/>
+              </a:ext>
+            </a:extLst>
+          </a:blip>
+          <a:srcRect/>
+          <a:stretch>
+            <a:fillRect/>
+          </a:stretch>
+        </p:blipFill>
+        <p:spPr bwMode="auto">
+          <a:xfrm>
+            <a:off x="7909964" y="2434071"/>
+            <a:ext cx="3601519" cy="2722078"/>
+          </a:xfrm>
+          <a:prstGeom prst="rect">
+            <a:avLst/>
+          </a:prstGeom>
+          <a:noFill/>
+          <a:extLst>
+            <a:ext uri="{909E8E84-426E-40DD-AFC4-6F175D3DCCD1}">
+              <a14:hiddenFill xmlns:a14="http://schemas.microsoft.com/office/drawing/2010/main">
+                <a:solidFill>
+                  <a:srgbClr val="FFFFFF"/>
+                </a:solidFill>
+              </a14:hiddenFill>
+            </a:ext>
+          </a:extLst>
+        </p:spPr>
+      </p:pic>
+      <p:sp>
+        <p:nvSpPr>
+          <p:cNvPr id="3" name="Title 2">
+            <a:extLst>
+              <a:ext uri="{FF2B5EF4-FFF2-40B4-BE49-F238E27FC236}">
+                <a16:creationId xmlns:a16="http://schemas.microsoft.com/office/drawing/2014/main" id="{F725BBF3-3C98-BDD0-B250-C70A75A5F2D9}"/>
+              </a:ext>
+            </a:extLst>
+          </p:cNvPr>
+          <p:cNvSpPr>
+            <a:spLocks noGrp="1"/>
+          </p:cNvSpPr>
+          <p:nvPr>
+            <p:ph type="title"/>
+          </p:nvPr>
+        </p:nvSpPr>
+        <p:spPr/>
+        <p:txBody>
+          <a:bodyPr/>
+          <a:lstStyle/>
+          <a:p>
+            <a:r>
+              <a:rPr lang="en-US" dirty="0"/>
+              <a:t>Loss for different activation functions (</a:t>
+            </a:r>
+            <a:r>
+              <a:rPr lang="en-US" cap="none" dirty="0"/>
+              <a:t>a</a:t>
+            </a:r>
+            <a:r>
+              <a:rPr lang="en-US" dirty="0"/>
+              <a:t>)</a:t>
+            </a:r>
+          </a:p>
+        </p:txBody>
+      </p:sp>
+    </p:spTree>
+    <p:extLst>
+      <p:ext uri="{BB962C8B-B14F-4D97-AF65-F5344CB8AC3E}">
+        <p14:creationId xmlns:p14="http://schemas.microsoft.com/office/powerpoint/2010/main" val="1337301160"/>
       </p:ext>
     </p:extLst>
   </p:cSld>
@@ -4790,9 +6210,9 @@
 </file>
 
 <file path=ppt/theme/theme1.xml><?xml version="1.0" encoding="utf-8"?>
-<a:theme xmlns:a="http://schemas.openxmlformats.org/drawingml/2006/main" name="Office Theme">
+<a:theme xmlns:a="http://schemas.openxmlformats.org/drawingml/2006/main" name="Gallery">
   <a:themeElements>
-    <a:clrScheme name="Office">
+    <a:clrScheme name="Gallery">
       <a:dk1>
         <a:sysClr val="windowText" lastClr="000000"/>
       </a:dk1>
@@ -4800,39 +6220,39 @@
         <a:sysClr val="window" lastClr="FFFFFF"/>
       </a:lt1>
       <a:dk2>
-        <a:srgbClr val="44546A"/>
+        <a:srgbClr val="454545"/>
       </a:dk2>
       <a:lt2>
-        <a:srgbClr val="E7E6E6"/>
+        <a:srgbClr val="DFDBD5"/>
       </a:lt2>
       <a:accent1>
-        <a:srgbClr val="4472C4"/>
+        <a:srgbClr val="B71E42"/>
       </a:accent1>
       <a:accent2>
-        <a:srgbClr val="ED7D31"/>
+        <a:srgbClr val="DE478E"/>
       </a:accent2>
       <a:accent3>
-        <a:srgbClr val="A5A5A5"/>
+        <a:srgbClr val="BC72F0"/>
       </a:accent3>
       <a:accent4>
-        <a:srgbClr val="FFC000"/>
+        <a:srgbClr val="795FAF"/>
       </a:accent4>
       <a:accent5>
-        <a:srgbClr val="5B9BD5"/>
+        <a:srgbClr val="586EA6"/>
       </a:accent5>
       <a:accent6>
-        <a:srgbClr val="70AD47"/>
+        <a:srgbClr val="6892A0"/>
       </a:accent6>
       <a:hlink>
-        <a:srgbClr val="0563C1"/>
+        <a:srgbClr val="FA2B5C"/>
       </a:hlink>
       <a:folHlink>
-        <a:srgbClr val="954F72"/>
+        <a:srgbClr val="BC658E"/>
       </a:folHlink>
     </a:clrScheme>
-    <a:fontScheme name="Office">
+    <a:fontScheme name="Gallery">
       <a:majorFont>
-        <a:latin typeface="Calibri Light" panose="020F0302020204030204"/>
+        <a:latin typeface="Gill Sans MT" panose="020B0502020104020203"/>
         <a:ea typeface=""/>
         <a:cs typeface=""/>
         <a:font script="Jpan" typeface="游ゴシック Light"/>
@@ -4865,26 +6285,9 @@
         <a:font script="Viet" typeface="Times New Roman"/>
         <a:font script="Uigh" typeface="Microsoft Uighur"/>
         <a:font script="Geor" typeface="Sylfaen"/>
-        <a:font script="Armn" typeface="Arial"/>
-        <a:font script="Bugi" typeface="Leelawadee UI"/>
-        <a:font script="Bopo" typeface="Microsoft JhengHei"/>
-        <a:font script="Java" typeface="Javanese Text"/>
-        <a:font script="Lisu" typeface="Segoe UI"/>
-        <a:font script="Mymr" typeface="Myanmar Text"/>
-        <a:font script="Nkoo" typeface="Ebrima"/>
-        <a:font script="Olck" typeface="Nirmala UI"/>
-        <a:font script="Osma" typeface="Ebrima"/>
-        <a:font script="Phag" typeface="Phagspa"/>
-        <a:font script="Syrn" typeface="Estrangelo Edessa"/>
-        <a:font script="Syrj" typeface="Estrangelo Edessa"/>
-        <a:font script="Syre" typeface="Estrangelo Edessa"/>
-        <a:font script="Sora" typeface="Nirmala UI"/>
-        <a:font script="Tale" typeface="Microsoft Tai Le"/>
-        <a:font script="Talu" typeface="Microsoft New Tai Lue"/>
-        <a:font script="Tfng" typeface="Ebrima"/>
       </a:majorFont>
       <a:minorFont>
-        <a:latin typeface="Calibri" panose="020F0502020204030204"/>
+        <a:latin typeface="Gill Sans MT" panose="020B0502020104020203"/>
         <a:ea typeface=""/>
         <a:cs typeface=""/>
         <a:font script="Jpan" typeface="游ゴシック"/>
@@ -4917,26 +6320,9 @@
         <a:font script="Viet" typeface="Arial"/>
         <a:font script="Uigh" typeface="Microsoft Uighur"/>
         <a:font script="Geor" typeface="Sylfaen"/>
-        <a:font script="Armn" typeface="Arial"/>
-        <a:font script="Bugi" typeface="Leelawadee UI"/>
-        <a:font script="Bopo" typeface="Microsoft JhengHei"/>
-        <a:font script="Java" typeface="Javanese Text"/>
-        <a:font script="Lisu" typeface="Segoe UI"/>
-        <a:font script="Mymr" typeface="Myanmar Text"/>
-        <a:font script="Nkoo" typeface="Ebrima"/>
-        <a:font script="Olck" typeface="Nirmala UI"/>
-        <a:font script="Osma" typeface="Ebrima"/>
-        <a:font script="Phag" typeface="Phagspa"/>
-        <a:font script="Syrn" typeface="Estrangelo Edessa"/>
-        <a:font script="Syrj" typeface="Estrangelo Edessa"/>
-        <a:font script="Syre" typeface="Estrangelo Edessa"/>
-        <a:font script="Sora" typeface="Nirmala UI"/>
-        <a:font script="Tale" typeface="Microsoft Tai Le"/>
-        <a:font script="Talu" typeface="Microsoft New Tai Lue"/>
-        <a:font script="Tfng" typeface="Ebrima"/>
       </a:minorFont>
     </a:fontScheme>
-    <a:fmtScheme name="Office">
+    <a:fmtScheme name="Gallery">
       <a:fillStyleLst>
         <a:solidFill>
           <a:schemeClr val="phClr"/>
@@ -4945,23 +6331,18 @@
           <a:gsLst>
             <a:gs pos="0">
               <a:schemeClr val="phClr">
+                <a:tint val="54000"/>
+                <a:alpha val="100000"/>
+                <a:satMod val="105000"/>
                 <a:lumMod val="110000"/>
-                <a:satMod val="105000"/>
-                <a:tint val="67000"/>
-              </a:schemeClr>
-            </a:gs>
-            <a:gs pos="50000">
-              <a:schemeClr val="phClr">
-                <a:lumMod val="105000"/>
-                <a:satMod val="103000"/>
-                <a:tint val="73000"/>
               </a:schemeClr>
             </a:gs>
             <a:gs pos="100000">
               <a:schemeClr val="phClr">
-                <a:lumMod val="105000"/>
+                <a:tint val="78000"/>
+                <a:alpha val="92000"/>
                 <a:satMod val="109000"/>
-                <a:tint val="81000"/>
+                <a:lumMod val="100000"/>
               </a:schemeClr>
             </a:gs>
           </a:gsLst>
@@ -4971,23 +6352,23 @@
           <a:gsLst>
             <a:gs pos="0">
               <a:schemeClr val="phClr">
-                <a:satMod val="103000"/>
-                <a:lumMod val="102000"/>
-                <a:tint val="94000"/>
+                <a:tint val="98000"/>
+                <a:satMod val="110000"/>
+                <a:lumMod val="104000"/>
               </a:schemeClr>
             </a:gs>
-            <a:gs pos="50000">
+            <a:gs pos="69000">
               <a:schemeClr val="phClr">
-                <a:satMod val="110000"/>
-                <a:lumMod val="100000"/>
-                <a:shade val="100000"/>
+                <a:shade val="88000"/>
+                <a:satMod val="130000"/>
+                <a:lumMod val="92000"/>
               </a:schemeClr>
             </a:gs>
             <a:gs pos="100000">
               <a:schemeClr val="phClr">
-                <a:lumMod val="99000"/>
-                <a:satMod val="120000"/>
                 <a:shade val="78000"/>
+                <a:satMod val="130000"/>
+                <a:lumMod val="92000"/>
               </a:schemeClr>
             </a:gs>
           </a:gsLst>
@@ -4995,26 +6376,23 @@
         </a:gradFill>
       </a:fillStyleLst>
       <a:lnStyleLst>
-        <a:ln w="6350" cap="flat" cmpd="sng" algn="ctr">
+        <a:ln w="9525" cap="flat" cmpd="sng" algn="ctr">
           <a:solidFill>
             <a:schemeClr val="phClr"/>
           </a:solidFill>
           <a:prstDash val="solid"/>
-          <a:miter lim="800000"/>
         </a:ln>
-        <a:ln w="12700" cap="flat" cmpd="sng" algn="ctr">
+        <a:ln w="15875" cap="flat" cmpd="sng" algn="ctr">
           <a:solidFill>
             <a:schemeClr val="phClr"/>
           </a:solidFill>
           <a:prstDash val="solid"/>
-          <a:miter lim="800000"/>
         </a:ln>
-        <a:ln w="19050" cap="flat" cmpd="sng" algn="ctr">
+        <a:ln w="22225" cap="flat" cmpd="sng" algn="ctr">
           <a:solidFill>
             <a:schemeClr val="phClr"/>
           </a:solidFill>
           <a:prstDash val="solid"/>
-          <a:miter lim="800000"/>
         </a:ln>
       </a:lnStyleLst>
       <a:effectStyleLst>
@@ -5026,12 +6404,23 @@
         </a:effectStyle>
         <a:effectStyle>
           <a:effectLst>
-            <a:outerShdw blurRad="57150" dist="19050" dir="5400000" algn="ctr" rotWithShape="0">
+            <a:outerShdw blurRad="50800" dist="50800" dir="5400000" sx="96000" sy="96000" rotWithShape="0">
               <a:srgbClr val="000000">
-                <a:alpha val="63000"/>
+                <a:alpha val="48000"/>
               </a:srgbClr>
             </a:outerShdw>
           </a:effectLst>
+          <a:scene3d>
+            <a:camera prst="orthographicFront">
+              <a:rot lat="0" lon="0" rev="0"/>
+            </a:camera>
+            <a:lightRig rig="balanced" dir="t">
+              <a:rot lat="0" lon="0" rev="1080000"/>
+            </a:lightRig>
+          </a:scene3d>
+          <a:sp3d>
+            <a:bevelT w="38100" h="12700" prst="softRound"/>
+          </a:sp3d>
         </a:effectStyle>
       </a:effectStyleLst>
       <a:bgFillStyleLst>
@@ -5039,37 +6428,26 @@
           <a:schemeClr val="phClr"/>
         </a:solidFill>
         <a:solidFill>
-          <a:schemeClr val="phClr">
-            <a:tint val="95000"/>
-            <a:satMod val="170000"/>
-          </a:schemeClr>
+          <a:schemeClr val="phClr"/>
         </a:solidFill>
         <a:gradFill rotWithShape="1">
           <a:gsLst>
             <a:gs pos="0">
               <a:schemeClr val="phClr">
-                <a:tint val="93000"/>
-                <a:satMod val="150000"/>
-                <a:shade val="98000"/>
-                <a:lumMod val="102000"/>
-              </a:schemeClr>
-            </a:gs>
-            <a:gs pos="50000">
-              <a:schemeClr val="phClr">
-                <a:tint val="98000"/>
-                <a:satMod val="130000"/>
-                <a:shade val="90000"/>
-                <a:lumMod val="103000"/>
+                <a:tint val="94000"/>
+                <a:satMod val="80000"/>
+                <a:lumMod val="106000"/>
               </a:schemeClr>
             </a:gs>
             <a:gs pos="100000">
               <a:schemeClr val="phClr">
-                <a:shade val="63000"/>
-                <a:satMod val="120000"/>
+                <a:shade val="80000"/>
               </a:schemeClr>
             </a:gs>
           </a:gsLst>
-          <a:lin ang="5400000" scaled="0"/>
+          <a:path path="circle">
+            <a:fillToRect l="50000" t="50000" r="50000" b="50000"/>
+          </a:path>
         </a:gradFill>
       </a:bgFillStyleLst>
     </a:fmtScheme>
@@ -5078,7 +6456,7 @@
   <a:extraClrSchemeLst/>
   <a:extLst>
     <a:ext uri="{05A4C25C-085E-4340-85A3-A5531E510DB2}">
-      <thm15:themeFamily xmlns:thm15="http://schemas.microsoft.com/office/thememl/2012/main" name="Office Theme" id="{62F939B6-93AF-4DB8-9C6B-D6C7DFDC589F}" vid="{4A3C46E8-61CC-4603-A589-7422A47A8E4A}"/>
+      <thm15:themeFamily xmlns:thm15="http://schemas.microsoft.com/office/thememl/2012/main" name="Gallery" id="{BBFCD31E-59A1-489D-B089-A3EAD7CAE12E}" vid="{F5E91637-A7B6-4E27-B710-77DA7014EE1E}"/>
     </a:ext>
   </a:extLst>
 </a:theme>
